--- a/第4讲 被动回复消息.pptx
+++ b/第4讲 被动回复消息.pptx
@@ -266,7 +266,7 @@
           <a:p>
             <a:fld id="{2B71C804-97F5-4B36-A7AC-EEEC7F44F6C2}" type="datetimeFigureOut">
               <a:rPr lang="zh-CN" altLang="en-US" smtClean="0"/>
-              <a:t>2017/7/10</a:t>
+              <a:t>2017/8/17</a:t>
             </a:fld>
             <a:endParaRPr lang="zh-CN" altLang="en-US"/>
           </a:p>
@@ -432,7 +432,7 @@
           <a:p>
             <a:fld id="{0568D9C6-D8DC-4CC3-8480-E0C4DBA1CC07}" type="datetimeFigureOut">
               <a:rPr lang="zh-CN" altLang="en-US" smtClean="0"/>
-              <a:t>2017/7/10</a:t>
+              <a:t>2017/8/17</a:t>
             </a:fld>
             <a:endParaRPr lang="zh-CN" altLang="en-US"/>
           </a:p>
@@ -1045,7 +1045,7 @@
           <a:p>
             <a:fld id="{DB9D664F-4C68-42D2-B189-678958EFAFDA}" type="datetime1">
               <a:rPr lang="zh-CN" altLang="en-US" smtClean="0"/>
-              <a:t>2017/7/10</a:t>
+              <a:t>2017/8/17</a:t>
             </a:fld>
             <a:endParaRPr lang="zh-CN" altLang="en-US"/>
           </a:p>
@@ -2027,7 +2027,7 @@
           <a:p>
             <a:fld id="{ED5513C8-E3A4-4D78-B249-887659A958FF}" type="datetime1">
               <a:rPr lang="en-US" altLang="zh-CN" smtClean="0"/>
-              <a:t>7/10/2017</a:t>
+              <a:t>8/17/2017</a:t>
             </a:fld>
             <a:endParaRPr lang="en-US"/>
           </a:p>
@@ -2205,7 +2205,7 @@
           <a:p>
             <a:fld id="{EBEDA52C-3EEE-4289-818C-901C0A7814FE}" type="datetime1">
               <a:rPr lang="en-US" altLang="zh-CN" smtClean="0"/>
-              <a:t>7/10/2017</a:t>
+              <a:t>8/17/2017</a:t>
             </a:fld>
             <a:endParaRPr lang="en-US"/>
           </a:p>
@@ -2459,7 +2459,7 @@
           <a:p>
             <a:fld id="{09EF5D7F-EA15-485C-85DD-8FDC010A62D4}" type="datetime1">
               <a:rPr lang="en-US" altLang="zh-CN" smtClean="0"/>
-              <a:t>7/10/2017</a:t>
+              <a:t>8/17/2017</a:t>
             </a:fld>
             <a:endParaRPr lang="en-US"/>
           </a:p>
@@ -2699,7 +2699,7 @@
           <a:p>
             <a:fld id="{9541C2B2-0BAB-4CD4-83EE-25F1A7138896}" type="datetime1">
               <a:rPr lang="en-US" altLang="zh-CN" smtClean="0"/>
-              <a:t>7/10/2017</a:t>
+              <a:t>8/17/2017</a:t>
             </a:fld>
             <a:endParaRPr lang="en-US"/>
           </a:p>
@@ -3074,7 +3074,7 @@
           <a:p>
             <a:fld id="{7DEA23E7-D0FC-41DC-8745-BE6FC447B182}" type="datetime1">
               <a:rPr lang="en-US" altLang="zh-CN" smtClean="0"/>
-              <a:t>7/10/2017</a:t>
+              <a:t>8/17/2017</a:t>
             </a:fld>
             <a:endParaRPr lang="en-US"/>
           </a:p>
@@ -3859,7 +3859,7 @@
           <a:p>
             <a:fld id="{5DEA8378-5F33-490B-8120-8DE6B7EE2781}" type="datetime1">
               <a:rPr lang="en-US" altLang="zh-CN" smtClean="0"/>
-              <a:t>7/10/2017</a:t>
+              <a:t>8/17/2017</a:t>
             </a:fld>
             <a:endParaRPr lang="en-US"/>
           </a:p>
@@ -4113,7 +4113,7 @@
           <a:p>
             <a:fld id="{38DD30CF-78A7-4C73-91B4-38D3E3317745}" type="datetime1">
               <a:rPr lang="en-US" altLang="zh-CN" smtClean="0"/>
-              <a:t>7/10/2017</a:t>
+              <a:t>8/17/2017</a:t>
             </a:fld>
             <a:endParaRPr lang="en-US"/>
           </a:p>
@@ -4216,7 +4216,7 @@
           <a:p>
             <a:fld id="{A1BE0A72-8501-4974-A7B7-5BD248ABBAFC}" type="datetime1">
               <a:rPr lang="zh-CN" altLang="en-US" smtClean="0"/>
-              <a:t>2017/7/10</a:t>
+              <a:t>2017/8/17</a:t>
             </a:fld>
             <a:endParaRPr lang="zh-CN" altLang="en-US"/>
           </a:p>
@@ -4477,7 +4477,7 @@
           <a:p>
             <a:fld id="{0B7E01DD-16D0-4DBA-9C1A-51468BA0B73A}" type="datetime1">
               <a:rPr lang="en-US" altLang="zh-CN" smtClean="0"/>
-              <a:t>7/10/2017</a:t>
+              <a:t>8/17/2017</a:t>
             </a:fld>
             <a:endParaRPr lang="en-US"/>
           </a:p>
@@ -4655,7 +4655,7 @@
           <a:p>
             <a:fld id="{B587E63F-0E62-4A50-901F-E071D77F7634}" type="datetime1">
               <a:rPr lang="en-US" altLang="zh-CN" smtClean="0"/>
-              <a:t>7/10/2017</a:t>
+              <a:t>8/17/2017</a:t>
             </a:fld>
             <a:endParaRPr lang="en-US"/>
           </a:p>
@@ -4843,7 +4843,7 @@
           <a:p>
             <a:fld id="{BD8521E8-9297-400B-AD8C-0A4D05699D33}" type="datetime1">
               <a:rPr lang="en-US" altLang="zh-CN" smtClean="0"/>
-              <a:t>7/10/2017</a:t>
+              <a:t>8/17/2017</a:t>
             </a:fld>
             <a:endParaRPr lang="en-US"/>
           </a:p>
@@ -5074,7 +5074,7 @@
           <a:p>
             <a:fld id="{ED5513C8-E3A4-4D78-B249-887659A958FF}" type="datetime1">
               <a:rPr lang="en-US" altLang="zh-CN" smtClean="0"/>
-              <a:t>7/10/2017</a:t>
+              <a:t>8/17/2017</a:t>
             </a:fld>
             <a:endParaRPr lang="en-US"/>
           </a:p>
@@ -5252,7 +5252,7 @@
           <a:p>
             <a:fld id="{EBEDA52C-3EEE-4289-818C-901C0A7814FE}" type="datetime1">
               <a:rPr lang="en-US" altLang="zh-CN" smtClean="0"/>
-              <a:t>7/10/2017</a:t>
+              <a:t>8/17/2017</a:t>
             </a:fld>
             <a:endParaRPr lang="en-US"/>
           </a:p>
@@ -5506,7 +5506,7 @@
           <a:p>
             <a:fld id="{09EF5D7F-EA15-485C-85DD-8FDC010A62D4}" type="datetime1">
               <a:rPr lang="en-US" altLang="zh-CN" smtClean="0"/>
-              <a:t>7/10/2017</a:t>
+              <a:t>8/17/2017</a:t>
             </a:fld>
             <a:endParaRPr lang="en-US"/>
           </a:p>
@@ -5746,7 +5746,7 @@
           <a:p>
             <a:fld id="{9541C2B2-0BAB-4CD4-83EE-25F1A7138896}" type="datetime1">
               <a:rPr lang="en-US" altLang="zh-CN" smtClean="0"/>
-              <a:t>7/10/2017</a:t>
+              <a:t>8/17/2017</a:t>
             </a:fld>
             <a:endParaRPr lang="en-US"/>
           </a:p>
@@ -6121,7 +6121,7 @@
           <a:p>
             <a:fld id="{7DEA23E7-D0FC-41DC-8745-BE6FC447B182}" type="datetime1">
               <a:rPr lang="en-US" altLang="zh-CN" smtClean="0"/>
-              <a:t>7/10/2017</a:t>
+              <a:t>8/17/2017</a:t>
             </a:fld>
             <a:endParaRPr lang="en-US"/>
           </a:p>
@@ -6906,7 +6906,7 @@
           <a:p>
             <a:fld id="{A1BE0A72-8501-4974-A7B7-5BD248ABBAFC}" type="datetime1">
               <a:rPr lang="zh-CN" altLang="en-US" smtClean="0"/>
-              <a:t>2017/7/10</a:t>
+              <a:t>2017/8/17</a:t>
             </a:fld>
             <a:endParaRPr lang="zh-CN" altLang="en-US"/>
           </a:p>
@@ -6959,7 +6959,7 @@
           <a:p>
             <a:fld id="{5DEA8378-5F33-490B-8120-8DE6B7EE2781}" type="datetime1">
               <a:rPr lang="en-US" altLang="zh-CN" smtClean="0"/>
-              <a:t>7/10/2017</a:t>
+              <a:t>8/17/2017</a:t>
             </a:fld>
             <a:endParaRPr lang="en-US"/>
           </a:p>
@@ -7213,7 +7213,7 @@
           <a:p>
             <a:fld id="{38DD30CF-78A7-4C73-91B4-38D3E3317745}" type="datetime1">
               <a:rPr lang="en-US" altLang="zh-CN" smtClean="0"/>
-              <a:t>7/10/2017</a:t>
+              <a:t>8/17/2017</a:t>
             </a:fld>
             <a:endParaRPr lang="en-US"/>
           </a:p>
@@ -7478,7 +7478,7 @@
           <a:p>
             <a:fld id="{0B7E01DD-16D0-4DBA-9C1A-51468BA0B73A}" type="datetime1">
               <a:rPr lang="en-US" altLang="zh-CN" smtClean="0"/>
-              <a:t>7/10/2017</a:t>
+              <a:t>8/17/2017</a:t>
             </a:fld>
             <a:endParaRPr lang="en-US"/>
           </a:p>
@@ -7656,7 +7656,7 @@
           <a:p>
             <a:fld id="{B587E63F-0E62-4A50-901F-E071D77F7634}" type="datetime1">
               <a:rPr lang="en-US" altLang="zh-CN" smtClean="0"/>
-              <a:t>7/10/2017</a:t>
+              <a:t>8/17/2017</a:t>
             </a:fld>
             <a:endParaRPr lang="en-US"/>
           </a:p>
@@ -7844,7 +7844,7 @@
           <a:p>
             <a:fld id="{BD8521E8-9297-400B-AD8C-0A4D05699D33}" type="datetime1">
               <a:rPr lang="en-US" altLang="zh-CN" smtClean="0"/>
-              <a:t>7/10/2017</a:t>
+              <a:t>8/17/2017</a:t>
             </a:fld>
             <a:endParaRPr lang="en-US"/>
           </a:p>
@@ -7947,7 +7947,7 @@
           <a:p>
             <a:fld id="{EF452D9C-F9EB-4417-9C3A-C876C2AF9415}" type="datetime1">
               <a:rPr lang="zh-CN" altLang="en-US" smtClean="0"/>
-              <a:t>2017/7/10</a:t>
+              <a:t>2017/8/17</a:t>
             </a:fld>
             <a:endParaRPr lang="zh-CN" altLang="en-US"/>
           </a:p>
@@ -8133,7 +8133,7 @@
           <a:p>
             <a:fld id="{2F2E9289-9B4C-49AE-BDDA-70D6EDC89D17}" type="datetime1">
               <a:rPr lang="zh-CN" altLang="en-US" smtClean="0"/>
-              <a:t>2017/7/10</a:t>
+              <a:t>2017/8/17</a:t>
             </a:fld>
             <a:endParaRPr lang="zh-CN" altLang="en-US"/>
           </a:p>
@@ -8303,7 +8303,7 @@
           <a:p>
             <a:fld id="{2F2E9289-9B4C-49AE-BDDA-70D6EDC89D17}" type="datetime1">
               <a:rPr lang="zh-CN" altLang="en-US" smtClean="0"/>
-              <a:t>2017/7/10</a:t>
+              <a:t>2017/8/17</a:t>
             </a:fld>
             <a:endParaRPr lang="zh-CN" altLang="en-US"/>
           </a:p>
@@ -8539,7 +8539,7 @@
           <a:p>
             <a:fld id="{8C5BA751-A251-47D6-8494-C134D9EBED5F}" type="datetime1">
               <a:rPr lang="zh-CN" altLang="en-US" smtClean="0"/>
-              <a:t>2017/7/10</a:t>
+              <a:t>2017/8/17</a:t>
             </a:fld>
             <a:endParaRPr lang="zh-CN" altLang="en-US"/>
           </a:p>
@@ -8895,7 +8895,7 @@
           <a:p>
             <a:fld id="{C46E2078-F302-4651-A2A2-2FC6C4E1A3F1}" type="datetime1">
               <a:rPr lang="zh-CN" altLang="en-US" smtClean="0"/>
-              <a:t>2017/7/10</a:t>
+              <a:t>2017/8/17</a:t>
             </a:fld>
             <a:endParaRPr lang="zh-CN" altLang="en-US"/>
           </a:p>
@@ -9017,7 +9017,7 @@
               <a:pPr>
                 <a:defRPr/>
               </a:pPr>
-              <a:t>2017/7/10</a:t>
+              <a:t>2017/8/17</a:t>
             </a:fld>
             <a:endParaRPr lang="zh-CN" altLang="en-US"/>
           </a:p>
@@ -9165,7 +9165,7 @@
           <a:p>
             <a:fld id="{A1BE0A72-8501-4974-A7B7-5BD248ABBAFC}" type="datetime1">
               <a:rPr lang="zh-CN" altLang="en-US" smtClean="0"/>
-              <a:t>2017/7/10</a:t>
+              <a:t>2017/8/17</a:t>
             </a:fld>
             <a:endParaRPr lang="zh-CN" altLang="en-US"/>
           </a:p>
@@ -9679,7 +9679,7 @@
           <a:p>
             <a:fld id="{A1BE0A72-8501-4974-A7B7-5BD248ABBAFC}" type="datetime1">
               <a:rPr lang="zh-CN" altLang="en-US" smtClean="0"/>
-              <a:t>2017/7/10</a:t>
+              <a:t>2017/8/17</a:t>
             </a:fld>
             <a:endParaRPr lang="zh-CN" altLang="en-US"/>
           </a:p>
@@ -10285,7 +10285,7 @@
           <a:p>
             <a:fld id="{7A78726F-0AD2-4A20-BC72-263D2D3F3A2F}" type="datetime1">
               <a:rPr lang="en-US" altLang="zh-CN" smtClean="0"/>
-              <a:t>7/10/2017</a:t>
+              <a:t>8/17/2017</a:t>
             </a:fld>
             <a:endParaRPr lang="en-US"/>
           </a:p>
@@ -11266,7 +11266,7 @@
           <a:p>
             <a:fld id="{A1BE0A72-8501-4974-A7B7-5BD248ABBAFC}" type="datetime1">
               <a:rPr lang="zh-CN" altLang="en-US" smtClean="0"/>
-              <a:t>2017/7/10</a:t>
+              <a:t>2017/8/17</a:t>
             </a:fld>
             <a:endParaRPr lang="zh-CN" altLang="en-US"/>
           </a:p>
@@ -11872,7 +11872,7 @@
           <a:p>
             <a:fld id="{7A78726F-0AD2-4A20-BC72-263D2D3F3A2F}" type="datetime1">
               <a:rPr lang="en-US" altLang="zh-CN" smtClean="0"/>
-              <a:t>7/10/2017</a:t>
+              <a:t>8/17/2017</a:t>
             </a:fld>
             <a:endParaRPr lang="en-US"/>
           </a:p>
@@ -14412,28 +14412,7 @@
                 <a:latin typeface="微软雅黑" panose="020B0503020204020204" pitchFamily="34" charset="-122"/>
                 <a:ea typeface="微软雅黑" panose="020B0503020204020204" pitchFamily="34" charset="-122"/>
               </a:rPr>
-              <a:t>互换</a:t>
-            </a:r>
-            <a:r>
-              <a:rPr lang="zh-CN" altLang="en-US" dirty="0" smtClean="0">
-                <a:latin typeface="微软雅黑" panose="020B0503020204020204" pitchFamily="34" charset="-122"/>
-                <a:ea typeface="微软雅黑" panose="020B0503020204020204" pitchFamily="34" charset="-122"/>
-              </a:rPr>
-              <a:t>，</a:t>
-            </a:r>
-            <a:r>
-              <a:rPr lang="zh-CN" altLang="en-US" dirty="0" smtClean="0">
-                <a:latin typeface="微软雅黑" panose="020B0503020204020204" pitchFamily="34" charset="-122"/>
-                <a:ea typeface="微软雅黑" panose="020B0503020204020204" pitchFamily="34" charset="-122"/>
-              </a:rPr>
-              <a:t>返回格式化后的结果即可实现原样返回消息</a:t>
-            </a:r>
-            <a:r>
-              <a:rPr lang="zh-CN" altLang="en-US" dirty="0" smtClean="0">
-                <a:latin typeface="微软雅黑" panose="020B0503020204020204" pitchFamily="34" charset="-122"/>
-                <a:ea typeface="微软雅黑" panose="020B0503020204020204" pitchFamily="34" charset="-122"/>
-              </a:rPr>
-              <a:t>。</a:t>
+              <a:t>互换，返回格式化后的结果即可实现原样返回消息。</a:t>
             </a:r>
             <a:endParaRPr lang="en-US" altLang="zh-CN" dirty="0" smtClean="0">
               <a:latin typeface="微软雅黑" panose="020B0503020204020204" pitchFamily="34" charset="-122"/>
@@ -18844,7 +18823,7 @@
         <p:spPr>
           <a:xfrm>
             <a:off x="1054100" y="1785937"/>
-            <a:ext cx="10047288" cy="2677656"/>
+            <a:ext cx="10047288" cy="3600986"/>
           </a:xfrm>
           <a:prstGeom prst="rect">
             <a:avLst/>
@@ -19028,7 +19007,131 @@
                 <a:latin typeface="微软雅黑" panose="020B0503020204020204" pitchFamily="34" charset="-122"/>
                 <a:ea typeface="微软雅黑" panose="020B0503020204020204" pitchFamily="34" charset="-122"/>
               </a:rPr>
-              <a:t>标签的名称就会被解析为对象的属性。</a:t>
+              <a:t>标签的名称就会被解析为对象的属性</a:t>
+            </a:r>
+            <a:r>
+              <a:rPr lang="zh-CN" altLang="en-US" sz="2000" dirty="0" smtClean="0">
+                <a:latin typeface="微软雅黑" panose="020B0503020204020204" pitchFamily="34" charset="-122"/>
+                <a:ea typeface="微软雅黑" panose="020B0503020204020204" pitchFamily="34" charset="-122"/>
+              </a:rPr>
+              <a:t>。</a:t>
+            </a:r>
+            <a:endParaRPr lang="en-US" altLang="zh-CN" sz="2000" dirty="0" smtClean="0">
+              <a:latin typeface="微软雅黑" panose="020B0503020204020204" pitchFamily="34" charset="-122"/>
+              <a:ea typeface="微软雅黑" panose="020B0503020204020204" pitchFamily="34" charset="-122"/>
+            </a:endParaRPr>
+          </a:p>
+          <a:p>
+            <a:pPr marL="285750" indent="-285750">
+              <a:lnSpc>
+                <a:spcPct val="150000"/>
+              </a:lnSpc>
+              <a:buFont typeface="Arial" panose="020B0604020202020204" pitchFamily="34" charset="0"/>
+              <a:buChar char="•"/>
+            </a:pPr>
+            <a:r>
+              <a:rPr lang="zh-CN" altLang="en-US" sz="2000" dirty="0" smtClean="0">
+                <a:latin typeface="微软雅黑" panose="020B0503020204020204" pitchFamily="34" charset="-122"/>
+                <a:ea typeface="微软雅黑" panose="020B0503020204020204" pitchFamily="34" charset="-122"/>
+              </a:rPr>
+              <a:t>使用</a:t>
+            </a:r>
+            <a:r>
+              <a:rPr lang="en-US" altLang="zh-CN" sz="2000" dirty="0" err="1" smtClean="0">
+                <a:latin typeface="微软雅黑" panose="020B0503020204020204" pitchFamily="34" charset="-122"/>
+                <a:ea typeface="微软雅黑" panose="020B0503020204020204" pitchFamily="34" charset="-122"/>
+              </a:rPr>
+              <a:t>get_object_vars</a:t>
+            </a:r>
+            <a:r>
+              <a:rPr lang="zh-CN" altLang="en-US" sz="2000" dirty="0" smtClean="0">
+                <a:latin typeface="微软雅黑" panose="020B0503020204020204" pitchFamily="34" charset="-122"/>
+                <a:ea typeface="微软雅黑" panose="020B0503020204020204" pitchFamily="34" charset="-122"/>
+              </a:rPr>
+              <a:t>函数可以把</a:t>
+            </a:r>
+            <a:r>
+              <a:rPr lang="en-US" altLang="zh-CN" sz="2000" dirty="0" smtClean="0">
+                <a:latin typeface="微软雅黑" panose="020B0503020204020204" pitchFamily="34" charset="-122"/>
+                <a:ea typeface="微软雅黑" panose="020B0503020204020204" pitchFamily="34" charset="-122"/>
+              </a:rPr>
+              <a:t>PHP</a:t>
+            </a:r>
+            <a:r>
+              <a:rPr lang="zh-CN" altLang="en-US" sz="2000" dirty="0" smtClean="0">
+                <a:latin typeface="微软雅黑" panose="020B0503020204020204" pitchFamily="34" charset="-122"/>
+                <a:ea typeface="微软雅黑" panose="020B0503020204020204" pitchFamily="34" charset="-122"/>
+              </a:rPr>
+              <a:t>对象转换成数组。</a:t>
+            </a:r>
+            <a:endParaRPr lang="en-US" altLang="zh-CN" sz="2000" dirty="0" smtClean="0">
+              <a:latin typeface="微软雅黑" panose="020B0503020204020204" pitchFamily="34" charset="-122"/>
+              <a:ea typeface="微软雅黑" panose="020B0503020204020204" pitchFamily="34" charset="-122"/>
+            </a:endParaRPr>
+          </a:p>
+          <a:p>
+            <a:pPr marL="285750" indent="-285750">
+              <a:lnSpc>
+                <a:spcPct val="150000"/>
+              </a:lnSpc>
+              <a:buFont typeface="Arial" panose="020B0604020202020204" pitchFamily="34" charset="0"/>
+              <a:buChar char="•"/>
+            </a:pPr>
+            <a:r>
+              <a:rPr lang="en-US" altLang="zh-CN" sz="2000" dirty="0" err="1" smtClean="0">
+                <a:latin typeface="微软雅黑" panose="020B0503020204020204" pitchFamily="34" charset="-122"/>
+                <a:ea typeface="微软雅黑" panose="020B0503020204020204" pitchFamily="34" charset="-122"/>
+              </a:rPr>
+              <a:t>DOMDocument</a:t>
+            </a:r>
+            <a:r>
+              <a:rPr lang="zh-CN" altLang="en-US" sz="2000" dirty="0" smtClean="0">
+                <a:latin typeface="微软雅黑" panose="020B0503020204020204" pitchFamily="34" charset="-122"/>
+                <a:ea typeface="微软雅黑" panose="020B0503020204020204" pitchFamily="34" charset="-122"/>
+              </a:rPr>
+              <a:t>类</a:t>
+            </a:r>
+            <a:r>
+              <a:rPr lang="zh-CN" altLang="en-US" sz="2000" dirty="0">
+                <a:latin typeface="微软雅黑" panose="020B0503020204020204" pitchFamily="34" charset="-122"/>
+                <a:ea typeface="微软雅黑" panose="020B0503020204020204" pitchFamily="34" charset="-122"/>
+              </a:rPr>
+              <a:t>可以</a:t>
+            </a:r>
+            <a:r>
+              <a:rPr lang="zh-CN" altLang="en-US" sz="2000" dirty="0" smtClean="0">
+                <a:latin typeface="微软雅黑" panose="020B0503020204020204" pitchFamily="34" charset="-122"/>
+                <a:ea typeface="微软雅黑" panose="020B0503020204020204" pitchFamily="34" charset="-122"/>
+              </a:rPr>
+              <a:t>加载</a:t>
+            </a:r>
+            <a:r>
+              <a:rPr lang="en-US" altLang="zh-CN" sz="2000" dirty="0" smtClean="0">
+                <a:latin typeface="微软雅黑" panose="020B0503020204020204" pitchFamily="34" charset="-122"/>
+                <a:ea typeface="微软雅黑" panose="020B0503020204020204" pitchFamily="34" charset="-122"/>
+              </a:rPr>
+              <a:t>XML</a:t>
+            </a:r>
+            <a:r>
+              <a:rPr lang="zh-CN" altLang="en-US" sz="2000" dirty="0" smtClean="0">
+                <a:latin typeface="微软雅黑" panose="020B0503020204020204" pitchFamily="34" charset="-122"/>
+                <a:ea typeface="微软雅黑" panose="020B0503020204020204" pitchFamily="34" charset="-122"/>
+              </a:rPr>
+              <a:t>数据为</a:t>
+            </a:r>
+            <a:r>
+              <a:rPr lang="en-US" altLang="zh-CN" sz="2000" dirty="0" smtClean="0">
+                <a:latin typeface="微软雅黑" panose="020B0503020204020204" pitchFamily="34" charset="-122"/>
+                <a:ea typeface="微软雅黑" panose="020B0503020204020204" pitchFamily="34" charset="-122"/>
+              </a:rPr>
+              <a:t>DOM</a:t>
+            </a:r>
+            <a:r>
+              <a:rPr lang="zh-CN" altLang="en-US" sz="2000" dirty="0" smtClean="0">
+                <a:latin typeface="微软雅黑" panose="020B0503020204020204" pitchFamily="34" charset="-122"/>
+                <a:ea typeface="微软雅黑" panose="020B0503020204020204" pitchFamily="34" charset="-122"/>
+              </a:rPr>
+              <a:t>，之后使用方法操标签数据。</a:t>
             </a:r>
             <a:endParaRPr lang="en-US" altLang="zh-CN" sz="2000" dirty="0" smtClean="0">
               <a:latin typeface="微软雅黑" panose="020B0503020204020204" pitchFamily="34" charset="-122"/>

--- a/第4讲 被动回复消息.pptx
+++ b/第4讲 被动回复消息.pptx
@@ -184,6 +184,10 @@
 </p:cmAuthorLst>
 </file>
 
+<file path=ppt/revisionInfo.xml><?xml version="1.0" encoding="utf-8"?>
+<p1510:revInfo xmlns:a="http://schemas.openxmlformats.org/drawingml/2006/main" xmlns:r="http://schemas.openxmlformats.org/officeDocument/2006/relationships" xmlns:p1510="http://schemas.microsoft.com/office/powerpoint/2015/10/main"/>
+</file>
+
 <file path=ppt/handoutMasters/handoutMaster1.xml><?xml version="1.0" encoding="utf-8"?>
 <p:handoutMaster xmlns:a="http://schemas.openxmlformats.org/drawingml/2006/main" xmlns:r="http://schemas.openxmlformats.org/officeDocument/2006/relationships" xmlns:p="http://schemas.openxmlformats.org/presentationml/2006/main">
   <p:cSld>
@@ -266,7 +270,7 @@
           <a:p>
             <a:fld id="{2B71C804-97F5-4B36-A7AC-EEEC7F44F6C2}" type="datetimeFigureOut">
               <a:rPr lang="zh-CN" altLang="en-US" smtClean="0"/>
-              <a:t>2017/8/17</a:t>
+              <a:t>2017/8/22</a:t>
             </a:fld>
             <a:endParaRPr lang="zh-CN" altLang="en-US"/>
           </a:p>
@@ -432,7 +436,7 @@
           <a:p>
             <a:fld id="{0568D9C6-D8DC-4CC3-8480-E0C4DBA1CC07}" type="datetimeFigureOut">
               <a:rPr lang="zh-CN" altLang="en-US" smtClean="0"/>
-              <a:t>2017/8/17</a:t>
+              <a:t>2017/8/22</a:t>
             </a:fld>
             <a:endParaRPr lang="zh-CN" altLang="en-US"/>
           </a:p>
@@ -1045,7 +1049,7 @@
           <a:p>
             <a:fld id="{DB9D664F-4C68-42D2-B189-678958EFAFDA}" type="datetime1">
               <a:rPr lang="zh-CN" altLang="en-US" smtClean="0"/>
-              <a:t>2017/8/17</a:t>
+              <a:t>2017/8/22</a:t>
             </a:fld>
             <a:endParaRPr lang="zh-CN" altLang="en-US"/>
           </a:p>
@@ -2027,7 +2031,7 @@
           <a:p>
             <a:fld id="{ED5513C8-E3A4-4D78-B249-887659A958FF}" type="datetime1">
               <a:rPr lang="en-US" altLang="zh-CN" smtClean="0"/>
-              <a:t>8/17/2017</a:t>
+              <a:t>8/22/2017</a:t>
             </a:fld>
             <a:endParaRPr lang="en-US"/>
           </a:p>
@@ -2205,7 +2209,7 @@
           <a:p>
             <a:fld id="{EBEDA52C-3EEE-4289-818C-901C0A7814FE}" type="datetime1">
               <a:rPr lang="en-US" altLang="zh-CN" smtClean="0"/>
-              <a:t>8/17/2017</a:t>
+              <a:t>8/22/2017</a:t>
             </a:fld>
             <a:endParaRPr lang="en-US"/>
           </a:p>
@@ -2459,7 +2463,7 @@
           <a:p>
             <a:fld id="{09EF5D7F-EA15-485C-85DD-8FDC010A62D4}" type="datetime1">
               <a:rPr lang="en-US" altLang="zh-CN" smtClean="0"/>
-              <a:t>8/17/2017</a:t>
+              <a:t>8/22/2017</a:t>
             </a:fld>
             <a:endParaRPr lang="en-US"/>
           </a:p>
@@ -2699,7 +2703,7 @@
           <a:p>
             <a:fld id="{9541C2B2-0BAB-4CD4-83EE-25F1A7138896}" type="datetime1">
               <a:rPr lang="en-US" altLang="zh-CN" smtClean="0"/>
-              <a:t>8/17/2017</a:t>
+              <a:t>8/22/2017</a:t>
             </a:fld>
             <a:endParaRPr lang="en-US"/>
           </a:p>
@@ -3074,7 +3078,7 @@
           <a:p>
             <a:fld id="{7DEA23E7-D0FC-41DC-8745-BE6FC447B182}" type="datetime1">
               <a:rPr lang="en-US" altLang="zh-CN" smtClean="0"/>
-              <a:t>8/17/2017</a:t>
+              <a:t>8/22/2017</a:t>
             </a:fld>
             <a:endParaRPr lang="en-US"/>
           </a:p>
@@ -3859,7 +3863,7 @@
           <a:p>
             <a:fld id="{5DEA8378-5F33-490B-8120-8DE6B7EE2781}" type="datetime1">
               <a:rPr lang="en-US" altLang="zh-CN" smtClean="0"/>
-              <a:t>8/17/2017</a:t>
+              <a:t>8/22/2017</a:t>
             </a:fld>
             <a:endParaRPr lang="en-US"/>
           </a:p>
@@ -4113,7 +4117,7 @@
           <a:p>
             <a:fld id="{38DD30CF-78A7-4C73-91B4-38D3E3317745}" type="datetime1">
               <a:rPr lang="en-US" altLang="zh-CN" smtClean="0"/>
-              <a:t>8/17/2017</a:t>
+              <a:t>8/22/2017</a:t>
             </a:fld>
             <a:endParaRPr lang="en-US"/>
           </a:p>
@@ -4216,7 +4220,7 @@
           <a:p>
             <a:fld id="{A1BE0A72-8501-4974-A7B7-5BD248ABBAFC}" type="datetime1">
               <a:rPr lang="zh-CN" altLang="en-US" smtClean="0"/>
-              <a:t>2017/8/17</a:t>
+              <a:t>2017/8/22</a:t>
             </a:fld>
             <a:endParaRPr lang="zh-CN" altLang="en-US"/>
           </a:p>
@@ -4477,7 +4481,7 @@
           <a:p>
             <a:fld id="{0B7E01DD-16D0-4DBA-9C1A-51468BA0B73A}" type="datetime1">
               <a:rPr lang="en-US" altLang="zh-CN" smtClean="0"/>
-              <a:t>8/17/2017</a:t>
+              <a:t>8/22/2017</a:t>
             </a:fld>
             <a:endParaRPr lang="en-US"/>
           </a:p>
@@ -4655,7 +4659,7 @@
           <a:p>
             <a:fld id="{B587E63F-0E62-4A50-901F-E071D77F7634}" type="datetime1">
               <a:rPr lang="en-US" altLang="zh-CN" smtClean="0"/>
-              <a:t>8/17/2017</a:t>
+              <a:t>8/22/2017</a:t>
             </a:fld>
             <a:endParaRPr lang="en-US"/>
           </a:p>
@@ -4843,7 +4847,7 @@
           <a:p>
             <a:fld id="{BD8521E8-9297-400B-AD8C-0A4D05699D33}" type="datetime1">
               <a:rPr lang="en-US" altLang="zh-CN" smtClean="0"/>
-              <a:t>8/17/2017</a:t>
+              <a:t>8/22/2017</a:t>
             </a:fld>
             <a:endParaRPr lang="en-US"/>
           </a:p>
@@ -5074,7 +5078,7 @@
           <a:p>
             <a:fld id="{ED5513C8-E3A4-4D78-B249-887659A958FF}" type="datetime1">
               <a:rPr lang="en-US" altLang="zh-CN" smtClean="0"/>
-              <a:t>8/17/2017</a:t>
+              <a:t>8/22/2017</a:t>
             </a:fld>
             <a:endParaRPr lang="en-US"/>
           </a:p>
@@ -5252,7 +5256,7 @@
           <a:p>
             <a:fld id="{EBEDA52C-3EEE-4289-818C-901C0A7814FE}" type="datetime1">
               <a:rPr lang="en-US" altLang="zh-CN" smtClean="0"/>
-              <a:t>8/17/2017</a:t>
+              <a:t>8/22/2017</a:t>
             </a:fld>
             <a:endParaRPr lang="en-US"/>
           </a:p>
@@ -5506,7 +5510,7 @@
           <a:p>
             <a:fld id="{09EF5D7F-EA15-485C-85DD-8FDC010A62D4}" type="datetime1">
               <a:rPr lang="en-US" altLang="zh-CN" smtClean="0"/>
-              <a:t>8/17/2017</a:t>
+              <a:t>8/22/2017</a:t>
             </a:fld>
             <a:endParaRPr lang="en-US"/>
           </a:p>
@@ -5746,7 +5750,7 @@
           <a:p>
             <a:fld id="{9541C2B2-0BAB-4CD4-83EE-25F1A7138896}" type="datetime1">
               <a:rPr lang="en-US" altLang="zh-CN" smtClean="0"/>
-              <a:t>8/17/2017</a:t>
+              <a:t>8/22/2017</a:t>
             </a:fld>
             <a:endParaRPr lang="en-US"/>
           </a:p>
@@ -6121,7 +6125,7 @@
           <a:p>
             <a:fld id="{7DEA23E7-D0FC-41DC-8745-BE6FC447B182}" type="datetime1">
               <a:rPr lang="en-US" altLang="zh-CN" smtClean="0"/>
-              <a:t>8/17/2017</a:t>
+              <a:t>8/22/2017</a:t>
             </a:fld>
             <a:endParaRPr lang="en-US"/>
           </a:p>
@@ -6906,7 +6910,7 @@
           <a:p>
             <a:fld id="{A1BE0A72-8501-4974-A7B7-5BD248ABBAFC}" type="datetime1">
               <a:rPr lang="zh-CN" altLang="en-US" smtClean="0"/>
-              <a:t>2017/8/17</a:t>
+              <a:t>2017/8/22</a:t>
             </a:fld>
             <a:endParaRPr lang="zh-CN" altLang="en-US"/>
           </a:p>
@@ -6959,7 +6963,7 @@
           <a:p>
             <a:fld id="{5DEA8378-5F33-490B-8120-8DE6B7EE2781}" type="datetime1">
               <a:rPr lang="en-US" altLang="zh-CN" smtClean="0"/>
-              <a:t>8/17/2017</a:t>
+              <a:t>8/22/2017</a:t>
             </a:fld>
             <a:endParaRPr lang="en-US"/>
           </a:p>
@@ -7213,7 +7217,7 @@
           <a:p>
             <a:fld id="{38DD30CF-78A7-4C73-91B4-38D3E3317745}" type="datetime1">
               <a:rPr lang="en-US" altLang="zh-CN" smtClean="0"/>
-              <a:t>8/17/2017</a:t>
+              <a:t>8/22/2017</a:t>
             </a:fld>
             <a:endParaRPr lang="en-US"/>
           </a:p>
@@ -7478,7 +7482,7 @@
           <a:p>
             <a:fld id="{0B7E01DD-16D0-4DBA-9C1A-51468BA0B73A}" type="datetime1">
               <a:rPr lang="en-US" altLang="zh-CN" smtClean="0"/>
-              <a:t>8/17/2017</a:t>
+              <a:t>8/22/2017</a:t>
             </a:fld>
             <a:endParaRPr lang="en-US"/>
           </a:p>
@@ -7656,7 +7660,7 @@
           <a:p>
             <a:fld id="{B587E63F-0E62-4A50-901F-E071D77F7634}" type="datetime1">
               <a:rPr lang="en-US" altLang="zh-CN" smtClean="0"/>
-              <a:t>8/17/2017</a:t>
+              <a:t>8/22/2017</a:t>
             </a:fld>
             <a:endParaRPr lang="en-US"/>
           </a:p>
@@ -7844,7 +7848,7 @@
           <a:p>
             <a:fld id="{BD8521E8-9297-400B-AD8C-0A4D05699D33}" type="datetime1">
               <a:rPr lang="en-US" altLang="zh-CN" smtClean="0"/>
-              <a:t>8/17/2017</a:t>
+              <a:t>8/22/2017</a:t>
             </a:fld>
             <a:endParaRPr lang="en-US"/>
           </a:p>
@@ -7947,7 +7951,7 @@
           <a:p>
             <a:fld id="{EF452D9C-F9EB-4417-9C3A-C876C2AF9415}" type="datetime1">
               <a:rPr lang="zh-CN" altLang="en-US" smtClean="0"/>
-              <a:t>2017/8/17</a:t>
+              <a:t>2017/8/22</a:t>
             </a:fld>
             <a:endParaRPr lang="zh-CN" altLang="en-US"/>
           </a:p>
@@ -8133,7 +8137,7 @@
           <a:p>
             <a:fld id="{2F2E9289-9B4C-49AE-BDDA-70D6EDC89D17}" type="datetime1">
               <a:rPr lang="zh-CN" altLang="en-US" smtClean="0"/>
-              <a:t>2017/8/17</a:t>
+              <a:t>2017/8/22</a:t>
             </a:fld>
             <a:endParaRPr lang="zh-CN" altLang="en-US"/>
           </a:p>
@@ -8303,7 +8307,7 @@
           <a:p>
             <a:fld id="{2F2E9289-9B4C-49AE-BDDA-70D6EDC89D17}" type="datetime1">
               <a:rPr lang="zh-CN" altLang="en-US" smtClean="0"/>
-              <a:t>2017/8/17</a:t>
+              <a:t>2017/8/22</a:t>
             </a:fld>
             <a:endParaRPr lang="zh-CN" altLang="en-US"/>
           </a:p>
@@ -8539,7 +8543,7 @@
           <a:p>
             <a:fld id="{8C5BA751-A251-47D6-8494-C134D9EBED5F}" type="datetime1">
               <a:rPr lang="zh-CN" altLang="en-US" smtClean="0"/>
-              <a:t>2017/8/17</a:t>
+              <a:t>2017/8/22</a:t>
             </a:fld>
             <a:endParaRPr lang="zh-CN" altLang="en-US"/>
           </a:p>
@@ -8895,7 +8899,7 @@
           <a:p>
             <a:fld id="{C46E2078-F302-4651-A2A2-2FC6C4E1A3F1}" type="datetime1">
               <a:rPr lang="zh-CN" altLang="en-US" smtClean="0"/>
-              <a:t>2017/8/17</a:t>
+              <a:t>2017/8/22</a:t>
             </a:fld>
             <a:endParaRPr lang="zh-CN" altLang="en-US"/>
           </a:p>
@@ -9017,7 +9021,7 @@
               <a:pPr>
                 <a:defRPr/>
               </a:pPr>
-              <a:t>2017/8/17</a:t>
+              <a:t>2017/8/22</a:t>
             </a:fld>
             <a:endParaRPr lang="zh-CN" altLang="en-US"/>
           </a:p>
@@ -9165,7 +9169,7 @@
           <a:p>
             <a:fld id="{A1BE0A72-8501-4974-A7B7-5BD248ABBAFC}" type="datetime1">
               <a:rPr lang="zh-CN" altLang="en-US" smtClean="0"/>
-              <a:t>2017/8/17</a:t>
+              <a:t>2017/8/22</a:t>
             </a:fld>
             <a:endParaRPr lang="zh-CN" altLang="en-US"/>
           </a:p>
@@ -9679,7 +9683,7 @@
           <a:p>
             <a:fld id="{A1BE0A72-8501-4974-A7B7-5BD248ABBAFC}" type="datetime1">
               <a:rPr lang="zh-CN" altLang="en-US" smtClean="0"/>
-              <a:t>2017/8/17</a:t>
+              <a:t>2017/8/22</a:t>
             </a:fld>
             <a:endParaRPr lang="zh-CN" altLang="en-US"/>
           </a:p>
@@ -10285,7 +10289,7 @@
           <a:p>
             <a:fld id="{7A78726F-0AD2-4A20-BC72-263D2D3F3A2F}" type="datetime1">
               <a:rPr lang="en-US" altLang="zh-CN" smtClean="0"/>
-              <a:t>8/17/2017</a:t>
+              <a:t>8/22/2017</a:t>
             </a:fld>
             <a:endParaRPr lang="en-US"/>
           </a:p>
@@ -11266,7 +11270,7 @@
           <a:p>
             <a:fld id="{A1BE0A72-8501-4974-A7B7-5BD248ABBAFC}" type="datetime1">
               <a:rPr lang="zh-CN" altLang="en-US" smtClean="0"/>
-              <a:t>2017/8/17</a:t>
+              <a:t>2017/8/22</a:t>
             </a:fld>
             <a:endParaRPr lang="zh-CN" altLang="en-US"/>
           </a:p>
@@ -11872,7 +11876,7 @@
           <a:p>
             <a:fld id="{7A78726F-0AD2-4A20-BC72-263D2D3F3A2F}" type="datetime1">
               <a:rPr lang="en-US" altLang="zh-CN" smtClean="0"/>
-              <a:t>8/17/2017</a:t>
+              <a:t>8/22/2017</a:t>
             </a:fld>
             <a:endParaRPr lang="en-US"/>
           </a:p>
@@ -12743,7 +12747,7 @@
           <a:lstStyle/>
           <a:p>
             <a:r>
-              <a:rPr lang="zh-CN" altLang="en-US" dirty="0" smtClean="0"/>
+              <a:rPr lang="zh-CN" altLang="en-US" dirty="0"/>
               <a:t>第</a:t>
             </a:r>
             <a:r>
@@ -12751,18 +12755,9 @@
               <a:t>4</a:t>
             </a:r>
             <a:r>
-              <a:rPr lang="zh-CN" altLang="en-US" dirty="0" smtClean="0"/>
-              <a:t>讲 </a:t>
-            </a:r>
-            <a:r>
               <a:rPr lang="zh-CN" altLang="en-US" dirty="0"/>
-              <a:t>被动</a:t>
-            </a:r>
-            <a:r>
-              <a:rPr lang="zh-CN" altLang="en-US" dirty="0" smtClean="0"/>
-              <a:t>回复消息</a:t>
-            </a:r>
-            <a:endParaRPr lang="zh-CN" altLang="en-US" dirty="0"/>
+              <a:t>讲 被动回复消息</a:t>
+            </a:r>
           </a:p>
         </p:txBody>
       </p:sp>
@@ -12815,13 +12810,6 @@
   <p:clrMapOvr>
     <a:masterClrMapping/>
   </p:clrMapOvr>
-  <p:timing>
-    <p:tnLst>
-      <p:par>
-        <p:cTn id="1" dur="indefinite" restart="never" nodeType="tmRoot"/>
-      </p:par>
-    </p:tnLst>
-  </p:timing>
 </p:sld>
 </file>
 
@@ -12858,10 +12846,9 @@
           <a:lstStyle/>
           <a:p>
             <a:r>
-              <a:rPr lang="zh-CN" altLang="en-US" dirty="0" smtClean="0"/>
+              <a:rPr lang="zh-CN" altLang="en-US" b="0" dirty="0"/>
               <a:t>第二讲</a:t>
             </a:r>
-            <a:endParaRPr lang="zh-CN" altLang="en-US" dirty="0"/>
           </a:p>
         </p:txBody>
       </p:sp>
@@ -12980,20 +12967,7 @@
                 <a:latin typeface="微软雅黑" panose="020B0503020204020204" pitchFamily="34" charset="-122"/>
                 <a:ea typeface="微软雅黑" panose="020B0503020204020204" pitchFamily="34" charset="-122"/>
               </a:rPr>
-              <a:t>消息</a:t>
-            </a:r>
-            <a:r>
-              <a:rPr lang="zh-CN" altLang="en-US" sz="2000" dirty="0" smtClean="0">
-                <a:solidFill>
-                  <a:schemeClr val="tx1">
-                    <a:lumMod val="65000"/>
-                    <a:lumOff val="35000"/>
-                  </a:schemeClr>
-                </a:solidFill>
-                <a:latin typeface="微软雅黑" panose="020B0503020204020204" pitchFamily="34" charset="-122"/>
-                <a:ea typeface="微软雅黑" panose="020B0503020204020204" pitchFamily="34" charset="-122"/>
-              </a:rPr>
-              <a:t>加密解密</a:t>
+              <a:t>消息加密解密</a:t>
             </a:r>
             <a:endParaRPr lang="en-US" altLang="zh-CN" sz="2000" dirty="0">
               <a:solidFill>
@@ -13059,22 +13033,9 @@
           <a:lstStyle/>
           <a:p>
             <a:r>
-              <a:rPr lang="zh-CN" altLang="en-US" dirty="0"/>
-              <a:t>微信</a:t>
-            </a:r>
-            <a:r>
-              <a:rPr lang="zh-CN" altLang="en-US" dirty="0" smtClean="0"/>
-              <a:t>服务器转发</a:t>
-            </a:r>
-            <a:r>
-              <a:rPr lang="zh-CN" altLang="en-US" dirty="0"/>
-              <a:t>文本</a:t>
-            </a:r>
-            <a:r>
-              <a:rPr lang="zh-CN" altLang="en-US" dirty="0" smtClean="0"/>
-              <a:t>消息</a:t>
-            </a:r>
-            <a:endParaRPr lang="zh-CN" altLang="en-US" dirty="0"/>
+              <a:rPr lang="zh-CN" altLang="en-US" b="0" dirty="0"/>
+              <a:t>微信服务器转发文本消息</a:t>
+            </a:r>
           </a:p>
         </p:txBody>
       </p:sp>
@@ -13398,13 +13359,6 @@
               </a:rPr>
               <a:t>&gt;</a:t>
             </a:r>
-            <a:r>
-              <a:rPr lang="en-US" altLang="zh-CN" dirty="0">
-                <a:latin typeface="微软雅黑" panose="020B0503020204020204" pitchFamily="34" charset="-122"/>
-                <a:ea typeface="微软雅黑" panose="020B0503020204020204" pitchFamily="34" charset="-122"/>
-              </a:rPr>
-              <a:t/>
-            </a:r>
             <a:br>
               <a:rPr lang="en-US" altLang="zh-CN" dirty="0">
                 <a:latin typeface="微软雅黑" panose="020B0503020204020204" pitchFamily="34" charset="-122"/>
@@ -13450,58 +13404,54 @@
               </a:lnSpc>
             </a:pPr>
             <a:r>
-              <a:rPr lang="zh-CN" altLang="en-US" dirty="0" smtClean="0">
+              <a:rPr lang="zh-CN" altLang="en-US" dirty="0">
                 <a:latin typeface="微软雅黑" panose="020B0503020204020204" pitchFamily="34" charset="-122"/>
                 <a:ea typeface="微软雅黑" panose="020B0503020204020204" pitchFamily="34" charset="-122"/>
               </a:rPr>
               <a:t>微信服务器转发文本消息的</a:t>
             </a:r>
             <a:r>
-              <a:rPr lang="en-US" altLang="zh-CN" dirty="0" smtClean="0">
+              <a:rPr lang="en-US" altLang="zh-CN" dirty="0">
                 <a:latin typeface="微软雅黑" panose="020B0503020204020204" pitchFamily="34" charset="-122"/>
                 <a:ea typeface="微软雅黑" panose="020B0503020204020204" pitchFamily="34" charset="-122"/>
               </a:rPr>
               <a:t>XML</a:t>
             </a:r>
             <a:r>
-              <a:rPr lang="zh-CN" altLang="en-US" dirty="0" smtClean="0">
+              <a:rPr lang="zh-CN" altLang="en-US" dirty="0">
                 <a:latin typeface="微软雅黑" panose="020B0503020204020204" pitchFamily="34" charset="-122"/>
                 <a:ea typeface="微软雅黑" panose="020B0503020204020204" pitchFamily="34" charset="-122"/>
               </a:rPr>
               <a:t>描述。客户端发送消息后，微信服务器会加入</a:t>
             </a:r>
             <a:r>
-              <a:rPr lang="en-US" altLang="zh-CN" dirty="0" err="1" smtClean="0">
+              <a:rPr lang="en-US" altLang="zh-CN" dirty="0" err="1">
                 <a:latin typeface="微软雅黑" panose="020B0503020204020204" pitchFamily="34" charset="-122"/>
                 <a:ea typeface="微软雅黑" panose="020B0503020204020204" pitchFamily="34" charset="-122"/>
               </a:rPr>
               <a:t>MsgId</a:t>
             </a:r>
             <a:r>
-              <a:rPr lang="zh-CN" altLang="en-US" dirty="0" smtClean="0">
+              <a:rPr lang="zh-CN" altLang="en-US" dirty="0">
                 <a:latin typeface="微软雅黑" panose="020B0503020204020204" pitchFamily="34" charset="-122"/>
                 <a:ea typeface="微软雅黑" panose="020B0503020204020204" pitchFamily="34" charset="-122"/>
               </a:rPr>
               <a:t>字段，此字段表示消息在微信服务器的唯一</a:t>
             </a:r>
             <a:r>
-              <a:rPr lang="en-US" altLang="zh-CN" dirty="0" smtClean="0">
+              <a:rPr lang="en-US" altLang="zh-CN" dirty="0">
                 <a:latin typeface="微软雅黑" panose="020B0503020204020204" pitchFamily="34" charset="-122"/>
                 <a:ea typeface="微软雅黑" panose="020B0503020204020204" pitchFamily="34" charset="-122"/>
               </a:rPr>
               <a:t>ID</a:t>
             </a:r>
             <a:r>
-              <a:rPr lang="zh-CN" altLang="en-US" dirty="0" smtClean="0">
+              <a:rPr lang="zh-CN" altLang="en-US" dirty="0">
                 <a:latin typeface="微软雅黑" panose="020B0503020204020204" pitchFamily="34" charset="-122"/>
                 <a:ea typeface="微软雅黑" panose="020B0503020204020204" pitchFamily="34" charset="-122"/>
               </a:rPr>
               <a:t>。</a:t>
             </a:r>
-            <a:endParaRPr lang="zh-CN" altLang="en-US" dirty="0">
-              <a:latin typeface="微软雅黑" panose="020B0503020204020204" pitchFamily="34" charset="-122"/>
-              <a:ea typeface="微软雅黑" panose="020B0503020204020204" pitchFamily="34" charset="-122"/>
-            </a:endParaRPr>
           </a:p>
         </p:txBody>
       </p:sp>
@@ -13515,13 +13465,6 @@
   <p:clrMapOvr>
     <a:masterClrMapping/>
   </p:clrMapOvr>
-  <p:timing>
-    <p:tnLst>
-      <p:par>
-        <p:cTn id="1" dur="indefinite" restart="never" nodeType="tmRoot"/>
-      </p:par>
-    </p:tnLst>
-  </p:timing>
 </p:sld>
 </file>
 
@@ -13558,10 +13501,9 @@
           <a:lstStyle/>
           <a:p>
             <a:r>
-              <a:rPr lang="zh-CN" altLang="en-US" dirty="0" smtClean="0"/>
+              <a:rPr lang="zh-CN" altLang="en-US" b="0" dirty="0"/>
               <a:t>参数的解释</a:t>
             </a:r>
-            <a:endParaRPr lang="zh-CN" altLang="en-US" dirty="0"/>
           </a:p>
         </p:txBody>
       </p:sp>
@@ -13590,8 +13532,20 @@
                 <a:tableStyleId>{5C22544A-7EE6-4342-B048-85BDC9FD1C3A}</a:tableStyleId>
               </a:tblPr>
               <a:tblGrid>
-                <a:gridCol w="4595019"/>
-                <a:gridCol w="4595019"/>
+                <a:gridCol w="4595019">
+                  <a:extLst>
+                    <a:ext uri="{9D8B030D-6E8A-4147-A177-3AD203B41FA5}">
+                      <a16:colId xmlns:a16="http://schemas.microsoft.com/office/drawing/2014/main" val="20000"/>
+                    </a:ext>
+                  </a:extLst>
+                </a:gridCol>
+                <a:gridCol w="4595019">
+                  <a:extLst>
+                    <a:ext uri="{9D8B030D-6E8A-4147-A177-3AD203B41FA5}">
+                      <a16:colId xmlns:a16="http://schemas.microsoft.com/office/drawing/2014/main" val="20001"/>
+                    </a:ext>
+                  </a:extLst>
+                </a:gridCol>
               </a:tblGrid>
               <a:tr h="797719">
                 <a:tc>
@@ -13601,7 +13555,7 @@
                     <a:p>
                       <a:pPr algn="ctr"/>
                       <a:r>
-                        <a:rPr lang="en-US" altLang="zh-CN" sz="2000" dirty="0" err="1" smtClean="0">
+                        <a:rPr lang="en-US" altLang="zh-CN" sz="2000" dirty="0" err="1">
                           <a:latin typeface="微软雅黑" panose="020B0503020204020204" pitchFamily="34" charset="-122"/>
                           <a:ea typeface="微软雅黑" panose="020B0503020204020204" pitchFamily="34" charset="-122"/>
                         </a:rPr>
@@ -13638,7 +13592,7 @@
                         <a:defRPr/>
                       </a:pPr>
                       <a:r>
-                        <a:rPr lang="zh-CN" altLang="en-US" sz="2000" dirty="0" smtClean="0">
+                        <a:rPr lang="zh-CN" altLang="en-US" sz="2000" dirty="0">
                           <a:latin typeface="微软雅黑" panose="020B0503020204020204" pitchFamily="34" charset="-122"/>
                           <a:ea typeface="微软雅黑" panose="020B0503020204020204" pitchFamily="34" charset="-122"/>
                         </a:rPr>
@@ -13655,6 +13609,11 @@
                   </a:txBody>
                   <a:tcPr anchor="ctr"/>
                 </a:tc>
+                <a:extLst>
+                  <a:ext uri="{0D108BD9-81ED-4DB2-BD59-A6C34878D82A}">
+                    <a16:rowId xmlns:a16="http://schemas.microsoft.com/office/drawing/2014/main" val="10000"/>
+                  </a:ext>
+                </a:extLst>
               </a:tr>
               <a:tr h="797719">
                 <a:tc>
@@ -13664,13 +13623,13 @@
                     <a:p>
                       <a:pPr algn="ctr"/>
                       <a:r>
-                        <a:rPr lang="en-US" altLang="zh-CN" sz="2000" dirty="0" err="1" smtClean="0">
+                        <a:rPr lang="en-US" altLang="zh-CN" sz="2000" dirty="0" err="1">
                           <a:latin typeface="微软雅黑" panose="020B0503020204020204" pitchFamily="34" charset="-122"/>
                           <a:ea typeface="微软雅黑" panose="020B0503020204020204" pitchFamily="34" charset="-122"/>
                         </a:rPr>
                         <a:t>FromUserName</a:t>
                       </a:r>
-                      <a:endParaRPr lang="zh-CN" altLang="en-US" sz="2000" dirty="0" smtClean="0">
+                      <a:endParaRPr lang="zh-CN" altLang="en-US" sz="2000" dirty="0">
                         <a:latin typeface="微软雅黑" panose="020B0503020204020204" pitchFamily="34" charset="-122"/>
                         <a:ea typeface="微软雅黑" panose="020B0503020204020204" pitchFamily="34" charset="-122"/>
                       </a:endParaRPr>
@@ -13685,34 +13644,35 @@
                     <a:p>
                       <a:pPr algn="ctr"/>
                       <a:r>
-                        <a:rPr lang="zh-CN" altLang="en-US" sz="2000" dirty="0" smtClean="0">
+                        <a:rPr lang="zh-CN" altLang="en-US" sz="2000" dirty="0">
                           <a:latin typeface="微软雅黑" panose="020B0503020204020204" pitchFamily="34" charset="-122"/>
                           <a:ea typeface="微软雅黑" panose="020B0503020204020204" pitchFamily="34" charset="-122"/>
                         </a:rPr>
                         <a:t>发送方帐号（一个</a:t>
                       </a:r>
                       <a:r>
-                        <a:rPr lang="en-US" altLang="zh-CN" sz="2000" dirty="0" smtClean="0">
+                        <a:rPr lang="en-US" altLang="zh-CN" sz="2000" dirty="0">
                           <a:latin typeface="微软雅黑" panose="020B0503020204020204" pitchFamily="34" charset="-122"/>
                           <a:ea typeface="微软雅黑" panose="020B0503020204020204" pitchFamily="34" charset="-122"/>
                         </a:rPr>
                         <a:t>OpenID</a:t>
                       </a:r>
                       <a:r>
-                        <a:rPr lang="zh-CN" altLang="en-US" sz="2000" dirty="0" smtClean="0">
+                        <a:rPr lang="zh-CN" altLang="en-US" sz="2000" dirty="0">
                           <a:latin typeface="微软雅黑" panose="020B0503020204020204" pitchFamily="34" charset="-122"/>
                           <a:ea typeface="微软雅黑" panose="020B0503020204020204" pitchFamily="34" charset="-122"/>
                         </a:rPr>
                         <a:t>）</a:t>
                       </a:r>
-                      <a:endParaRPr lang="zh-CN" altLang="en-US" sz="2000" dirty="0">
-                        <a:latin typeface="微软雅黑" panose="020B0503020204020204" pitchFamily="34" charset="-122"/>
-                        <a:ea typeface="微软雅黑" panose="020B0503020204020204" pitchFamily="34" charset="-122"/>
-                      </a:endParaRPr>
                     </a:p>
                   </a:txBody>
                   <a:tcPr anchor="ctr"/>
                 </a:tc>
+                <a:extLst>
+                  <a:ext uri="{0D108BD9-81ED-4DB2-BD59-A6C34878D82A}">
+                    <a16:rowId xmlns:a16="http://schemas.microsoft.com/office/drawing/2014/main" val="10001"/>
+                  </a:ext>
+                </a:extLst>
               </a:tr>
               <a:tr h="797719">
                 <a:tc>
@@ -13738,13 +13698,13 @@
                         <a:defRPr/>
                       </a:pPr>
                       <a:r>
-                        <a:rPr lang="en-US" altLang="zh-CN" sz="2000" dirty="0" err="1" smtClean="0">
+                        <a:rPr lang="en-US" altLang="zh-CN" sz="2000" dirty="0" err="1">
                           <a:latin typeface="微软雅黑" panose="020B0503020204020204" pitchFamily="34" charset="-122"/>
                           <a:ea typeface="微软雅黑" panose="020B0503020204020204" pitchFamily="34" charset="-122"/>
                         </a:rPr>
                         <a:t>CreateTime</a:t>
                       </a:r>
-                      <a:endParaRPr lang="zh-CN" altLang="en-US" sz="2000" dirty="0" smtClean="0">
+                      <a:endParaRPr lang="zh-CN" altLang="en-US" sz="2000" dirty="0">
                         <a:latin typeface="微软雅黑" panose="020B0503020204020204" pitchFamily="34" charset="-122"/>
                         <a:ea typeface="微软雅黑" panose="020B0503020204020204" pitchFamily="34" charset="-122"/>
                       </a:endParaRPr>
@@ -13759,20 +13719,21 @@
                     <a:p>
                       <a:pPr algn="ctr"/>
                       <a:r>
-                        <a:rPr lang="zh-CN" altLang="en-US" sz="2000" dirty="0" smtClean="0">
+                        <a:rPr lang="zh-CN" altLang="en-US" sz="2000" dirty="0">
                           <a:latin typeface="微软雅黑" panose="020B0503020204020204" pitchFamily="34" charset="-122"/>
                           <a:ea typeface="微软雅黑" panose="020B0503020204020204" pitchFamily="34" charset="-122"/>
                         </a:rPr>
                         <a:t>消息创建时间 （整型）</a:t>
                       </a:r>
-                      <a:endParaRPr lang="zh-CN" altLang="en-US" sz="2000" dirty="0">
-                        <a:latin typeface="微软雅黑" panose="020B0503020204020204" pitchFamily="34" charset="-122"/>
-                        <a:ea typeface="微软雅黑" panose="020B0503020204020204" pitchFamily="34" charset="-122"/>
-                      </a:endParaRPr>
                     </a:p>
                   </a:txBody>
                   <a:tcPr anchor="ctr"/>
                 </a:tc>
+                <a:extLst>
+                  <a:ext uri="{0D108BD9-81ED-4DB2-BD59-A6C34878D82A}">
+                    <a16:rowId xmlns:a16="http://schemas.microsoft.com/office/drawing/2014/main" val="10002"/>
+                  </a:ext>
+                </a:extLst>
               </a:tr>
               <a:tr h="797719">
                 <a:tc>
@@ -13798,7 +13759,7 @@
                         <a:defRPr/>
                       </a:pPr>
                       <a:r>
-                        <a:rPr lang="en-US" altLang="zh-CN" sz="2000" dirty="0" err="1" smtClean="0">
+                        <a:rPr lang="en-US" altLang="zh-CN" sz="2000" dirty="0" err="1">
                           <a:latin typeface="微软雅黑" panose="020B0503020204020204" pitchFamily="34" charset="-122"/>
                           <a:ea typeface="微软雅黑" panose="020B0503020204020204" pitchFamily="34" charset="-122"/>
                         </a:rPr>
@@ -13835,20 +13796,20 @@
                         <a:defRPr/>
                       </a:pPr>
                       <a:r>
-                        <a:rPr lang="zh-CN" altLang="en-US" sz="2000" dirty="0" smtClean="0">
+                        <a:rPr lang="zh-CN" altLang="en-US" sz="2000" dirty="0">
                           <a:latin typeface="微软雅黑" panose="020B0503020204020204" pitchFamily="34" charset="-122"/>
                           <a:ea typeface="微软雅黑" panose="020B0503020204020204" pitchFamily="34" charset="-122"/>
                         </a:rPr>
                         <a:t>消息类型，文本消息为</a:t>
                       </a:r>
                       <a:r>
-                        <a:rPr lang="en-US" altLang="zh-CN" sz="2000" smtClean="0">
+                        <a:rPr lang="en-US" altLang="zh-CN" sz="2000">
                           <a:latin typeface="微软雅黑" panose="020B0503020204020204" pitchFamily="34" charset="-122"/>
                           <a:ea typeface="微软雅黑" panose="020B0503020204020204" pitchFamily="34" charset="-122"/>
                         </a:rPr>
                         <a:t>text</a:t>
                       </a:r>
-                      <a:endParaRPr lang="en-US" altLang="zh-CN" sz="2000" dirty="0" smtClean="0">
+                      <a:endParaRPr lang="en-US" altLang="zh-CN" sz="2000" dirty="0">
                         <a:latin typeface="微软雅黑" panose="020B0503020204020204" pitchFamily="34" charset="-122"/>
                         <a:ea typeface="微软雅黑" panose="020B0503020204020204" pitchFamily="34" charset="-122"/>
                       </a:endParaRPr>
@@ -13856,6 +13817,11 @@
                   </a:txBody>
                   <a:tcPr anchor="ctr"/>
                 </a:tc>
+                <a:extLst>
+                  <a:ext uri="{0D108BD9-81ED-4DB2-BD59-A6C34878D82A}">
+                    <a16:rowId xmlns:a16="http://schemas.microsoft.com/office/drawing/2014/main" val="10003"/>
+                  </a:ext>
+                </a:extLst>
               </a:tr>
               <a:tr h="797719">
                 <a:tc>
@@ -13881,13 +13847,13 @@
                         <a:defRPr/>
                       </a:pPr>
                       <a:r>
-                        <a:rPr lang="en-US" altLang="zh-CN" sz="2000" dirty="0" smtClean="0">
+                        <a:rPr lang="en-US" altLang="zh-CN" sz="2000" dirty="0">
                           <a:latin typeface="微软雅黑" panose="020B0503020204020204" pitchFamily="34" charset="-122"/>
                           <a:ea typeface="微软雅黑" panose="020B0503020204020204" pitchFamily="34" charset="-122"/>
                         </a:rPr>
                         <a:t>Content</a:t>
                       </a:r>
-                      <a:endParaRPr lang="zh-CN" altLang="en-US" sz="2000" dirty="0" smtClean="0">
+                      <a:endParaRPr lang="zh-CN" altLang="en-US" sz="2000" dirty="0">
                         <a:latin typeface="微软雅黑" panose="020B0503020204020204" pitchFamily="34" charset="-122"/>
                         <a:ea typeface="微软雅黑" panose="020B0503020204020204" pitchFamily="34" charset="-122"/>
                       </a:endParaRPr>
@@ -13918,14 +13884,14 @@
                         <a:defRPr/>
                       </a:pPr>
                       <a:r>
-                        <a:rPr lang="en-US" altLang="zh-CN" sz="2000" dirty="0" smtClean="0">
+                        <a:rPr lang="en-US" altLang="zh-CN" sz="2000" dirty="0">
                           <a:latin typeface="微软雅黑" panose="020B0503020204020204" pitchFamily="34" charset="-122"/>
                           <a:ea typeface="微软雅黑" panose="020B0503020204020204" pitchFamily="34" charset="-122"/>
                         </a:rPr>
                         <a:t> </a:t>
                       </a:r>
                       <a:r>
-                        <a:rPr lang="zh-CN" altLang="en-US" sz="2000" dirty="0" smtClean="0">
+                        <a:rPr lang="zh-CN" altLang="en-US" sz="2000" dirty="0">
                           <a:latin typeface="微软雅黑" panose="020B0503020204020204" pitchFamily="34" charset="-122"/>
                           <a:ea typeface="微软雅黑" panose="020B0503020204020204" pitchFamily="34" charset="-122"/>
                         </a:rPr>
@@ -13935,6 +13901,11 @@
                   </a:txBody>
                   <a:tcPr anchor="ctr"/>
                 </a:tc>
+                <a:extLst>
+                  <a:ext uri="{0D108BD9-81ED-4DB2-BD59-A6C34878D82A}">
+                    <a16:rowId xmlns:a16="http://schemas.microsoft.com/office/drawing/2014/main" val="10004"/>
+                  </a:ext>
+                </a:extLst>
               </a:tr>
               <a:tr h="797719">
                 <a:tc>
@@ -13960,7 +13931,7 @@
                         <a:defRPr/>
                       </a:pPr>
                       <a:r>
-                        <a:rPr lang="en-US" altLang="zh-CN" sz="2000" dirty="0" err="1" smtClean="0">
+                        <a:rPr lang="en-US" altLang="zh-CN" sz="2000" dirty="0" err="1">
                           <a:latin typeface="微软雅黑" panose="020B0503020204020204" pitchFamily="34" charset="-122"/>
                           <a:ea typeface="微软雅黑" panose="020B0503020204020204" pitchFamily="34" charset="-122"/>
                         </a:rPr>
@@ -13997,35 +13968,35 @@
                         <a:defRPr/>
                       </a:pPr>
                       <a:r>
-                        <a:rPr lang="zh-CN" altLang="en-US" sz="2000" dirty="0" smtClean="0">
+                        <a:rPr lang="zh-CN" altLang="en-US" sz="2000" dirty="0">
                           <a:latin typeface="微软雅黑" panose="020B0503020204020204" pitchFamily="34" charset="-122"/>
                           <a:ea typeface="微软雅黑" panose="020B0503020204020204" pitchFamily="34" charset="-122"/>
                         </a:rPr>
                         <a:t>消息</a:t>
                       </a:r>
                       <a:r>
-                        <a:rPr lang="en-US" altLang="zh-CN" sz="2000" dirty="0" smtClean="0">
+                        <a:rPr lang="en-US" altLang="zh-CN" sz="2000" dirty="0">
                           <a:latin typeface="微软雅黑" panose="020B0503020204020204" pitchFamily="34" charset="-122"/>
                           <a:ea typeface="微软雅黑" panose="020B0503020204020204" pitchFamily="34" charset="-122"/>
                         </a:rPr>
                         <a:t>id</a:t>
                       </a:r>
                       <a:r>
-                        <a:rPr lang="zh-CN" altLang="en-US" sz="2000" dirty="0" smtClean="0">
+                        <a:rPr lang="zh-CN" altLang="en-US" sz="2000" dirty="0">
                           <a:latin typeface="微软雅黑" panose="020B0503020204020204" pitchFamily="34" charset="-122"/>
                           <a:ea typeface="微软雅黑" panose="020B0503020204020204" pitchFamily="34" charset="-122"/>
                         </a:rPr>
                         <a:t>，</a:t>
                       </a:r>
                       <a:r>
-                        <a:rPr lang="en-US" altLang="zh-CN" sz="2000" dirty="0" smtClean="0">
+                        <a:rPr lang="en-US" altLang="zh-CN" sz="2000" dirty="0">
                           <a:latin typeface="微软雅黑" panose="020B0503020204020204" pitchFamily="34" charset="-122"/>
                           <a:ea typeface="微软雅黑" panose="020B0503020204020204" pitchFamily="34" charset="-122"/>
                         </a:rPr>
                         <a:t>64</a:t>
                       </a:r>
                       <a:r>
-                        <a:rPr lang="zh-CN" altLang="en-US" sz="2000" dirty="0" smtClean="0">
+                        <a:rPr lang="zh-CN" altLang="en-US" sz="2000" dirty="0">
                           <a:latin typeface="微软雅黑" panose="020B0503020204020204" pitchFamily="34" charset="-122"/>
                           <a:ea typeface="微软雅黑" panose="020B0503020204020204" pitchFamily="34" charset="-122"/>
                         </a:rPr>
@@ -14035,6 +14006,11 @@
                   </a:txBody>
                   <a:tcPr anchor="ctr"/>
                 </a:tc>
+                <a:extLst>
+                  <a:ext uri="{0D108BD9-81ED-4DB2-BD59-A6C34878D82A}">
+                    <a16:rowId xmlns:a16="http://schemas.microsoft.com/office/drawing/2014/main" val="10005"/>
+                  </a:ext>
+                </a:extLst>
               </a:tr>
             </a:tbl>
           </a:graphicData>
@@ -14091,14 +14067,9 @@
           <a:lstStyle/>
           <a:p>
             <a:r>
-              <a:rPr lang="zh-CN" altLang="en-US" dirty="0"/>
-              <a:t>开发者</a:t>
-            </a:r>
-            <a:r>
-              <a:rPr lang="zh-CN" altLang="en-US" dirty="0" smtClean="0"/>
-              <a:t>服务器如何回复</a:t>
-            </a:r>
-            <a:endParaRPr lang="zh-CN" altLang="en-US" dirty="0"/>
+              <a:rPr lang="zh-CN" altLang="en-US" b="0" dirty="0"/>
+              <a:t>开发者服务器如何回复</a:t>
+            </a:r>
           </a:p>
         </p:txBody>
       </p:sp>
@@ -14387,34 +14358,34 @@
               <a:buChar char="•"/>
             </a:pPr>
             <a:r>
-              <a:rPr lang="en-US" altLang="zh-CN" dirty="0" err="1" smtClean="0">
+              <a:rPr lang="en-US" altLang="zh-CN" dirty="0" err="1">
                 <a:latin typeface="微软雅黑" panose="020B0503020204020204" pitchFamily="34" charset="-122"/>
                 <a:ea typeface="微软雅黑" panose="020B0503020204020204" pitchFamily="34" charset="-122"/>
               </a:rPr>
               <a:t>FromUserName</a:t>
             </a:r>
             <a:r>
-              <a:rPr lang="zh-CN" altLang="en-US" dirty="0" smtClean="0">
+              <a:rPr lang="zh-CN" altLang="en-US" dirty="0">
                 <a:latin typeface="微软雅黑" panose="020B0503020204020204" pitchFamily="34" charset="-122"/>
                 <a:ea typeface="微软雅黑" panose="020B0503020204020204" pitchFamily="34" charset="-122"/>
               </a:rPr>
               <a:t>与</a:t>
             </a:r>
             <a:r>
-              <a:rPr lang="en-US" altLang="zh-CN" dirty="0" err="1" smtClean="0">
+              <a:rPr lang="en-US" altLang="zh-CN" dirty="0" err="1">
                 <a:latin typeface="微软雅黑" panose="020B0503020204020204" pitchFamily="34" charset="-122"/>
                 <a:ea typeface="微软雅黑" panose="020B0503020204020204" pitchFamily="34" charset="-122"/>
               </a:rPr>
               <a:t>ToUserName</a:t>
             </a:r>
             <a:r>
-              <a:rPr lang="zh-CN" altLang="en-US" dirty="0" smtClean="0">
+              <a:rPr lang="zh-CN" altLang="en-US" dirty="0">
                 <a:latin typeface="微软雅黑" panose="020B0503020204020204" pitchFamily="34" charset="-122"/>
                 <a:ea typeface="微软雅黑" panose="020B0503020204020204" pitchFamily="34" charset="-122"/>
               </a:rPr>
               <a:t>互换，返回格式化后的结果即可实现原样返回消息。</a:t>
             </a:r>
-            <a:endParaRPr lang="en-US" altLang="zh-CN" dirty="0" smtClean="0">
+            <a:endParaRPr lang="en-US" altLang="zh-CN" dirty="0">
               <a:latin typeface="微软雅黑" panose="020B0503020204020204" pitchFamily="34" charset="-122"/>
               <a:ea typeface="微软雅黑" panose="020B0503020204020204" pitchFamily="34" charset="-122"/>
             </a:endParaRPr>
@@ -14472,14 +14443,9 @@
           <a:lstStyle/>
           <a:p>
             <a:r>
-              <a:rPr lang="zh-CN" altLang="en-US" dirty="0"/>
-              <a:t>不</a:t>
-            </a:r>
-            <a:r>
-              <a:rPr lang="zh-CN" altLang="en-US" dirty="0" smtClean="0"/>
-              <a:t>支持的消息类型</a:t>
-            </a:r>
-            <a:endParaRPr lang="zh-CN" altLang="en-US" dirty="0"/>
+              <a:rPr lang="zh-CN" altLang="en-US" b="0" dirty="0"/>
+              <a:t>不支持的消息类型</a:t>
+            </a:r>
           </a:p>
         </p:txBody>
       </p:sp>
@@ -14541,16 +14507,12 @@
               </a:lnSpc>
             </a:pPr>
             <a:r>
-              <a:rPr lang="zh-CN" altLang="en-US" sz="2000" dirty="0" smtClean="0">
+              <a:rPr lang="zh-CN" altLang="en-US" sz="2000" dirty="0">
                 <a:latin typeface="微软雅黑" panose="020B0503020204020204" pitchFamily="34" charset="-122"/>
                 <a:ea typeface="微软雅黑" panose="020B0503020204020204" pitchFamily="34" charset="-122"/>
               </a:rPr>
               <a:t>用户发送在微信下载的表情或者是自定义的表情会提示“不支持的消息类型，暂无法显示”。微信默认自带的表情可以显示，因为默认自在的表情实际上是文本表示的消息。</a:t>
             </a:r>
-            <a:endParaRPr lang="zh-CN" altLang="en-US" sz="2000" dirty="0">
-              <a:latin typeface="微软雅黑" panose="020B0503020204020204" pitchFamily="34" charset="-122"/>
-              <a:ea typeface="微软雅黑" panose="020B0503020204020204" pitchFamily="34" charset="-122"/>
-            </a:endParaRPr>
           </a:p>
         </p:txBody>
       </p:sp>
@@ -14564,13 +14526,6 @@
   <p:clrMapOvr>
     <a:masterClrMapping/>
   </p:clrMapOvr>
-  <p:timing>
-    <p:tnLst>
-      <p:par>
-        <p:cTn id="1" dur="indefinite" restart="never" nodeType="tmRoot"/>
-      </p:par>
-    </p:tnLst>
-  </p:timing>
 </p:sld>
 </file>
 
@@ -14612,10 +14567,9 @@
           <a:lstStyle/>
           <a:p>
             <a:r>
-              <a:rPr lang="zh-CN" altLang="en-US" dirty="0" smtClean="0"/>
+              <a:rPr lang="zh-CN" altLang="en-US" b="0" dirty="0"/>
               <a:t>第三讲</a:t>
             </a:r>
-            <a:endParaRPr lang="zh-CN" altLang="en-US" dirty="0"/>
           </a:p>
         </p:txBody>
       </p:sp>
@@ -14800,10 +14754,9 @@
           <a:lstStyle/>
           <a:p>
             <a:r>
-              <a:rPr lang="zh-CN" altLang="en-US" dirty="0" smtClean="0"/>
+              <a:rPr lang="zh-CN" altLang="en-US" b="0" dirty="0"/>
               <a:t>微信公众号设置开启加密</a:t>
             </a:r>
-            <a:endParaRPr lang="zh-CN" altLang="en-US" dirty="0"/>
           </a:p>
         </p:txBody>
       </p:sp>
@@ -14837,13 +14790,13 @@
               <a:buChar char="•"/>
             </a:pPr>
             <a:r>
-              <a:rPr lang="zh-CN" altLang="en-US" sz="2000" dirty="0" smtClean="0">
+              <a:rPr lang="zh-CN" altLang="en-US" sz="2000" dirty="0">
                 <a:latin typeface="微软雅黑" panose="020B0503020204020204" pitchFamily="34" charset="-122"/>
                 <a:ea typeface="微软雅黑" panose="020B0503020204020204" pitchFamily="34" charset="-122"/>
               </a:rPr>
               <a:t>微信公众平台打开基本配置，重新设置服务器设置选项的消息加密模式为安全模式。</a:t>
             </a:r>
-            <a:endParaRPr lang="en-US" altLang="zh-CN" dirty="0" smtClean="0"/>
+            <a:endParaRPr lang="en-US" altLang="zh-CN" dirty="0"/>
           </a:p>
           <a:p>
             <a:pPr marL="285750" indent="-285750">
@@ -14854,27 +14807,27 @@
               <a:buChar char="•"/>
             </a:pPr>
             <a:r>
-              <a:rPr lang="zh-CN" altLang="en-US" sz="2000" dirty="0" smtClean="0">
+              <a:rPr lang="zh-CN" altLang="en-US" sz="2000" dirty="0">
                 <a:latin typeface="微软雅黑" panose="020B0503020204020204" pitchFamily="34" charset="-122"/>
                 <a:ea typeface="微软雅黑" panose="020B0503020204020204" pitchFamily="34" charset="-122"/>
               </a:rPr>
               <a:t>由于配置这个选项会导致微信服务器重新认证，所以需要先在开发者服务器上注释消息处理函数，开启</a:t>
             </a:r>
             <a:r>
-              <a:rPr lang="en-US" altLang="zh-CN" sz="2000" dirty="0" smtClean="0">
+              <a:rPr lang="en-US" altLang="zh-CN" sz="2000" dirty="0">
                 <a:latin typeface="微软雅黑" panose="020B0503020204020204" pitchFamily="34" charset="-122"/>
                 <a:ea typeface="微软雅黑" panose="020B0503020204020204" pitchFamily="34" charset="-122"/>
               </a:rPr>
               <a:t>URL</a:t>
             </a:r>
             <a:r>
-              <a:rPr lang="zh-CN" altLang="en-US" sz="2000" dirty="0" smtClean="0">
+              <a:rPr lang="zh-CN" altLang="en-US" sz="2000" dirty="0">
                 <a:latin typeface="微软雅黑" panose="020B0503020204020204" pitchFamily="34" charset="-122"/>
                 <a:ea typeface="微软雅黑" panose="020B0503020204020204" pitchFamily="34" charset="-122"/>
               </a:rPr>
               <a:t>验证。配置通过后，再改回消息处理模式。</a:t>
             </a:r>
-            <a:endParaRPr lang="en-US" altLang="zh-CN" sz="2000" dirty="0" smtClean="0">
+            <a:endParaRPr lang="en-US" altLang="zh-CN" sz="2000" dirty="0">
               <a:latin typeface="微软雅黑" panose="020B0503020204020204" pitchFamily="34" charset="-122"/>
               <a:ea typeface="微软雅黑" panose="020B0503020204020204" pitchFamily="34" charset="-122"/>
             </a:endParaRPr>
@@ -14956,10 +14909,9 @@
           <a:lstStyle/>
           <a:p>
             <a:r>
-              <a:rPr lang="zh-CN" altLang="en-US" dirty="0" smtClean="0"/>
+              <a:rPr lang="zh-CN" altLang="en-US" b="0" dirty="0"/>
               <a:t>下载加解密示例代码</a:t>
             </a:r>
-            <a:endParaRPr lang="zh-CN" altLang="en-US" dirty="0"/>
           </a:p>
         </p:txBody>
       </p:sp>
@@ -14993,13 +14945,13 @@
               <a:buChar char="•"/>
             </a:pPr>
             <a:r>
-              <a:rPr lang="zh-CN" altLang="en-US" sz="2000" dirty="0" smtClean="0">
+              <a:rPr lang="zh-CN" altLang="en-US" sz="2000" dirty="0">
                 <a:latin typeface="微软雅黑" panose="020B0503020204020204" pitchFamily="34" charset="-122"/>
                 <a:ea typeface="微软雅黑" panose="020B0503020204020204" pitchFamily="34" charset="-122"/>
               </a:rPr>
               <a:t>打开微信公众平台技术文档。</a:t>
             </a:r>
-            <a:endParaRPr lang="en-US" altLang="zh-CN" sz="2000" dirty="0" smtClean="0">
+            <a:endParaRPr lang="en-US" altLang="zh-CN" sz="2000" dirty="0">
               <a:latin typeface="微软雅黑" panose="020B0503020204020204" pitchFamily="34" charset="-122"/>
               <a:ea typeface="微软雅黑" panose="020B0503020204020204" pitchFamily="34" charset="-122"/>
             </a:endParaRPr>
@@ -15013,13 +14965,13 @@
               <a:buChar char="•"/>
             </a:pPr>
             <a:r>
-              <a:rPr lang="zh-CN" altLang="en-US" sz="2000" dirty="0" smtClean="0">
+              <a:rPr lang="zh-CN" altLang="en-US" sz="2000" dirty="0">
                 <a:latin typeface="微软雅黑" panose="020B0503020204020204" pitchFamily="34" charset="-122"/>
                 <a:ea typeface="微软雅黑" panose="020B0503020204020204" pitchFamily="34" charset="-122"/>
               </a:rPr>
               <a:t>左侧消息管理菜单中点击消息加解密说明。</a:t>
             </a:r>
-            <a:endParaRPr lang="en-US" altLang="zh-CN" sz="2000" dirty="0" smtClean="0">
+            <a:endParaRPr lang="en-US" altLang="zh-CN" sz="2000" dirty="0">
               <a:latin typeface="微软雅黑" panose="020B0503020204020204" pitchFamily="34" charset="-122"/>
               <a:ea typeface="微软雅黑" panose="020B0503020204020204" pitchFamily="34" charset="-122"/>
             </a:endParaRPr>
@@ -15037,16 +14989,9 @@
                 <a:latin typeface="微软雅黑" panose="020B0503020204020204" pitchFamily="34" charset="-122"/>
                 <a:ea typeface="微软雅黑" panose="020B0503020204020204" pitchFamily="34" charset="-122"/>
               </a:rPr>
-              <a:t>内容</a:t>
-            </a:r>
-            <a:r>
-              <a:rPr lang="zh-CN" altLang="en-US" sz="2000" dirty="0" smtClean="0">
-                <a:latin typeface="微软雅黑" panose="020B0503020204020204" pitchFamily="34" charset="-122"/>
-                <a:ea typeface="微软雅黑" panose="020B0503020204020204" pitchFamily="34" charset="-122"/>
-              </a:rPr>
-              <a:t>介绍的最下面有下载链接。</a:t>
-            </a:r>
-            <a:endParaRPr lang="en-US" altLang="zh-CN" sz="2000" dirty="0" smtClean="0">
+              <a:t>内容介绍的最下面有下载链接。</a:t>
+            </a:r>
+            <a:endParaRPr lang="en-US" altLang="zh-CN" sz="2000" dirty="0">
               <a:latin typeface="微软雅黑" panose="020B0503020204020204" pitchFamily="34" charset="-122"/>
               <a:ea typeface="微软雅黑" panose="020B0503020204020204" pitchFamily="34" charset="-122"/>
             </a:endParaRPr>
@@ -15064,30 +15009,23 @@
                 <a:latin typeface="微软雅黑" panose="020B0503020204020204" pitchFamily="34" charset="-122"/>
                 <a:ea typeface="微软雅黑" panose="020B0503020204020204" pitchFamily="34" charset="-122"/>
               </a:rPr>
-              <a:t>解压缩</a:t>
-            </a:r>
-            <a:r>
-              <a:rPr lang="zh-CN" altLang="en-US" sz="2000" dirty="0" smtClean="0">
-                <a:latin typeface="微软雅黑" panose="020B0503020204020204" pitchFamily="34" charset="-122"/>
-                <a:ea typeface="微软雅黑" panose="020B0503020204020204" pitchFamily="34" charset="-122"/>
-              </a:rPr>
-              <a:t>后仅仅使用</a:t>
-            </a:r>
-            <a:r>
-              <a:rPr lang="en-US" altLang="zh-CN" sz="2000" dirty="0" smtClean="0">
+              <a:t>解压缩后仅仅使用</a:t>
+            </a:r>
+            <a:r>
+              <a:rPr lang="en-US" altLang="zh-CN" sz="2000" dirty="0">
                 <a:latin typeface="微软雅黑" panose="020B0503020204020204" pitchFamily="34" charset="-122"/>
                 <a:ea typeface="微软雅黑" panose="020B0503020204020204" pitchFamily="34" charset="-122"/>
               </a:rPr>
               <a:t>PHP</a:t>
             </a:r>
             <a:r>
-              <a:rPr lang="zh-CN" altLang="en-US" sz="2000" dirty="0" smtClean="0">
+              <a:rPr lang="zh-CN" altLang="en-US" sz="2000" dirty="0">
                 <a:latin typeface="微软雅黑" panose="020B0503020204020204" pitchFamily="34" charset="-122"/>
                 <a:ea typeface="微软雅黑" panose="020B0503020204020204" pitchFamily="34" charset="-122"/>
               </a:rPr>
               <a:t>的示例代码即可。</a:t>
             </a:r>
-            <a:endParaRPr lang="en-US" altLang="zh-CN" sz="2000" dirty="0" smtClean="0">
+            <a:endParaRPr lang="en-US" altLang="zh-CN" sz="2000" dirty="0">
               <a:latin typeface="微软雅黑" panose="020B0503020204020204" pitchFamily="34" charset="-122"/>
               <a:ea typeface="微软雅黑" panose="020B0503020204020204" pitchFamily="34" charset="-122"/>
             </a:endParaRPr>
@@ -15101,13 +15039,13 @@
               <a:buChar char="•"/>
             </a:pPr>
             <a:r>
-              <a:rPr lang="zh-CN" altLang="en-US" sz="2000" dirty="0" smtClean="0">
+              <a:rPr lang="zh-CN" altLang="en-US" sz="2000" dirty="0">
                 <a:latin typeface="微软雅黑" panose="020B0503020204020204" pitchFamily="34" charset="-122"/>
                 <a:ea typeface="微软雅黑" panose="020B0503020204020204" pitchFamily="34" charset="-122"/>
               </a:rPr>
               <a:t>注意需要更改代码的几个地方才可以使用：</a:t>
             </a:r>
-            <a:endParaRPr lang="en-US" altLang="zh-CN" sz="2000" dirty="0" smtClean="0">
+            <a:endParaRPr lang="en-US" altLang="zh-CN" sz="2000" dirty="0">
               <a:latin typeface="微软雅黑" panose="020B0503020204020204" pitchFamily="34" charset="-122"/>
               <a:ea typeface="微软雅黑" panose="020B0503020204020204" pitchFamily="34" charset="-122"/>
             </a:endParaRPr>
@@ -15121,83 +15059,83 @@
               <a:buAutoNum type="arabicPeriod"/>
             </a:pPr>
             <a:r>
-              <a:rPr lang="zh-CN" altLang="en-US" sz="2000" dirty="0" smtClean="0">
+              <a:rPr lang="zh-CN" altLang="en-US" sz="2000" dirty="0">
                 <a:latin typeface="微软雅黑" panose="020B0503020204020204" pitchFamily="34" charset="-122"/>
                 <a:ea typeface="微软雅黑" panose="020B0503020204020204" pitchFamily="34" charset="-122"/>
               </a:rPr>
               <a:t>由于从</a:t>
             </a:r>
             <a:r>
-              <a:rPr lang="en-US" altLang="zh-CN" sz="2000" dirty="0" smtClean="0">
+              <a:rPr lang="en-US" altLang="zh-CN" sz="2000" dirty="0">
                 <a:latin typeface="微软雅黑" panose="020B0503020204020204" pitchFamily="34" charset="-122"/>
                 <a:ea typeface="微软雅黑" panose="020B0503020204020204" pitchFamily="34" charset="-122"/>
               </a:rPr>
               <a:t>PHP5.3.3</a:t>
             </a:r>
             <a:r>
-              <a:rPr lang="zh-CN" altLang="en-US" sz="2000" dirty="0" smtClean="0">
+              <a:rPr lang="zh-CN" altLang="en-US" sz="2000" dirty="0">
                 <a:latin typeface="微软雅黑" panose="020B0503020204020204" pitchFamily="34" charset="-122"/>
                 <a:ea typeface="微软雅黑" panose="020B0503020204020204" pitchFamily="34" charset="-122"/>
               </a:rPr>
               <a:t>版本以后，不能再使用与类名相同的方法名作为构造函数，所以对于高版本的</a:t>
             </a:r>
             <a:r>
-              <a:rPr lang="en-US" altLang="zh-CN" sz="2000" dirty="0" smtClean="0">
+              <a:rPr lang="en-US" altLang="zh-CN" sz="2000" dirty="0">
                 <a:latin typeface="微软雅黑" panose="020B0503020204020204" pitchFamily="34" charset="-122"/>
                 <a:ea typeface="微软雅黑" panose="020B0503020204020204" pitchFamily="34" charset="-122"/>
               </a:rPr>
               <a:t>PHP</a:t>
             </a:r>
             <a:r>
-              <a:rPr lang="zh-CN" altLang="en-US" sz="2000" dirty="0" smtClean="0">
+              <a:rPr lang="zh-CN" altLang="en-US" sz="2000" dirty="0">
                 <a:latin typeface="微软雅黑" panose="020B0503020204020204" pitchFamily="34" charset="-122"/>
                 <a:ea typeface="微软雅黑" panose="020B0503020204020204" pitchFamily="34" charset="-122"/>
               </a:rPr>
               <a:t>，需要把</a:t>
             </a:r>
             <a:r>
-              <a:rPr lang="en-US" altLang="zh-CN" sz="2000" dirty="0" err="1" smtClean="0">
+              <a:rPr lang="en-US" altLang="zh-CN" sz="2000" dirty="0" err="1">
                 <a:latin typeface="微软雅黑" panose="020B0503020204020204" pitchFamily="34" charset="-122"/>
                 <a:ea typeface="微软雅黑" panose="020B0503020204020204" pitchFamily="34" charset="-122"/>
               </a:rPr>
               <a:t>wxBizMsgCrypt.php</a:t>
             </a:r>
             <a:r>
-              <a:rPr lang="zh-CN" altLang="en-US" sz="2000" dirty="0" smtClean="0">
+              <a:rPr lang="zh-CN" altLang="en-US" sz="2000" dirty="0">
                 <a:latin typeface="微软雅黑" panose="020B0503020204020204" pitchFamily="34" charset="-122"/>
                 <a:ea typeface="微软雅黑" panose="020B0503020204020204" pitchFamily="34" charset="-122"/>
               </a:rPr>
               <a:t>与</a:t>
             </a:r>
             <a:r>
-              <a:rPr lang="en-US" altLang="zh-CN" sz="2000" dirty="0" smtClean="0">
+              <a:rPr lang="en-US" altLang="zh-CN" sz="2000" dirty="0">
                 <a:latin typeface="微软雅黑" panose="020B0503020204020204" pitchFamily="34" charset="-122"/>
                 <a:ea typeface="微软雅黑" panose="020B0503020204020204" pitchFamily="34" charset="-122"/>
               </a:rPr>
               <a:t>pkcs7Encoder.php</a:t>
             </a:r>
             <a:r>
-              <a:rPr lang="zh-CN" altLang="en-US" sz="2000" dirty="0" smtClean="0">
+              <a:rPr lang="zh-CN" altLang="en-US" sz="2000" dirty="0">
                 <a:latin typeface="微软雅黑" panose="020B0503020204020204" pitchFamily="34" charset="-122"/>
                 <a:ea typeface="微软雅黑" panose="020B0503020204020204" pitchFamily="34" charset="-122"/>
               </a:rPr>
               <a:t>中和类名相同的方法改成 </a:t>
             </a:r>
             <a:r>
-              <a:rPr lang="en-US" altLang="zh-CN" sz="2000" dirty="0" smtClean="0">
+              <a:rPr lang="en-US" altLang="zh-CN" sz="2000" dirty="0">
                 <a:latin typeface="微软雅黑" panose="020B0503020204020204" pitchFamily="34" charset="-122"/>
                 <a:ea typeface="微软雅黑" panose="020B0503020204020204" pitchFamily="34" charset="-122"/>
               </a:rPr>
               <a:t>__construct()</a:t>
             </a:r>
             <a:r>
-              <a:rPr lang="zh-CN" altLang="en-US" sz="2000" dirty="0" smtClean="0">
+              <a:rPr lang="zh-CN" altLang="en-US" sz="2000" dirty="0">
                 <a:latin typeface="微软雅黑" panose="020B0503020204020204" pitchFamily="34" charset="-122"/>
                 <a:ea typeface="微软雅黑" panose="020B0503020204020204" pitchFamily="34" charset="-122"/>
               </a:rPr>
               <a:t>方法。</a:t>
             </a:r>
-            <a:endParaRPr lang="en-US" altLang="zh-CN" sz="2000" dirty="0" smtClean="0">
+            <a:endParaRPr lang="en-US" altLang="zh-CN" sz="2000" dirty="0">
               <a:latin typeface="微软雅黑" panose="020B0503020204020204" pitchFamily="34" charset="-122"/>
               <a:ea typeface="微软雅黑" panose="020B0503020204020204" pitchFamily="34" charset="-122"/>
             </a:endParaRPr>
@@ -15211,41 +15149,41 @@
               <a:buAutoNum type="arabicPeriod"/>
             </a:pPr>
             <a:r>
-              <a:rPr lang="zh-CN" altLang="en-US" sz="2000" dirty="0" smtClean="0">
+              <a:rPr lang="zh-CN" altLang="en-US" sz="2000" dirty="0">
                 <a:latin typeface="微软雅黑" panose="020B0503020204020204" pitchFamily="34" charset="-122"/>
                 <a:ea typeface="微软雅黑" panose="020B0503020204020204" pitchFamily="34" charset="-122"/>
               </a:rPr>
               <a:t>示例代码中的</a:t>
             </a:r>
             <a:r>
-              <a:rPr lang="en-US" altLang="zh-CN" sz="2000" dirty="0" err="1" smtClean="0">
+              <a:rPr lang="en-US" altLang="zh-CN" sz="2000" dirty="0" err="1">
                 <a:latin typeface="微软雅黑" panose="020B0503020204020204" pitchFamily="34" charset="-122"/>
                 <a:ea typeface="微软雅黑" panose="020B0503020204020204" pitchFamily="34" charset="-122"/>
               </a:rPr>
               <a:t>demo.php</a:t>
             </a:r>
             <a:r>
-              <a:rPr lang="zh-CN" altLang="en-US" sz="2000" dirty="0" smtClean="0">
+              <a:rPr lang="zh-CN" altLang="en-US" sz="2000" dirty="0">
                 <a:latin typeface="微软雅黑" panose="020B0503020204020204" pitchFamily="34" charset="-122"/>
                 <a:ea typeface="微软雅黑" panose="020B0503020204020204" pitchFamily="34" charset="-122"/>
               </a:rPr>
               <a:t>文件中格式化回复消息缺少了参数，不需要参看</a:t>
             </a:r>
             <a:r>
-              <a:rPr lang="en-US" altLang="zh-CN" sz="2000" dirty="0" err="1" smtClean="0">
+              <a:rPr lang="en-US" altLang="zh-CN" sz="2000" dirty="0" err="1">
                 <a:latin typeface="微软雅黑" panose="020B0503020204020204" pitchFamily="34" charset="-122"/>
                 <a:ea typeface="微软雅黑" panose="020B0503020204020204" pitchFamily="34" charset="-122"/>
               </a:rPr>
               <a:t>demo.php</a:t>
             </a:r>
             <a:r>
-              <a:rPr lang="zh-CN" altLang="en-US" sz="2000" dirty="0" smtClean="0">
+              <a:rPr lang="zh-CN" altLang="en-US" sz="2000" dirty="0">
                 <a:latin typeface="微软雅黑" panose="020B0503020204020204" pitchFamily="34" charset="-122"/>
                 <a:ea typeface="微软雅黑" panose="020B0503020204020204" pitchFamily="34" charset="-122"/>
               </a:rPr>
               <a:t>文件。</a:t>
             </a:r>
-            <a:endParaRPr lang="en-US" altLang="zh-CN" sz="2000" dirty="0" smtClean="0">
+            <a:endParaRPr lang="en-US" altLang="zh-CN" sz="2000" dirty="0">
               <a:latin typeface="微软雅黑" panose="020B0503020204020204" pitchFamily="34" charset="-122"/>
               <a:ea typeface="微软雅黑" panose="020B0503020204020204" pitchFamily="34" charset="-122"/>
             </a:endParaRPr>
@@ -15262,13 +15200,6 @@
   <p:clrMapOvr>
     <a:masterClrMapping/>
   </p:clrMapOvr>
-  <p:timing>
-    <p:tnLst>
-      <p:par>
-        <p:cTn id="1" dur="indefinite" restart="never" nodeType="tmRoot"/>
-      </p:par>
-    </p:tnLst>
-  </p:timing>
 </p:sld>
 </file>
 
@@ -15310,14 +15241,9 @@
           <a:lstStyle/>
           <a:p>
             <a:r>
-              <a:rPr lang="zh-CN" altLang="en-US" dirty="0"/>
-              <a:t>加</a:t>
-            </a:r>
-            <a:r>
-              <a:rPr lang="zh-CN" altLang="en-US" dirty="0" smtClean="0"/>
-              <a:t>解密基本过程</a:t>
-            </a:r>
-            <a:endParaRPr lang="zh-CN" altLang="en-US" dirty="0"/>
+              <a:rPr lang="zh-CN" altLang="en-US" b="0" dirty="0"/>
+              <a:t>加解密基本过程</a:t>
+            </a:r>
           </a:p>
         </p:txBody>
       </p:sp>
@@ -15349,13 +15275,13 @@
               </a:lnSpc>
             </a:pPr>
             <a:r>
-              <a:rPr lang="zh-CN" altLang="en-US" sz="2000" dirty="0" smtClean="0">
+              <a:rPr lang="zh-CN" altLang="en-US" sz="2000" dirty="0">
                 <a:latin typeface="微软雅黑" panose="020B0503020204020204" pitchFamily="34" charset="-122"/>
                 <a:ea typeface="微软雅黑" panose="020B0503020204020204" pitchFamily="34" charset="-122"/>
               </a:rPr>
               <a:t>在已经实现明文模式传输的基础之上，加入加密解密的功能。</a:t>
             </a:r>
-            <a:endParaRPr lang="en-US" altLang="zh-CN" sz="2000" dirty="0" smtClean="0">
+            <a:endParaRPr lang="en-US" altLang="zh-CN" sz="2000" dirty="0">
               <a:latin typeface="微软雅黑" panose="020B0503020204020204" pitchFamily="34" charset="-122"/>
               <a:ea typeface="微软雅黑" panose="020B0503020204020204" pitchFamily="34" charset="-122"/>
             </a:endParaRPr>
@@ -15369,13 +15295,13 @@
               <a:buChar char="•"/>
             </a:pPr>
             <a:r>
-              <a:rPr lang="zh-CN" altLang="en-US" sz="2000" dirty="0" smtClean="0">
+              <a:rPr lang="zh-CN" altLang="en-US" sz="2000" dirty="0">
                 <a:latin typeface="微软雅黑" panose="020B0503020204020204" pitchFamily="34" charset="-122"/>
                 <a:ea typeface="微软雅黑" panose="020B0503020204020204" pitchFamily="34" charset="-122"/>
               </a:rPr>
               <a:t>启用加密以后，微信服务器会把消息加密后传输，同时会在请求里加上一些加解密需要的参数。</a:t>
             </a:r>
-            <a:endParaRPr lang="en-US" altLang="zh-CN" sz="2000" dirty="0" smtClean="0">
+            <a:endParaRPr lang="en-US" altLang="zh-CN" sz="2000" dirty="0">
               <a:latin typeface="微软雅黑" panose="020B0503020204020204" pitchFamily="34" charset="-122"/>
               <a:ea typeface="微软雅黑" panose="020B0503020204020204" pitchFamily="34" charset="-122"/>
             </a:endParaRPr>
@@ -15393,16 +15319,9 @@
                 <a:latin typeface="微软雅黑" panose="020B0503020204020204" pitchFamily="34" charset="-122"/>
                 <a:ea typeface="微软雅黑" panose="020B0503020204020204" pitchFamily="34" charset="-122"/>
               </a:rPr>
-              <a:t>开发者</a:t>
-            </a:r>
-            <a:r>
-              <a:rPr lang="zh-CN" altLang="en-US" sz="2000" dirty="0" smtClean="0">
-                <a:latin typeface="微软雅黑" panose="020B0503020204020204" pitchFamily="34" charset="-122"/>
-                <a:ea typeface="微软雅黑" panose="020B0503020204020204" pitchFamily="34" charset="-122"/>
-              </a:rPr>
-              <a:t>服务器接收到消息以后，验证消息的可靠性，之后先进行解密，处理后，需要回复的消息要先进行加密，然后返回结果。</a:t>
-            </a:r>
-            <a:endParaRPr lang="en-US" altLang="zh-CN" sz="2000" dirty="0" smtClean="0">
+              <a:t>开发者服务器接收到消息以后，验证消息的可靠性，之后先进行解密，处理后，需要回复的消息要先进行加密，然后返回结果。</a:t>
+            </a:r>
+            <a:endParaRPr lang="en-US" altLang="zh-CN" sz="2000" dirty="0">
               <a:latin typeface="微软雅黑" panose="020B0503020204020204" pitchFamily="34" charset="-122"/>
               <a:ea typeface="微软雅黑" panose="020B0503020204020204" pitchFamily="34" charset="-122"/>
             </a:endParaRPr>
@@ -15416,13 +15335,13 @@
               <a:buChar char="•"/>
             </a:pPr>
             <a:r>
-              <a:rPr lang="zh-CN" altLang="en-US" sz="2000" dirty="0" smtClean="0">
+              <a:rPr lang="zh-CN" altLang="en-US" sz="2000" dirty="0">
                 <a:latin typeface="微软雅黑" panose="020B0503020204020204" pitchFamily="34" charset="-122"/>
                 <a:ea typeface="微软雅黑" panose="020B0503020204020204" pitchFamily="34" charset="-122"/>
               </a:rPr>
               <a:t>在收到消息后，多了解密的过程，回复消息时，多了加密的过程。</a:t>
             </a:r>
-            <a:endParaRPr lang="en-US" altLang="zh-CN" sz="2000" dirty="0" smtClean="0">
+            <a:endParaRPr lang="en-US" altLang="zh-CN" sz="2000" dirty="0">
               <a:latin typeface="微软雅黑" panose="020B0503020204020204" pitchFamily="34" charset="-122"/>
               <a:ea typeface="微软雅黑" panose="020B0503020204020204" pitchFamily="34" charset="-122"/>
             </a:endParaRPr>
@@ -15436,44 +15355,40 @@
               <a:buChar char="•"/>
             </a:pPr>
             <a:r>
-              <a:rPr lang="zh-CN" altLang="en-US" sz="2000" dirty="0" smtClean="0">
+              <a:rPr lang="zh-CN" altLang="en-US" sz="2000" dirty="0">
                 <a:latin typeface="微软雅黑" panose="020B0503020204020204" pitchFamily="34" charset="-122"/>
                 <a:ea typeface="微软雅黑" panose="020B0503020204020204" pitchFamily="34" charset="-122"/>
               </a:rPr>
               <a:t>这时候，微信开发者配置中设置的加解密密钥就要起作用了，同时要用到的还有公众号信息的开发者</a:t>
             </a:r>
             <a:r>
-              <a:rPr lang="en-US" altLang="zh-CN" sz="2000" dirty="0" smtClean="0">
+              <a:rPr lang="en-US" altLang="zh-CN" sz="2000" dirty="0">
                 <a:latin typeface="微软雅黑" panose="020B0503020204020204" pitchFamily="34" charset="-122"/>
                 <a:ea typeface="微软雅黑" panose="020B0503020204020204" pitchFamily="34" charset="-122"/>
               </a:rPr>
               <a:t>ID</a:t>
             </a:r>
             <a:r>
-              <a:rPr lang="zh-CN" altLang="en-US" sz="2000" dirty="0" smtClean="0">
+              <a:rPr lang="zh-CN" altLang="en-US" sz="2000" dirty="0">
                 <a:latin typeface="微软雅黑" panose="020B0503020204020204" pitchFamily="34" charset="-122"/>
                 <a:ea typeface="微软雅黑" panose="020B0503020204020204" pitchFamily="34" charset="-122"/>
               </a:rPr>
               <a:t>（</a:t>
             </a:r>
             <a:r>
-              <a:rPr lang="en-US" altLang="zh-CN" sz="2000" dirty="0" err="1" smtClean="0">
+              <a:rPr lang="en-US" altLang="zh-CN" sz="2000" dirty="0" err="1">
                 <a:latin typeface="微软雅黑" panose="020B0503020204020204" pitchFamily="34" charset="-122"/>
                 <a:ea typeface="微软雅黑" panose="020B0503020204020204" pitchFamily="34" charset="-122"/>
               </a:rPr>
               <a:t>AppId</a:t>
             </a:r>
             <a:r>
-              <a:rPr lang="zh-CN" altLang="en-US" sz="2000" dirty="0" smtClean="0">
+              <a:rPr lang="zh-CN" altLang="en-US" sz="2000" dirty="0">
                 <a:latin typeface="微软雅黑" panose="020B0503020204020204" pitchFamily="34" charset="-122"/>
                 <a:ea typeface="微软雅黑" panose="020B0503020204020204" pitchFamily="34" charset="-122"/>
               </a:rPr>
               <a:t>）。</a:t>
             </a:r>
-            <a:endParaRPr lang="zh-CN" altLang="en-US" sz="2000" dirty="0">
-              <a:latin typeface="微软雅黑" panose="020B0503020204020204" pitchFamily="34" charset="-122"/>
-              <a:ea typeface="微软雅黑" panose="020B0503020204020204" pitchFamily="34" charset="-122"/>
-            </a:endParaRPr>
           </a:p>
         </p:txBody>
       </p:sp>
@@ -15528,10 +15443,9 @@
           <a:lstStyle/>
           <a:p>
             <a:r>
-              <a:rPr lang="zh-CN" altLang="en-US" dirty="0" smtClean="0"/>
+              <a:rPr lang="zh-CN" altLang="en-US" b="0" dirty="0"/>
               <a:t>实现消息加密功能</a:t>
             </a:r>
-            <a:endParaRPr lang="zh-CN" altLang="en-US" dirty="0"/>
           </a:p>
         </p:txBody>
       </p:sp>
@@ -15565,13 +15479,13 @@
               <a:buChar char="•"/>
             </a:pPr>
             <a:r>
-              <a:rPr lang="zh-CN" altLang="en-US" sz="2000" dirty="0" smtClean="0">
+              <a:rPr lang="zh-CN" altLang="en-US" sz="2000" dirty="0">
                 <a:latin typeface="微软雅黑" panose="020B0503020204020204" pitchFamily="34" charset="-122"/>
                 <a:ea typeface="微软雅黑" panose="020B0503020204020204" pitchFamily="34" charset="-122"/>
               </a:rPr>
               <a:t>参数说明：</a:t>
             </a:r>
-            <a:endParaRPr lang="en-US" altLang="zh-CN" sz="2000" dirty="0" smtClean="0">
+            <a:endParaRPr lang="en-US" altLang="zh-CN" sz="2000" dirty="0">
               <a:latin typeface="微软雅黑" panose="020B0503020204020204" pitchFamily="34" charset="-122"/>
               <a:ea typeface="微软雅黑" panose="020B0503020204020204" pitchFamily="34" charset="-122"/>
             </a:endParaRPr>
@@ -15583,32 +15497,18 @@
               </a:lnSpc>
             </a:pPr>
             <a:r>
-              <a:rPr lang="en-US" altLang="zh-CN" dirty="0" smtClean="0">
+              <a:rPr lang="en-US" altLang="zh-CN" dirty="0">
                 <a:latin typeface="微软雅黑" panose="020B0503020204020204" pitchFamily="34" charset="-122"/>
                 <a:ea typeface="微软雅黑" panose="020B0503020204020204" pitchFamily="34" charset="-122"/>
               </a:rPr>
               <a:t>$token</a:t>
             </a:r>
             <a:r>
-              <a:rPr lang="zh-CN" altLang="en-US" dirty="0" smtClean="0">
-                <a:latin typeface="微软雅黑" panose="020B0503020204020204" pitchFamily="34" charset="-122"/>
-                <a:ea typeface="微软雅黑" panose="020B0503020204020204" pitchFamily="34" charset="-122"/>
-              </a:rPr>
-              <a:t>：</a:t>
-            </a:r>
-            <a:r>
               <a:rPr lang="zh-CN" altLang="en-US" dirty="0">
                 <a:latin typeface="微软雅黑" panose="020B0503020204020204" pitchFamily="34" charset="-122"/>
                 <a:ea typeface="微软雅黑" panose="020B0503020204020204" pitchFamily="34" charset="-122"/>
               </a:rPr>
-              <a:t>用户设置</a:t>
-            </a:r>
-            <a:r>
-              <a:rPr lang="zh-CN" altLang="en-US" dirty="0" smtClean="0">
-                <a:latin typeface="微软雅黑" panose="020B0503020204020204" pitchFamily="34" charset="-122"/>
-                <a:ea typeface="微软雅黑" panose="020B0503020204020204" pitchFamily="34" charset="-122"/>
-              </a:rPr>
-              <a:t>的值；</a:t>
+              <a:t>：用户设置的值；</a:t>
             </a:r>
             <a:r>
               <a:rPr lang="en-US" altLang="zh-CN" dirty="0">
@@ -15618,20 +15518,20 @@
               <a:t> $</a:t>
             </a:r>
             <a:r>
-              <a:rPr lang="en-US" altLang="zh-CN" dirty="0" err="1" smtClean="0">
+              <a:rPr lang="en-US" altLang="zh-CN" dirty="0" err="1">
                 <a:latin typeface="微软雅黑" panose="020B0503020204020204" pitchFamily="34" charset="-122"/>
                 <a:ea typeface="微软雅黑" panose="020B0503020204020204" pitchFamily="34" charset="-122"/>
               </a:rPr>
               <a:t>encodingAesKey</a:t>
             </a:r>
             <a:r>
-              <a:rPr lang="zh-CN" altLang="en-US" dirty="0" smtClean="0">
+              <a:rPr lang="zh-CN" altLang="en-US" dirty="0">
                 <a:latin typeface="微软雅黑" panose="020B0503020204020204" pitchFamily="34" charset="-122"/>
                 <a:ea typeface="微软雅黑" panose="020B0503020204020204" pitchFamily="34" charset="-122"/>
               </a:rPr>
               <a:t>：用户自己设置的字符串；</a:t>
             </a:r>
-            <a:endParaRPr lang="en-US" altLang="zh-CN" dirty="0" smtClean="0">
+            <a:endParaRPr lang="en-US" altLang="zh-CN" dirty="0">
               <a:latin typeface="微软雅黑" panose="020B0503020204020204" pitchFamily="34" charset="-122"/>
               <a:ea typeface="微软雅黑" panose="020B0503020204020204" pitchFamily="34" charset="-122"/>
             </a:endParaRPr>
@@ -15650,34 +15550,34 @@
               <a:t>$</a:t>
             </a:r>
             <a:r>
-              <a:rPr lang="en-US" altLang="zh-CN" dirty="0" err="1" smtClean="0">
+              <a:rPr lang="en-US" altLang="zh-CN" dirty="0" err="1">
                 <a:latin typeface="微软雅黑" panose="020B0503020204020204" pitchFamily="34" charset="-122"/>
                 <a:ea typeface="微软雅黑" panose="020B0503020204020204" pitchFamily="34" charset="-122"/>
               </a:rPr>
               <a:t>appid</a:t>
             </a:r>
             <a:r>
-              <a:rPr lang="zh-CN" altLang="en-US" dirty="0" smtClean="0">
+              <a:rPr lang="zh-CN" altLang="en-US" dirty="0">
                 <a:latin typeface="微软雅黑" panose="020B0503020204020204" pitchFamily="34" charset="-122"/>
                 <a:ea typeface="微软雅黑" panose="020B0503020204020204" pitchFamily="34" charset="-122"/>
               </a:rPr>
               <a:t>：微信公众号的</a:t>
             </a:r>
             <a:r>
-              <a:rPr lang="en-US" altLang="zh-CN" dirty="0" smtClean="0">
+              <a:rPr lang="en-US" altLang="zh-CN" dirty="0">
                 <a:latin typeface="微软雅黑" panose="020B0503020204020204" pitchFamily="34" charset="-122"/>
                 <a:ea typeface="微软雅黑" panose="020B0503020204020204" pitchFamily="34" charset="-122"/>
               </a:rPr>
               <a:t>ID</a:t>
             </a:r>
             <a:r>
-              <a:rPr lang="zh-CN" altLang="en-US" dirty="0" smtClean="0">
+              <a:rPr lang="zh-CN" altLang="en-US" dirty="0">
                 <a:latin typeface="微软雅黑" panose="020B0503020204020204" pitchFamily="34" charset="-122"/>
                 <a:ea typeface="微软雅黑" panose="020B0503020204020204" pitchFamily="34" charset="-122"/>
               </a:rPr>
               <a:t>；</a:t>
             </a:r>
-            <a:endParaRPr lang="en-US" altLang="zh-CN" dirty="0" smtClean="0">
+            <a:endParaRPr lang="en-US" altLang="zh-CN" dirty="0">
               <a:latin typeface="微软雅黑" panose="020B0503020204020204" pitchFamily="34" charset="-122"/>
               <a:ea typeface="微软雅黑" panose="020B0503020204020204" pitchFamily="34" charset="-122"/>
             </a:endParaRPr>
@@ -15691,13 +15591,13 @@
               <a:buChar char="•"/>
             </a:pPr>
             <a:r>
-              <a:rPr lang="zh-CN" altLang="en-US" sz="2000" dirty="0" smtClean="0">
+              <a:rPr lang="zh-CN" altLang="en-US" sz="2000" dirty="0">
                 <a:latin typeface="微软雅黑" panose="020B0503020204020204" pitchFamily="34" charset="-122"/>
                 <a:ea typeface="微软雅黑" panose="020B0503020204020204" pitchFamily="34" charset="-122"/>
               </a:rPr>
               <a:t>解密消息：</a:t>
             </a:r>
-            <a:endParaRPr lang="en-US" altLang="zh-CN" sz="2000" dirty="0" smtClean="0">
+            <a:endParaRPr lang="en-US" altLang="zh-CN" sz="2000" dirty="0">
               <a:latin typeface="微软雅黑" panose="020B0503020204020204" pitchFamily="34" charset="-122"/>
               <a:ea typeface="微软雅黑" panose="020B0503020204020204" pitchFamily="34" charset="-122"/>
             </a:endParaRPr>
@@ -15723,28 +15623,14 @@
               <a:t>WXBizMsgCrypt</a:t>
             </a:r>
             <a:r>
-              <a:rPr lang="en-US" altLang="zh-CN" dirty="0" smtClean="0">
-                <a:latin typeface="微软雅黑" panose="020B0503020204020204" pitchFamily="34" charset="-122"/>
-                <a:ea typeface="微软雅黑" panose="020B0503020204020204" pitchFamily="34" charset="-122"/>
-              </a:rPr>
-              <a:t>($token</a:t>
-            </a:r>
-            <a:r>
               <a:rPr lang="en-US" altLang="zh-CN" dirty="0">
                 <a:latin typeface="微软雅黑" panose="020B0503020204020204" pitchFamily="34" charset="-122"/>
                 <a:ea typeface="微软雅黑" panose="020B0503020204020204" pitchFamily="34" charset="-122"/>
               </a:rPr>
-              <a:t>, </a:t>
-            </a:r>
-            <a:r>
-              <a:rPr lang="en-US" altLang="zh-CN" dirty="0" smtClean="0">
-                <a:latin typeface="微软雅黑" panose="020B0503020204020204" pitchFamily="34" charset="-122"/>
-                <a:ea typeface="微软雅黑" panose="020B0503020204020204" pitchFamily="34" charset="-122"/>
-              </a:rPr>
-              <a:t>$</a:t>
-            </a:r>
-            <a:r>
-              <a:rPr lang="en-US" altLang="zh-CN" dirty="0" err="1" smtClean="0">
+              <a:t>($token, $</a:t>
+            </a:r>
+            <a:r>
+              <a:rPr lang="en-US" altLang="zh-CN" dirty="0" err="1">
                 <a:latin typeface="微软雅黑" panose="020B0503020204020204" pitchFamily="34" charset="-122"/>
                 <a:ea typeface="微软雅黑" panose="020B0503020204020204" pitchFamily="34" charset="-122"/>
               </a:rPr>
@@ -15755,24 +15641,17 @@
                 <a:latin typeface="微软雅黑" panose="020B0503020204020204" pitchFamily="34" charset="-122"/>
                 <a:ea typeface="微软雅黑" panose="020B0503020204020204" pitchFamily="34" charset="-122"/>
               </a:rPr>
-              <a:t>, </a:t>
-            </a:r>
-            <a:r>
-              <a:rPr lang="en-US" altLang="zh-CN" dirty="0" smtClean="0">
-                <a:latin typeface="微软雅黑" panose="020B0503020204020204" pitchFamily="34" charset="-122"/>
-                <a:ea typeface="微软雅黑" panose="020B0503020204020204" pitchFamily="34" charset="-122"/>
-              </a:rPr>
-              <a:t>$</a:t>
-            </a:r>
-            <a:r>
-              <a:rPr lang="en-US" altLang="zh-CN" dirty="0" err="1" smtClean="0">
+              <a:t>, $</a:t>
+            </a:r>
+            <a:r>
+              <a:rPr lang="en-US" altLang="zh-CN" dirty="0" err="1">
                 <a:latin typeface="微软雅黑" panose="020B0503020204020204" pitchFamily="34" charset="-122"/>
                 <a:ea typeface="微软雅黑" panose="020B0503020204020204" pitchFamily="34" charset="-122"/>
               </a:rPr>
               <a:t>appid</a:t>
             </a:r>
             <a:r>
-              <a:rPr lang="en-US" altLang="zh-CN" dirty="0" smtClean="0">
+              <a:rPr lang="en-US" altLang="zh-CN" dirty="0">
                 <a:latin typeface="微软雅黑" panose="020B0503020204020204" pitchFamily="34" charset="-122"/>
                 <a:ea typeface="微软雅黑" panose="020B0503020204020204" pitchFamily="34" charset="-122"/>
               </a:rPr>
@@ -15786,62 +15665,62 @@
               </a:lnSpc>
             </a:pPr>
             <a:r>
-              <a:rPr lang="en-US" altLang="zh-CN" dirty="0" smtClean="0">
+              <a:rPr lang="en-US" altLang="zh-CN" dirty="0">
                 <a:latin typeface="微软雅黑" panose="020B0503020204020204" pitchFamily="34" charset="-122"/>
                 <a:ea typeface="微软雅黑" panose="020B0503020204020204" pitchFamily="34" charset="-122"/>
               </a:rPr>
               <a:t>//$</a:t>
             </a:r>
             <a:r>
-              <a:rPr lang="en-US" altLang="zh-CN" dirty="0" err="1" smtClean="0">
+              <a:rPr lang="en-US" altLang="zh-CN" dirty="0" err="1">
                 <a:latin typeface="微软雅黑" panose="020B0503020204020204" pitchFamily="34" charset="-122"/>
                 <a:ea typeface="微软雅黑" panose="020B0503020204020204" pitchFamily="34" charset="-122"/>
               </a:rPr>
               <a:t>msg_sign</a:t>
             </a:r>
             <a:r>
-              <a:rPr lang="zh-CN" altLang="en-US" dirty="0" smtClean="0">
+              <a:rPr lang="zh-CN" altLang="en-US" dirty="0">
                 <a:latin typeface="微软雅黑" panose="020B0503020204020204" pitchFamily="34" charset="-122"/>
                 <a:ea typeface="微软雅黑" panose="020B0503020204020204" pitchFamily="34" charset="-122"/>
               </a:rPr>
               <a:t>：消息签名；</a:t>
             </a:r>
             <a:r>
-              <a:rPr lang="en-US" altLang="zh-CN" dirty="0" smtClean="0">
+              <a:rPr lang="en-US" altLang="zh-CN" dirty="0">
                 <a:latin typeface="微软雅黑" panose="020B0503020204020204" pitchFamily="34" charset="-122"/>
                 <a:ea typeface="微软雅黑" panose="020B0503020204020204" pitchFamily="34" charset="-122"/>
               </a:rPr>
               <a:t>$</a:t>
             </a:r>
             <a:r>
-              <a:rPr lang="en-US" altLang="zh-CN" dirty="0" err="1" smtClean="0">
+              <a:rPr lang="en-US" altLang="zh-CN" dirty="0" err="1">
                 <a:latin typeface="微软雅黑" panose="020B0503020204020204" pitchFamily="34" charset="-122"/>
                 <a:ea typeface="微软雅黑" panose="020B0503020204020204" pitchFamily="34" charset="-122"/>
               </a:rPr>
               <a:t>msg</a:t>
             </a:r>
             <a:r>
-              <a:rPr lang="zh-CN" altLang="en-US" dirty="0" smtClean="0">
+              <a:rPr lang="zh-CN" altLang="en-US" dirty="0">
                 <a:latin typeface="微软雅黑" panose="020B0503020204020204" pitchFamily="34" charset="-122"/>
                 <a:ea typeface="微软雅黑" panose="020B0503020204020204" pitchFamily="34" charset="-122"/>
               </a:rPr>
               <a:t>：解密后的数据赋值给</a:t>
             </a:r>
             <a:r>
-              <a:rPr lang="en-US" altLang="zh-CN" dirty="0" smtClean="0">
+              <a:rPr lang="en-US" altLang="zh-CN" dirty="0">
                 <a:latin typeface="微软雅黑" panose="020B0503020204020204" pitchFamily="34" charset="-122"/>
                 <a:ea typeface="微软雅黑" panose="020B0503020204020204" pitchFamily="34" charset="-122"/>
               </a:rPr>
               <a:t>$</a:t>
             </a:r>
             <a:r>
-              <a:rPr lang="en-US" altLang="zh-CN" dirty="0" err="1" smtClean="0">
+              <a:rPr lang="en-US" altLang="zh-CN" dirty="0" err="1">
                 <a:latin typeface="微软雅黑" panose="020B0503020204020204" pitchFamily="34" charset="-122"/>
                 <a:ea typeface="微软雅黑" panose="020B0503020204020204" pitchFamily="34" charset="-122"/>
               </a:rPr>
               <a:t>msg</a:t>
             </a:r>
-            <a:endParaRPr lang="en-US" altLang="zh-CN" dirty="0" smtClean="0">
+            <a:endParaRPr lang="en-US" altLang="zh-CN" dirty="0">
               <a:latin typeface="微软雅黑" panose="020B0503020204020204" pitchFamily="34" charset="-122"/>
               <a:ea typeface="微软雅黑" panose="020B0503020204020204" pitchFamily="34" charset="-122"/>
             </a:endParaRPr>
@@ -15881,14 +15760,14 @@
               <a:t>decryptMsg</a:t>
             </a:r>
             <a:r>
-              <a:rPr lang="en-US" altLang="zh-CN" dirty="0" smtClean="0">
+              <a:rPr lang="en-US" altLang="zh-CN" dirty="0">
                 <a:latin typeface="微软雅黑" panose="020B0503020204020204" pitchFamily="34" charset="-122"/>
                 <a:ea typeface="微软雅黑" panose="020B0503020204020204" pitchFamily="34" charset="-122"/>
               </a:rPr>
               <a:t>($</a:t>
             </a:r>
             <a:r>
-              <a:rPr lang="en-US" altLang="zh-CN" dirty="0" err="1" smtClean="0">
+              <a:rPr lang="en-US" altLang="zh-CN" dirty="0" err="1">
                 <a:latin typeface="微软雅黑" panose="020B0503020204020204" pitchFamily="34" charset="-122"/>
                 <a:ea typeface="微软雅黑" panose="020B0503020204020204" pitchFamily="34" charset="-122"/>
               </a:rPr>
@@ -15899,68 +15778,36 @@
                 <a:latin typeface="微软雅黑" panose="020B0503020204020204" pitchFamily="34" charset="-122"/>
                 <a:ea typeface="微软雅黑" panose="020B0503020204020204" pitchFamily="34" charset="-122"/>
               </a:rPr>
-              <a:t>, </a:t>
-            </a:r>
-            <a:r>
-              <a:rPr lang="en-US" altLang="zh-CN" dirty="0" smtClean="0">
-                <a:latin typeface="微软雅黑" panose="020B0503020204020204" pitchFamily="34" charset="-122"/>
-                <a:ea typeface="微软雅黑" panose="020B0503020204020204" pitchFamily="34" charset="-122"/>
-              </a:rPr>
-              <a:t>$timestamp</a:t>
+              <a:t>, $timestamp, $nonce, $</a:t>
+            </a:r>
+            <a:r>
+              <a:rPr lang="en-US" altLang="zh-CN" dirty="0" err="1">
+                <a:latin typeface="微软雅黑" panose="020B0503020204020204" pitchFamily="34" charset="-122"/>
+                <a:ea typeface="微软雅黑" panose="020B0503020204020204" pitchFamily="34" charset="-122"/>
+              </a:rPr>
+              <a:t>postdata</a:t>
             </a:r>
             <a:r>
               <a:rPr lang="en-US" altLang="zh-CN" dirty="0">
                 <a:latin typeface="微软雅黑" panose="020B0503020204020204" pitchFamily="34" charset="-122"/>
                 <a:ea typeface="微软雅黑" panose="020B0503020204020204" pitchFamily="34" charset="-122"/>
               </a:rPr>
-              <a:t>, </a:t>
-            </a:r>
-            <a:r>
-              <a:rPr lang="en-US" altLang="zh-CN" dirty="0" smtClean="0">
-                <a:latin typeface="微软雅黑" panose="020B0503020204020204" pitchFamily="34" charset="-122"/>
-                <a:ea typeface="微软雅黑" panose="020B0503020204020204" pitchFamily="34" charset="-122"/>
-              </a:rPr>
-              <a:t>$nonce</a:t>
+              <a:t>, $</a:t>
+            </a:r>
+            <a:r>
+              <a:rPr lang="en-US" altLang="zh-CN" dirty="0" err="1">
+                <a:latin typeface="微软雅黑" panose="020B0503020204020204" pitchFamily="34" charset="-122"/>
+                <a:ea typeface="微软雅黑" panose="020B0503020204020204" pitchFamily="34" charset="-122"/>
+              </a:rPr>
+              <a:t>msg</a:t>
             </a:r>
             <a:r>
               <a:rPr lang="en-US" altLang="zh-CN" dirty="0">
                 <a:latin typeface="微软雅黑" panose="020B0503020204020204" pitchFamily="34" charset="-122"/>
                 <a:ea typeface="微软雅黑" panose="020B0503020204020204" pitchFamily="34" charset="-122"/>
               </a:rPr>
-              <a:t>, $</a:t>
-            </a:r>
-            <a:r>
-              <a:rPr lang="en-US" altLang="zh-CN" dirty="0" err="1">
-                <a:latin typeface="微软雅黑" panose="020B0503020204020204" pitchFamily="34" charset="-122"/>
-                <a:ea typeface="微软雅黑" panose="020B0503020204020204" pitchFamily="34" charset="-122"/>
-              </a:rPr>
-              <a:t>postdata</a:t>
-            </a:r>
-            <a:r>
-              <a:rPr lang="en-US" altLang="zh-CN" dirty="0">
-                <a:latin typeface="微软雅黑" panose="020B0503020204020204" pitchFamily="34" charset="-122"/>
-                <a:ea typeface="微软雅黑" panose="020B0503020204020204" pitchFamily="34" charset="-122"/>
-              </a:rPr>
-              <a:t>, $</a:t>
-            </a:r>
-            <a:r>
-              <a:rPr lang="en-US" altLang="zh-CN" dirty="0" err="1">
-                <a:latin typeface="微软雅黑" panose="020B0503020204020204" pitchFamily="34" charset="-122"/>
-                <a:ea typeface="微软雅黑" panose="020B0503020204020204" pitchFamily="34" charset="-122"/>
-              </a:rPr>
-              <a:t>msg</a:t>
-            </a:r>
-            <a:r>
-              <a:rPr lang="en-US" altLang="zh-CN" dirty="0">
-                <a:latin typeface="微软雅黑" panose="020B0503020204020204" pitchFamily="34" charset="-122"/>
-                <a:ea typeface="微软雅黑" panose="020B0503020204020204" pitchFamily="34" charset="-122"/>
-              </a:rPr>
               <a:t>);</a:t>
             </a:r>
-            <a:endParaRPr lang="en-US" altLang="zh-CN" dirty="0" smtClean="0">
-              <a:latin typeface="微软雅黑" panose="020B0503020204020204" pitchFamily="34" charset="-122"/>
-              <a:ea typeface="微软雅黑" panose="020B0503020204020204" pitchFamily="34" charset="-122"/>
-            </a:endParaRPr>
           </a:p>
           <a:p>
             <a:pPr marL="285750" indent="-285750">
@@ -15971,13 +15818,13 @@
               <a:buChar char="•"/>
             </a:pPr>
             <a:r>
-              <a:rPr lang="zh-CN" altLang="en-US" sz="2000" dirty="0" smtClean="0">
+              <a:rPr lang="zh-CN" altLang="en-US" sz="2000" dirty="0">
                 <a:latin typeface="微软雅黑" panose="020B0503020204020204" pitchFamily="34" charset="-122"/>
                 <a:ea typeface="微软雅黑" panose="020B0503020204020204" pitchFamily="34" charset="-122"/>
               </a:rPr>
               <a:t>加密消息：</a:t>
             </a:r>
-            <a:endParaRPr lang="en-US" altLang="zh-CN" sz="2000" dirty="0" smtClean="0">
+            <a:endParaRPr lang="en-US" altLang="zh-CN" sz="2000" dirty="0">
               <a:latin typeface="微软雅黑" panose="020B0503020204020204" pitchFamily="34" charset="-122"/>
               <a:ea typeface="微软雅黑" panose="020B0503020204020204" pitchFamily="34" charset="-122"/>
             </a:endParaRPr>
@@ -16003,28 +15850,14 @@
               <a:t>WXBizMsgCrypt</a:t>
             </a:r>
             <a:r>
-              <a:rPr lang="en-US" altLang="zh-CN" dirty="0" smtClean="0">
-                <a:latin typeface="微软雅黑" panose="020B0503020204020204" pitchFamily="34" charset="-122"/>
-                <a:ea typeface="微软雅黑" panose="020B0503020204020204" pitchFamily="34" charset="-122"/>
-              </a:rPr>
-              <a:t>($token</a:t>
-            </a:r>
-            <a:r>
               <a:rPr lang="en-US" altLang="zh-CN" dirty="0">
                 <a:latin typeface="微软雅黑" panose="020B0503020204020204" pitchFamily="34" charset="-122"/>
                 <a:ea typeface="微软雅黑" panose="020B0503020204020204" pitchFamily="34" charset="-122"/>
               </a:rPr>
-              <a:t>, </a:t>
-            </a:r>
-            <a:r>
-              <a:rPr lang="en-US" altLang="zh-CN" dirty="0" smtClean="0">
-                <a:latin typeface="微软雅黑" panose="020B0503020204020204" pitchFamily="34" charset="-122"/>
-                <a:ea typeface="微软雅黑" panose="020B0503020204020204" pitchFamily="34" charset="-122"/>
-              </a:rPr>
-              <a:t>$</a:t>
-            </a:r>
-            <a:r>
-              <a:rPr lang="en-US" altLang="zh-CN" dirty="0" err="1" smtClean="0">
+              <a:t>($token, $</a:t>
+            </a:r>
+            <a:r>
+              <a:rPr lang="en-US" altLang="zh-CN" dirty="0" err="1">
                 <a:latin typeface="微软雅黑" panose="020B0503020204020204" pitchFamily="34" charset="-122"/>
                 <a:ea typeface="微软雅黑" panose="020B0503020204020204" pitchFamily="34" charset="-122"/>
               </a:rPr>
@@ -16035,24 +15868,17 @@
                 <a:latin typeface="微软雅黑" panose="020B0503020204020204" pitchFamily="34" charset="-122"/>
                 <a:ea typeface="微软雅黑" panose="020B0503020204020204" pitchFamily="34" charset="-122"/>
               </a:rPr>
-              <a:t>, </a:t>
-            </a:r>
-            <a:r>
-              <a:rPr lang="en-US" altLang="zh-CN" dirty="0" smtClean="0">
-                <a:latin typeface="微软雅黑" panose="020B0503020204020204" pitchFamily="34" charset="-122"/>
-                <a:ea typeface="微软雅黑" panose="020B0503020204020204" pitchFamily="34" charset="-122"/>
-              </a:rPr>
-              <a:t>$</a:t>
-            </a:r>
-            <a:r>
-              <a:rPr lang="en-US" altLang="zh-CN" dirty="0" err="1" smtClean="0">
+              <a:t>, $</a:t>
+            </a:r>
+            <a:r>
+              <a:rPr lang="en-US" altLang="zh-CN" dirty="0" err="1">
                 <a:latin typeface="微软雅黑" panose="020B0503020204020204" pitchFamily="34" charset="-122"/>
                 <a:ea typeface="微软雅黑" panose="020B0503020204020204" pitchFamily="34" charset="-122"/>
               </a:rPr>
               <a:t>appid</a:t>
             </a:r>
             <a:r>
-              <a:rPr lang="en-US" altLang="zh-CN" dirty="0" smtClean="0">
+              <a:rPr lang="en-US" altLang="zh-CN" dirty="0">
                 <a:latin typeface="微软雅黑" panose="020B0503020204020204" pitchFamily="34" charset="-122"/>
                 <a:ea typeface="微软雅黑" panose="020B0503020204020204" pitchFamily="34" charset="-122"/>
               </a:rPr>
@@ -16066,34 +15892,34 @@
               </a:lnSpc>
             </a:pPr>
             <a:r>
-              <a:rPr lang="en-US" altLang="zh-CN" dirty="0" smtClean="0">
+              <a:rPr lang="en-US" altLang="zh-CN" dirty="0">
                 <a:latin typeface="微软雅黑" panose="020B0503020204020204" pitchFamily="34" charset="-122"/>
                 <a:ea typeface="微软雅黑" panose="020B0503020204020204" pitchFamily="34" charset="-122"/>
               </a:rPr>
               <a:t>//</a:t>
             </a:r>
             <a:r>
-              <a:rPr lang="zh-CN" altLang="en-US" dirty="0" smtClean="0">
+              <a:rPr lang="zh-CN" altLang="en-US" dirty="0">
                 <a:latin typeface="微软雅黑" panose="020B0503020204020204" pitchFamily="34" charset="-122"/>
                 <a:ea typeface="微软雅黑" panose="020B0503020204020204" pitchFamily="34" charset="-122"/>
               </a:rPr>
               <a:t>加密后的数据会赋值给</a:t>
             </a:r>
             <a:r>
-              <a:rPr lang="en-US" altLang="zh-CN" dirty="0" smtClean="0">
+              <a:rPr lang="en-US" altLang="zh-CN" dirty="0">
                 <a:latin typeface="微软雅黑" panose="020B0503020204020204" pitchFamily="34" charset="-122"/>
                 <a:ea typeface="微软雅黑" panose="020B0503020204020204" pitchFamily="34" charset="-122"/>
               </a:rPr>
               <a:t>$</a:t>
             </a:r>
             <a:r>
-              <a:rPr lang="en-US" altLang="zh-CN" dirty="0" err="1" smtClean="0">
+              <a:rPr lang="en-US" altLang="zh-CN" dirty="0" err="1">
                 <a:latin typeface="微软雅黑" panose="020B0503020204020204" pitchFamily="34" charset="-122"/>
                 <a:ea typeface="微软雅黑" panose="020B0503020204020204" pitchFamily="34" charset="-122"/>
               </a:rPr>
               <a:t>encryptMsg</a:t>
             </a:r>
-            <a:endParaRPr lang="en-US" altLang="zh-CN" dirty="0" smtClean="0">
+            <a:endParaRPr lang="en-US" altLang="zh-CN" dirty="0">
               <a:latin typeface="微软雅黑" panose="020B0503020204020204" pitchFamily="34" charset="-122"/>
               <a:ea typeface="微软雅黑" panose="020B0503020204020204" pitchFamily="34" charset="-122"/>
             </a:endParaRPr>
@@ -16105,34 +15931,20 @@
               </a:lnSpc>
             </a:pPr>
             <a:r>
-              <a:rPr lang="en-US" altLang="zh-CN" dirty="0" smtClean="0">
-                <a:latin typeface="微软雅黑" panose="020B0503020204020204" pitchFamily="34" charset="-122"/>
-                <a:ea typeface="微软雅黑" panose="020B0503020204020204" pitchFamily="34" charset="-122"/>
-              </a:rPr>
-              <a:t>//</a:t>
-            </a:r>
-            <a:r>
               <a:rPr lang="en-US" altLang="zh-CN" dirty="0">
                 <a:latin typeface="微软雅黑" panose="020B0503020204020204" pitchFamily="34" charset="-122"/>
                 <a:ea typeface="微软雅黑" panose="020B0503020204020204" pitchFamily="34" charset="-122"/>
               </a:rPr>
-              <a:t> $</a:t>
-            </a:r>
-            <a:r>
-              <a:rPr lang="en-US" altLang="zh-CN" dirty="0" smtClean="0">
-                <a:latin typeface="微软雅黑" panose="020B0503020204020204" pitchFamily="34" charset="-122"/>
-                <a:ea typeface="微软雅黑" panose="020B0503020204020204" pitchFamily="34" charset="-122"/>
-              </a:rPr>
-              <a:t>data</a:t>
-            </a:r>
-            <a:r>
-              <a:rPr lang="zh-CN" altLang="en-US" dirty="0" smtClean="0">
+              <a:t>// $data</a:t>
+            </a:r>
+            <a:r>
+              <a:rPr lang="zh-CN" altLang="en-US" dirty="0">
                 <a:latin typeface="微软雅黑" panose="020B0503020204020204" pitchFamily="34" charset="-122"/>
                 <a:ea typeface="微软雅黑" panose="020B0503020204020204" pitchFamily="34" charset="-122"/>
               </a:rPr>
               <a:t>是要加密的数据</a:t>
             </a:r>
-            <a:endParaRPr lang="en-US" altLang="zh-CN" dirty="0" smtClean="0">
+            <a:endParaRPr lang="en-US" altLang="zh-CN" dirty="0">
               <a:latin typeface="微软雅黑" panose="020B0503020204020204" pitchFamily="34" charset="-122"/>
               <a:ea typeface="微软雅黑" panose="020B0503020204020204" pitchFamily="34" charset="-122"/>
             </a:endParaRPr>
@@ -16172,32 +15984,11 @@
               <a:t>encryptMsg</a:t>
             </a:r>
             <a:r>
-              <a:rPr lang="en-US" altLang="zh-CN" dirty="0" smtClean="0">
-                <a:latin typeface="微软雅黑" panose="020B0503020204020204" pitchFamily="34" charset="-122"/>
-                <a:ea typeface="微软雅黑" panose="020B0503020204020204" pitchFamily="34" charset="-122"/>
-              </a:rPr>
-              <a:t>($data</a:t>
-            </a:r>
-            <a:r>
               <a:rPr lang="en-US" altLang="zh-CN" dirty="0">
                 <a:latin typeface="微软雅黑" panose="020B0503020204020204" pitchFamily="34" charset="-122"/>
                 <a:ea typeface="微软雅黑" panose="020B0503020204020204" pitchFamily="34" charset="-122"/>
               </a:rPr>
-              <a:t>, </a:t>
-            </a:r>
-            <a:r>
-              <a:rPr lang="en-US" altLang="zh-CN" dirty="0" smtClean="0">
-                <a:latin typeface="微软雅黑" panose="020B0503020204020204" pitchFamily="34" charset="-122"/>
-                <a:ea typeface="微软雅黑" panose="020B0503020204020204" pitchFamily="34" charset="-122"/>
-              </a:rPr>
-              <a:t>$timestamp,$nonce</a:t>
-            </a:r>
-            <a:r>
-              <a:rPr lang="en-US" altLang="zh-CN" dirty="0">
-                <a:latin typeface="微软雅黑" panose="020B0503020204020204" pitchFamily="34" charset="-122"/>
-                <a:ea typeface="微软雅黑" panose="020B0503020204020204" pitchFamily="34" charset="-122"/>
-              </a:rPr>
-              <a:t>,$</a:t>
+              <a:t>($data, $timestamp,$nonce,$</a:t>
             </a:r>
             <a:r>
               <a:rPr lang="en-US" altLang="zh-CN" dirty="0" err="1">
@@ -16230,13 +16021,6 @@
   <p:clrMapOvr>
     <a:masterClrMapping/>
   </p:clrMapOvr>
-  <p:timing>
-    <p:tnLst>
-      <p:par>
-        <p:cTn id="1" dur="indefinite" restart="never" nodeType="tmRoot"/>
-      </p:par>
-    </p:tnLst>
-  </p:timing>
 </p:sld>
 </file>
 
@@ -16273,10 +16057,9 @@
           <a:lstStyle/>
           <a:p>
             <a:r>
-              <a:rPr lang="zh-CN" altLang="en-US" dirty="0" smtClean="0"/>
+              <a:rPr lang="zh-CN" altLang="en-US" b="0" dirty="0"/>
               <a:t>本次课程目录</a:t>
             </a:r>
-            <a:endParaRPr lang="zh-CN" altLang="en-US" dirty="0"/>
           </a:p>
         </p:txBody>
       </p:sp>
@@ -16310,7 +16093,7 @@
               <a:buAutoNum type="ea1JpnChsDbPeriod"/>
             </a:pPr>
             <a:r>
-              <a:rPr lang="en-US" altLang="zh-CN" sz="2400" dirty="0" smtClean="0">
+              <a:rPr lang="en-US" altLang="zh-CN" sz="2400" dirty="0">
                 <a:solidFill>
                   <a:schemeClr val="tx1">
                     <a:lumMod val="65000"/>
@@ -16355,7 +16138,7 @@
               <a:buAutoNum type="ea1JpnChsDbPeriod"/>
             </a:pPr>
             <a:r>
-              <a:rPr lang="zh-CN" altLang="en-US" sz="2400" dirty="0" smtClean="0">
+              <a:rPr lang="zh-CN" altLang="en-US" sz="2400" dirty="0">
                 <a:solidFill>
                   <a:schemeClr val="tx1">
                     <a:lumMod val="65000"/>
@@ -16397,20 +16180,7 @@
                 <a:latin typeface="微软雅黑" panose="020B0503020204020204" pitchFamily="34" charset="-122"/>
                 <a:ea typeface="微软雅黑" panose="020B0503020204020204" pitchFamily="34" charset="-122"/>
               </a:rPr>
-              <a:t>消息</a:t>
-            </a:r>
-            <a:r>
-              <a:rPr lang="zh-CN" altLang="en-US" sz="2400" dirty="0" smtClean="0">
-                <a:solidFill>
-                  <a:schemeClr val="tx1">
-                    <a:lumMod val="65000"/>
-                    <a:lumOff val="35000"/>
-                  </a:schemeClr>
-                </a:solidFill>
-                <a:latin typeface="微软雅黑" panose="020B0503020204020204" pitchFamily="34" charset="-122"/>
-                <a:ea typeface="微软雅黑" panose="020B0503020204020204" pitchFamily="34" charset="-122"/>
-              </a:rPr>
-              <a:t>加密处理</a:t>
+              <a:t>消息加密处理</a:t>
             </a:r>
             <a:endParaRPr lang="en-US" altLang="zh-CN" sz="2400" dirty="0">
               <a:solidFill>
@@ -16435,13 +16205,6 @@
   <p:clrMapOvr>
     <a:masterClrMapping/>
   </p:clrMapOvr>
-  <p:timing>
-    <p:tnLst>
-      <p:par>
-        <p:cTn id="1" dur="indefinite" restart="never" nodeType="tmRoot"/>
-      </p:par>
-    </p:tnLst>
-  </p:timing>
 </p:sld>
 </file>
 
@@ -17143,13 +16906,6 @@
   <p:clrMapOvr>
     <a:masterClrMapping/>
   </p:clrMapOvr>
-  <p:timing>
-    <p:tnLst>
-      <p:par>
-        <p:cTn id="1" dur="indefinite" restart="never" nodeType="tmRoot"/>
-      </p:par>
-    </p:tnLst>
-  </p:timing>
 </p:sld>
 </file>
 
@@ -17186,10 +16942,9 @@
           <a:lstStyle/>
           <a:p>
             <a:r>
-              <a:rPr lang="zh-CN" altLang="en-US" dirty="0" smtClean="0"/>
+              <a:rPr lang="zh-CN" altLang="en-US" b="0" dirty="0"/>
               <a:t>课程概要</a:t>
             </a:r>
-            <a:endParaRPr lang="zh-CN" altLang="en-US" dirty="0"/>
           </a:p>
         </p:txBody>
       </p:sp>
@@ -17223,28 +16978,28 @@
               <a:buChar char="•"/>
             </a:pPr>
             <a:r>
-              <a:rPr lang="zh-CN" altLang="en-US" sz="2000" dirty="0" smtClean="0">
+              <a:rPr lang="zh-CN" altLang="en-US" sz="2000" dirty="0">
                 <a:latin typeface="微软雅黑" panose="020B0503020204020204" pitchFamily="34" charset="-122"/>
                 <a:ea typeface="微软雅黑" panose="020B0503020204020204" pitchFamily="34" charset="-122"/>
               </a:rPr>
               <a:t>首先讲解</a:t>
             </a:r>
             <a:r>
-              <a:rPr lang="en-US" altLang="zh-CN" sz="2000" dirty="0" smtClean="0">
+              <a:rPr lang="en-US" altLang="zh-CN" sz="2000" dirty="0">
                 <a:latin typeface="微软雅黑" panose="020B0503020204020204" pitchFamily="34" charset="-122"/>
                 <a:ea typeface="微软雅黑" panose="020B0503020204020204" pitchFamily="34" charset="-122"/>
               </a:rPr>
               <a:t>XML</a:t>
             </a:r>
             <a:r>
-              <a:rPr lang="zh-CN" altLang="en-US" sz="2000" dirty="0" smtClean="0">
+              <a:rPr lang="zh-CN" altLang="en-US" sz="2000" dirty="0">
                 <a:latin typeface="微软雅黑" panose="020B0503020204020204" pitchFamily="34" charset="-122"/>
                 <a:ea typeface="微软雅黑" panose="020B0503020204020204" pitchFamily="34" charset="-122"/>
               </a:rPr>
               <a:t>的基础知识，微信消息就是</a:t>
             </a:r>
             <a:r>
-              <a:rPr lang="en-US" altLang="zh-CN" sz="2000" dirty="0" smtClean="0">
+              <a:rPr lang="en-US" altLang="zh-CN" sz="2000" dirty="0">
                 <a:latin typeface="微软雅黑" panose="020B0503020204020204" pitchFamily="34" charset="-122"/>
                 <a:ea typeface="微软雅黑" panose="020B0503020204020204" pitchFamily="34" charset="-122"/>
               </a:rPr>
@@ -17255,16 +17010,9 @@
                 <a:latin typeface="微软雅黑" panose="020B0503020204020204" pitchFamily="34" charset="-122"/>
                 <a:ea typeface="微软雅黑" panose="020B0503020204020204" pitchFamily="34" charset="-122"/>
               </a:rPr>
-              <a:t>格式的</a:t>
-            </a:r>
-            <a:r>
-              <a:rPr lang="zh-CN" altLang="en-US" sz="2000" dirty="0" smtClean="0">
-                <a:latin typeface="微软雅黑" panose="020B0503020204020204" pitchFamily="34" charset="-122"/>
-                <a:ea typeface="微软雅黑" panose="020B0503020204020204" pitchFamily="34" charset="-122"/>
-              </a:rPr>
-              <a:t>。</a:t>
-            </a:r>
-            <a:endParaRPr lang="en-US" altLang="zh-CN" sz="2000" dirty="0" smtClean="0">
+              <a:t>格式的。</a:t>
+            </a:r>
+            <a:endParaRPr lang="en-US" altLang="zh-CN" sz="2000" dirty="0">
               <a:latin typeface="微软雅黑" panose="020B0503020204020204" pitchFamily="34" charset="-122"/>
               <a:ea typeface="微软雅黑" panose="020B0503020204020204" pitchFamily="34" charset="-122"/>
             </a:endParaRPr>
@@ -17278,41 +17026,41 @@
               <a:buChar char="•"/>
             </a:pPr>
             <a:r>
-              <a:rPr lang="zh-CN" altLang="en-US" sz="2000" dirty="0" smtClean="0">
+              <a:rPr lang="zh-CN" altLang="en-US" sz="2000" dirty="0">
                 <a:latin typeface="微软雅黑" panose="020B0503020204020204" pitchFamily="34" charset="-122"/>
                 <a:ea typeface="微软雅黑" panose="020B0503020204020204" pitchFamily="34" charset="-122"/>
               </a:rPr>
               <a:t>在有了</a:t>
             </a:r>
             <a:r>
-              <a:rPr lang="en-US" altLang="zh-CN" sz="2000" dirty="0" smtClean="0">
+              <a:rPr lang="en-US" altLang="zh-CN" sz="2000" dirty="0">
                 <a:latin typeface="微软雅黑" panose="020B0503020204020204" pitchFamily="34" charset="-122"/>
                 <a:ea typeface="微软雅黑" panose="020B0503020204020204" pitchFamily="34" charset="-122"/>
               </a:rPr>
               <a:t>XML</a:t>
             </a:r>
             <a:r>
-              <a:rPr lang="zh-CN" altLang="en-US" sz="2000" dirty="0" smtClean="0">
+              <a:rPr lang="zh-CN" altLang="en-US" sz="2000" dirty="0">
                 <a:latin typeface="微软雅黑" panose="020B0503020204020204" pitchFamily="34" charset="-122"/>
                 <a:ea typeface="微软雅黑" panose="020B0503020204020204" pitchFamily="34" charset="-122"/>
               </a:rPr>
               <a:t>的基础之后，讲解</a:t>
             </a:r>
             <a:r>
-              <a:rPr lang="en-US" altLang="zh-CN" sz="2000" dirty="0" smtClean="0">
+              <a:rPr lang="en-US" altLang="zh-CN" sz="2000" dirty="0">
                 <a:latin typeface="微软雅黑" panose="020B0503020204020204" pitchFamily="34" charset="-122"/>
                 <a:ea typeface="微软雅黑" panose="020B0503020204020204" pitchFamily="34" charset="-122"/>
               </a:rPr>
               <a:t>XML</a:t>
             </a:r>
             <a:r>
-              <a:rPr lang="zh-CN" altLang="en-US" sz="2000" dirty="0" smtClean="0">
+              <a:rPr lang="zh-CN" altLang="en-US" sz="2000" dirty="0">
                 <a:latin typeface="微软雅黑" panose="020B0503020204020204" pitchFamily="34" charset="-122"/>
                 <a:ea typeface="微软雅黑" panose="020B0503020204020204" pitchFamily="34" charset="-122"/>
               </a:rPr>
               <a:t>格式的微信消息，以文本消息格式为例讲解如何回复消息</a:t>
             </a:r>
-            <a:endParaRPr lang="en-US" altLang="zh-CN" sz="2000" dirty="0" smtClean="0">
+            <a:endParaRPr lang="en-US" altLang="zh-CN" sz="2000" dirty="0">
               <a:latin typeface="微软雅黑" panose="020B0503020204020204" pitchFamily="34" charset="-122"/>
               <a:ea typeface="微软雅黑" panose="020B0503020204020204" pitchFamily="34" charset="-122"/>
             </a:endParaRPr>
@@ -17326,16 +17074,12 @@
               <a:buChar char="•"/>
             </a:pPr>
             <a:r>
-              <a:rPr lang="zh-CN" altLang="en-US" sz="2000" dirty="0" smtClean="0">
+              <a:rPr lang="zh-CN" altLang="en-US" sz="2000" dirty="0">
                 <a:latin typeface="微软雅黑" panose="020B0503020204020204" pitchFamily="34" charset="-122"/>
                 <a:ea typeface="微软雅黑" panose="020B0503020204020204" pitchFamily="34" charset="-122"/>
               </a:rPr>
               <a:t>在已经实现被动回复消息的基础上，实现消息加密解密的功能</a:t>
             </a:r>
-            <a:endParaRPr lang="zh-CN" altLang="en-US" sz="2000" dirty="0">
-              <a:latin typeface="微软雅黑" panose="020B0503020204020204" pitchFamily="34" charset="-122"/>
-              <a:ea typeface="微软雅黑" panose="020B0503020204020204" pitchFamily="34" charset="-122"/>
-            </a:endParaRPr>
           </a:p>
         </p:txBody>
       </p:sp>
@@ -17390,10 +17134,9 @@
           <a:lstStyle/>
           <a:p>
             <a:r>
-              <a:rPr lang="zh-CN" altLang="en-US" dirty="0" smtClean="0"/>
+              <a:rPr lang="zh-CN" altLang="en-US" b="0" dirty="0"/>
               <a:t>第一节 </a:t>
             </a:r>
-            <a:endParaRPr lang="zh-CN" altLang="en-US" dirty="0"/>
           </a:p>
         </p:txBody>
       </p:sp>
@@ -17427,7 +17170,7 @@
               <a:buAutoNum type="ea1JpnChsDbPeriod"/>
             </a:pPr>
             <a:r>
-              <a:rPr lang="en-US" altLang="zh-CN" sz="2400" dirty="0" smtClean="0">
+              <a:rPr lang="en-US" altLang="zh-CN" sz="2400" dirty="0">
                 <a:solidFill>
                   <a:schemeClr val="accent6">
                     <a:lumMod val="75000"/>
@@ -17439,7 +17182,7 @@
               <a:t>XML</a:t>
             </a:r>
             <a:r>
-              <a:rPr lang="zh-CN" altLang="en-US" sz="2400" dirty="0" smtClean="0">
+              <a:rPr lang="zh-CN" altLang="en-US" sz="2400" dirty="0">
                 <a:solidFill>
                   <a:schemeClr val="accent6">
                     <a:lumMod val="75000"/>
@@ -17450,7 +17193,7 @@
               </a:rPr>
               <a:t>解析</a:t>
             </a:r>
-            <a:endParaRPr lang="en-US" altLang="zh-CN" sz="2400" dirty="0" smtClean="0">
+            <a:endParaRPr lang="en-US" altLang="zh-CN" sz="2400" dirty="0">
               <a:solidFill>
                 <a:schemeClr val="accent6">
                   <a:lumMod val="75000"/>
@@ -17511,20 +17254,7 @@
                 <a:latin typeface="微软雅黑" panose="020B0503020204020204" pitchFamily="34" charset="-122"/>
                 <a:ea typeface="微软雅黑" panose="020B0503020204020204" pitchFamily="34" charset="-122"/>
               </a:rPr>
-              <a:t>消息</a:t>
-            </a:r>
-            <a:r>
-              <a:rPr lang="zh-CN" altLang="en-US" sz="2000" dirty="0" smtClean="0">
-                <a:solidFill>
-                  <a:schemeClr val="tx1">
-                    <a:lumMod val="65000"/>
-                    <a:lumOff val="35000"/>
-                  </a:schemeClr>
-                </a:solidFill>
-                <a:latin typeface="微软雅黑" panose="020B0503020204020204" pitchFamily="34" charset="-122"/>
-                <a:ea typeface="微软雅黑" panose="020B0503020204020204" pitchFamily="34" charset="-122"/>
-              </a:rPr>
-              <a:t>加密解密</a:t>
+              <a:t>消息加密解密</a:t>
             </a:r>
             <a:endParaRPr lang="en-US" altLang="zh-CN" sz="2000" dirty="0">
               <a:solidFill>
@@ -17585,11 +17315,11 @@
           <a:lstStyle/>
           <a:p>
             <a:r>
-              <a:rPr lang="en-US" altLang="zh-CN" dirty="0" smtClean="0"/>
+              <a:rPr lang="en-US" altLang="zh-CN" b="0" dirty="0"/>
               <a:t>XML</a:t>
             </a:r>
             <a:r>
-              <a:rPr lang="zh-CN" altLang="en-US" dirty="0"/>
+              <a:rPr lang="zh-CN" altLang="en-US" b="0" dirty="0"/>
               <a:t>基础</a:t>
             </a:r>
           </a:p>
@@ -17625,7 +17355,7 @@
               <a:buChar char="•"/>
             </a:pPr>
             <a:r>
-              <a:rPr lang="zh-CN" altLang="en-US" sz="2000" dirty="0" smtClean="0">
+              <a:rPr lang="zh-CN" altLang="en-US" sz="2000" dirty="0">
                 <a:latin typeface="微软雅黑" panose="020B0503020204020204" pitchFamily="34" charset="-122"/>
                 <a:ea typeface="微软雅黑" panose="020B0503020204020204" pitchFamily="34" charset="-122"/>
               </a:rPr>
@@ -17639,13 +17369,13 @@
               <a:t>Extensible Markup Language </a:t>
             </a:r>
             <a:r>
-              <a:rPr lang="zh-CN" altLang="en-US" sz="2000" dirty="0" smtClean="0">
+              <a:rPr lang="zh-CN" altLang="en-US" sz="2000" dirty="0">
                 <a:latin typeface="微软雅黑" panose="020B0503020204020204" pitchFamily="34" charset="-122"/>
                 <a:ea typeface="微软雅黑" panose="020B0503020204020204" pitchFamily="34" charset="-122"/>
               </a:rPr>
               <a:t>）。</a:t>
             </a:r>
-            <a:endParaRPr lang="en-US" altLang="zh-CN" sz="2000" dirty="0" smtClean="0">
+            <a:endParaRPr lang="en-US" altLang="zh-CN" sz="2000" dirty="0">
               <a:latin typeface="微软雅黑" panose="020B0503020204020204" pitchFamily="34" charset="-122"/>
               <a:ea typeface="微软雅黑" panose="020B0503020204020204" pitchFamily="34" charset="-122"/>
             </a:endParaRPr>
@@ -17659,21 +17389,11 @@
               <a:buChar char="•"/>
             </a:pPr>
             <a:r>
-              <a:rPr lang="en-US" altLang="zh-CN" sz="2000" dirty="0" smtClean="0">
+              <a:rPr lang="en-US" altLang="zh-CN" sz="2000" dirty="0">
                 <a:latin typeface="微软雅黑" panose="020B0503020204020204" pitchFamily="34" charset="-122"/>
                 <a:ea typeface="微软雅黑" panose="020B0503020204020204" pitchFamily="34" charset="-122"/>
               </a:rPr>
               <a:t>XML</a:t>
-            </a:r>
-            <a:r>
-              <a:rPr lang="zh-CN" altLang="en-US" sz="2000" dirty="0" smtClean="0">
-                <a:solidFill>
-                  <a:srgbClr val="F52C17"/>
-                </a:solidFill>
-                <a:latin typeface="微软雅黑" panose="020B0503020204020204" pitchFamily="34" charset="-122"/>
-                <a:ea typeface="微软雅黑" panose="020B0503020204020204" pitchFamily="34" charset="-122"/>
-              </a:rPr>
-              <a:t>很</a:t>
             </a:r>
             <a:r>
               <a:rPr lang="zh-CN" altLang="en-US" sz="2000" dirty="0">
@@ -17683,23 +17403,16 @@
                 <a:latin typeface="微软雅黑" panose="020B0503020204020204" pitchFamily="34" charset="-122"/>
                 <a:ea typeface="微软雅黑" panose="020B0503020204020204" pitchFamily="34" charset="-122"/>
               </a:rPr>
-              <a:t>像</a:t>
+              <a:t>很像</a:t>
             </a:r>
             <a:r>
               <a:rPr lang="zh-CN" altLang="en-US" sz="2000" dirty="0">
                 <a:latin typeface="微软雅黑" panose="020B0503020204020204" pitchFamily="34" charset="-122"/>
                 <a:ea typeface="微软雅黑" panose="020B0503020204020204" pitchFamily="34" charset="-122"/>
               </a:rPr>
-              <a:t>超文本标记语言的标记语言</a:t>
-            </a:r>
-            <a:r>
-              <a:rPr lang="zh-CN" altLang="en-US" sz="2000" dirty="0" smtClean="0">
-                <a:latin typeface="微软雅黑" panose="020B0503020204020204" pitchFamily="34" charset="-122"/>
-                <a:ea typeface="微软雅黑" panose="020B0503020204020204" pitchFamily="34" charset="-122"/>
-              </a:rPr>
-              <a:t>。</a:t>
-            </a:r>
-            <a:endParaRPr lang="en-US" altLang="zh-CN" sz="2000" dirty="0" smtClean="0">
+              <a:t>超文本标记语言的标记语言。</a:t>
+            </a:r>
+            <a:endParaRPr lang="en-US" altLang="zh-CN" sz="2000" dirty="0">
               <a:latin typeface="微软雅黑" panose="020B0503020204020204" pitchFamily="34" charset="-122"/>
               <a:ea typeface="微软雅黑" panose="020B0503020204020204" pitchFamily="34" charset="-122"/>
             </a:endParaRPr>
@@ -17713,62 +17426,20 @@
               <a:buChar char="•"/>
             </a:pPr>
             <a:r>
-              <a:rPr lang="en-US" altLang="zh-CN" sz="2000" dirty="0" smtClean="0">
+              <a:rPr lang="en-US" altLang="zh-CN" sz="2000" dirty="0">
                 <a:latin typeface="微软雅黑" panose="020B0503020204020204" pitchFamily="34" charset="-122"/>
                 <a:ea typeface="微软雅黑" panose="020B0503020204020204" pitchFamily="34" charset="-122"/>
               </a:rPr>
               <a:t>XML</a:t>
             </a:r>
             <a:r>
-              <a:rPr lang="zh-CN" altLang="en-US" sz="2000" dirty="0" smtClean="0">
-                <a:latin typeface="微软雅黑" panose="020B0503020204020204" pitchFamily="34" charset="-122"/>
-                <a:ea typeface="微软雅黑" panose="020B0503020204020204" pitchFamily="34" charset="-122"/>
-              </a:rPr>
-              <a:t>的</a:t>
-            </a:r>
-            <a:r>
               <a:rPr lang="zh-CN" altLang="en-US" sz="2000" dirty="0">
                 <a:latin typeface="微软雅黑" panose="020B0503020204020204" pitchFamily="34" charset="-122"/>
                 <a:ea typeface="微软雅黑" panose="020B0503020204020204" pitchFamily="34" charset="-122"/>
               </a:rPr>
-              <a:t>标签没有被预定</a:t>
-            </a:r>
-            <a:r>
-              <a:rPr lang="zh-CN" altLang="en-US" sz="2000" dirty="0" smtClean="0">
-                <a:latin typeface="微软雅黑" panose="020B0503020204020204" pitchFamily="34" charset="-122"/>
-                <a:ea typeface="微软雅黑" panose="020B0503020204020204" pitchFamily="34" charset="-122"/>
-              </a:rPr>
-              <a:t>义</a:t>
-            </a:r>
-            <a:r>
-              <a:rPr lang="zh-CN" altLang="en-US" sz="2000" dirty="0">
-                <a:latin typeface="微软雅黑" panose="020B0503020204020204" pitchFamily="34" charset="-122"/>
-                <a:ea typeface="微软雅黑" panose="020B0503020204020204" pitchFamily="34" charset="-122"/>
-              </a:rPr>
-              <a:t>，</a:t>
-            </a:r>
-            <a:r>
-              <a:rPr lang="zh-CN" altLang="en-US" sz="2000" dirty="0" smtClean="0">
-                <a:latin typeface="微软雅黑" panose="020B0503020204020204" pitchFamily="34" charset="-122"/>
-                <a:ea typeface="微软雅黑" panose="020B0503020204020204" pitchFamily="34" charset="-122"/>
-              </a:rPr>
-              <a:t>需要</a:t>
-            </a:r>
-            <a:r>
-              <a:rPr lang="zh-CN" altLang="en-US" sz="2000" dirty="0">
-                <a:latin typeface="微软雅黑" panose="020B0503020204020204" pitchFamily="34" charset="-122"/>
-                <a:ea typeface="微软雅黑" panose="020B0503020204020204" pitchFamily="34" charset="-122"/>
-              </a:rPr>
-              <a:t>自行定义标签</a:t>
-            </a:r>
-            <a:r>
-              <a:rPr lang="zh-CN" altLang="en-US" sz="2000" dirty="0" smtClean="0">
-                <a:latin typeface="微软雅黑" panose="020B0503020204020204" pitchFamily="34" charset="-122"/>
-                <a:ea typeface="微软雅黑" panose="020B0503020204020204" pitchFamily="34" charset="-122"/>
-              </a:rPr>
-              <a:t>。</a:t>
-            </a:r>
-            <a:endParaRPr lang="en-US" altLang="zh-CN" sz="2000" dirty="0" smtClean="0">
+              <a:t>的标签没有被预定义，需要自行定义标签。</a:t>
+            </a:r>
+            <a:endParaRPr lang="en-US" altLang="zh-CN" sz="2000" dirty="0">
               <a:latin typeface="微软雅黑" panose="020B0503020204020204" pitchFamily="34" charset="-122"/>
               <a:ea typeface="微软雅黑" panose="020B0503020204020204" pitchFamily="34" charset="-122"/>
             </a:endParaRPr>
@@ -17780,27 +17451,27 @@
               </a:lnSpc>
             </a:pPr>
             <a:r>
-              <a:rPr lang="zh-CN" altLang="en-US" sz="2000" dirty="0" smtClean="0">
+              <a:rPr lang="zh-CN" altLang="en-US" sz="2000" dirty="0">
                 <a:latin typeface="微软雅黑" panose="020B0503020204020204" pitchFamily="34" charset="-122"/>
                 <a:ea typeface="微软雅黑" panose="020B0503020204020204" pitchFamily="34" charset="-122"/>
               </a:rPr>
               <a:t>与</a:t>
             </a:r>
             <a:r>
-              <a:rPr lang="en-US" altLang="zh-CN" sz="2000" dirty="0" smtClean="0">
+              <a:rPr lang="en-US" altLang="zh-CN" sz="2000" dirty="0">
                 <a:latin typeface="微软雅黑" panose="020B0503020204020204" pitchFamily="34" charset="-122"/>
                 <a:ea typeface="微软雅黑" panose="020B0503020204020204" pitchFamily="34" charset="-122"/>
               </a:rPr>
               <a:t>HTML</a:t>
             </a:r>
             <a:r>
-              <a:rPr lang="zh-CN" altLang="en-US" sz="2000" dirty="0" smtClean="0">
+              <a:rPr lang="zh-CN" altLang="en-US" sz="2000" dirty="0">
                 <a:latin typeface="微软雅黑" panose="020B0503020204020204" pitchFamily="34" charset="-122"/>
                 <a:ea typeface="微软雅黑" panose="020B0503020204020204" pitchFamily="34" charset="-122"/>
               </a:rPr>
               <a:t>的差异：</a:t>
             </a:r>
-            <a:endParaRPr lang="en-US" altLang="zh-CN" sz="2000" dirty="0" smtClean="0">
+            <a:endParaRPr lang="en-US" altLang="zh-CN" sz="2000" dirty="0">
               <a:latin typeface="微软雅黑" panose="020B0503020204020204" pitchFamily="34" charset="-122"/>
               <a:ea typeface="微软雅黑" panose="020B0503020204020204" pitchFamily="34" charset="-122"/>
             </a:endParaRPr>
@@ -17814,34 +17485,34 @@
               <a:buChar char="•"/>
             </a:pPr>
             <a:r>
-              <a:rPr lang="en-US" altLang="zh-CN" dirty="0" smtClean="0">
+              <a:rPr lang="en-US" altLang="zh-CN" dirty="0">
                 <a:latin typeface="微软雅黑" panose="020B0503020204020204" pitchFamily="34" charset="-122"/>
                 <a:ea typeface="微软雅黑" panose="020B0503020204020204" pitchFamily="34" charset="-122"/>
               </a:rPr>
               <a:t>XML</a:t>
             </a:r>
             <a:r>
-              <a:rPr lang="zh-CN" altLang="en-US" dirty="0" smtClean="0">
+              <a:rPr lang="zh-CN" altLang="en-US" dirty="0">
                 <a:latin typeface="微软雅黑" panose="020B0503020204020204" pitchFamily="34" charset="-122"/>
                 <a:ea typeface="微软雅黑" panose="020B0503020204020204" pitchFamily="34" charset="-122"/>
               </a:rPr>
               <a:t>不是</a:t>
             </a:r>
             <a:r>
-              <a:rPr lang="en-US" altLang="zh-CN" dirty="0" smtClean="0">
+              <a:rPr lang="en-US" altLang="zh-CN" dirty="0">
                 <a:latin typeface="微软雅黑" panose="020B0503020204020204" pitchFamily="34" charset="-122"/>
                 <a:ea typeface="微软雅黑" panose="020B0503020204020204" pitchFamily="34" charset="-122"/>
               </a:rPr>
               <a:t>HTML</a:t>
             </a:r>
             <a:r>
-              <a:rPr lang="zh-CN" altLang="en-US" dirty="0" smtClean="0">
+              <a:rPr lang="zh-CN" altLang="en-US" dirty="0">
                 <a:latin typeface="微软雅黑" panose="020B0503020204020204" pitchFamily="34" charset="-122"/>
                 <a:ea typeface="微软雅黑" panose="020B0503020204020204" pitchFamily="34" charset="-122"/>
               </a:rPr>
               <a:t>的替代。</a:t>
             </a:r>
-            <a:endParaRPr lang="en-US" altLang="zh-CN" dirty="0" smtClean="0">
+            <a:endParaRPr lang="en-US" altLang="zh-CN" dirty="0">
               <a:latin typeface="微软雅黑" panose="020B0503020204020204" pitchFamily="34" charset="-122"/>
               <a:ea typeface="微软雅黑" panose="020B0503020204020204" pitchFamily="34" charset="-122"/>
             </a:endParaRPr>
@@ -17855,34 +17526,20 @@
               <a:buChar char="•"/>
             </a:pPr>
             <a:r>
-              <a:rPr lang="en-US" altLang="zh-CN" dirty="0" smtClean="0">
+              <a:rPr lang="en-US" altLang="zh-CN" dirty="0">
                 <a:latin typeface="微软雅黑" panose="020B0503020204020204" pitchFamily="34" charset="-122"/>
                 <a:ea typeface="微软雅黑" panose="020B0503020204020204" pitchFamily="34" charset="-122"/>
               </a:rPr>
               <a:t>XML</a:t>
             </a:r>
             <a:r>
-              <a:rPr lang="zh-CN" altLang="en-US" dirty="0" smtClean="0">
-                <a:latin typeface="微软雅黑" panose="020B0503020204020204" pitchFamily="34" charset="-122"/>
-                <a:ea typeface="微软雅黑" panose="020B0503020204020204" pitchFamily="34" charset="-122"/>
-              </a:rPr>
-              <a:t>被</a:t>
-            </a:r>
-            <a:r>
               <a:rPr lang="zh-CN" altLang="en-US" dirty="0">
                 <a:latin typeface="微软雅黑" panose="020B0503020204020204" pitchFamily="34" charset="-122"/>
                 <a:ea typeface="微软雅黑" panose="020B0503020204020204" pitchFamily="34" charset="-122"/>
               </a:rPr>
-              <a:t>设计用来传输和存储数据，其焦点是数据的内容</a:t>
-            </a:r>
-            <a:r>
-              <a:rPr lang="zh-CN" altLang="en-US" dirty="0" smtClean="0">
-                <a:latin typeface="微软雅黑" panose="020B0503020204020204" pitchFamily="34" charset="-122"/>
-                <a:ea typeface="微软雅黑" panose="020B0503020204020204" pitchFamily="34" charset="-122"/>
-              </a:rPr>
-              <a:t>。</a:t>
-            </a:r>
-            <a:endParaRPr lang="en-US" altLang="zh-CN" dirty="0" smtClean="0">
+              <a:t>被设计用来传输和存储数据，其焦点是数据的内容。</a:t>
+            </a:r>
+            <a:endParaRPr lang="en-US" altLang="zh-CN" dirty="0">
               <a:latin typeface="微软雅黑" panose="020B0503020204020204" pitchFamily="34" charset="-122"/>
               <a:ea typeface="微软雅黑" panose="020B0503020204020204" pitchFamily="34" charset="-122"/>
             </a:endParaRPr>
@@ -17903,27 +17560,13 @@
               <a:t>HTML</a:t>
             </a:r>
             <a:r>
-              <a:rPr lang="zh-CN" altLang="en-US" dirty="0" smtClean="0">
-                <a:latin typeface="微软雅黑" panose="020B0503020204020204" pitchFamily="34" charset="-122"/>
-                <a:ea typeface="微软雅黑" panose="020B0503020204020204" pitchFamily="34" charset="-122"/>
-              </a:rPr>
-              <a:t>被</a:t>
-            </a:r>
-            <a:r>
               <a:rPr lang="zh-CN" altLang="en-US" dirty="0">
                 <a:latin typeface="微软雅黑" panose="020B0503020204020204" pitchFamily="34" charset="-122"/>
                 <a:ea typeface="微软雅黑" panose="020B0503020204020204" pitchFamily="34" charset="-122"/>
               </a:rPr>
-              <a:t>设计用来显示数据，其焦点是数据的</a:t>
-            </a:r>
-            <a:r>
-              <a:rPr lang="zh-CN" altLang="en-US" dirty="0" smtClean="0">
-                <a:latin typeface="微软雅黑" panose="020B0503020204020204" pitchFamily="34" charset="-122"/>
-                <a:ea typeface="微软雅黑" panose="020B0503020204020204" pitchFamily="34" charset="-122"/>
-              </a:rPr>
-              <a:t>外观。</a:t>
-            </a:r>
-            <a:endParaRPr lang="en-US" altLang="zh-CN" dirty="0" smtClean="0">
+              <a:t>被设计用来显示数据，其焦点是数据的外观。</a:t>
+            </a:r>
+            <a:endParaRPr lang="en-US" altLang="zh-CN" dirty="0">
               <a:latin typeface="微软雅黑" panose="020B0503020204020204" pitchFamily="34" charset="-122"/>
               <a:ea typeface="微软雅黑" panose="020B0503020204020204" pitchFamily="34" charset="-122"/>
             </a:endParaRPr>
@@ -17971,14 +17614,14 @@
               </a:lnSpc>
             </a:pPr>
             <a:r>
-              <a:rPr lang="en-US" altLang="zh-CN" b="1" dirty="0" smtClean="0"/>
+              <a:rPr lang="en-US" altLang="zh-CN" b="1" dirty="0"/>
               <a:t>XML</a:t>
             </a:r>
             <a:r>
-              <a:rPr lang="zh-CN" altLang="en-US" b="1" dirty="0" smtClean="0"/>
+              <a:rPr lang="zh-CN" altLang="en-US" b="1" dirty="0"/>
               <a:t>示例：</a:t>
             </a:r>
-            <a:endParaRPr lang="en-US" altLang="zh-CN" b="1" dirty="0" smtClean="0"/>
+            <a:endParaRPr lang="en-US" altLang="zh-CN" b="1" dirty="0"/>
           </a:p>
           <a:p>
             <a:pPr>
@@ -17987,16 +17630,8 @@
               </a:lnSpc>
             </a:pPr>
             <a:r>
-              <a:rPr lang="en-US" altLang="zh-CN" dirty="0" smtClean="0"/>
-              <a:t>&lt;?</a:t>
-            </a:r>
-            <a:r>
               <a:rPr lang="en-US" altLang="zh-CN" dirty="0"/>
-              <a:t>xml version="1.0" encoding="UTF-8</a:t>
-            </a:r>
-            <a:r>
-              <a:rPr lang="en-US" altLang="zh-CN" dirty="0" smtClean="0"/>
-              <a:t>"?&gt;</a:t>
+              <a:t>&lt;?xml version="1.0" encoding="UTF-8"?&gt;</a:t>
             </a:r>
           </a:p>
           <a:p>
@@ -18006,16 +17641,8 @@
               </a:lnSpc>
             </a:pPr>
             <a:r>
-              <a:rPr lang="en-US" altLang="zh-CN" dirty="0" smtClean="0"/>
-              <a:t> </a:t>
-            </a:r>
-            <a:r>
               <a:rPr lang="en-US" altLang="zh-CN" dirty="0"/>
-              <a:t>&lt;note</a:t>
-            </a:r>
-            <a:r>
-              <a:rPr lang="en-US" altLang="zh-CN" dirty="0" smtClean="0"/>
-              <a:t>&gt;</a:t>
+              <a:t> &lt;note&gt;</a:t>
             </a:r>
           </a:p>
           <a:p>
@@ -18025,12 +17652,8 @@
               </a:lnSpc>
             </a:pPr>
             <a:r>
-              <a:rPr lang="en-US" altLang="zh-CN" dirty="0" smtClean="0"/>
-              <a:t>   &lt;</a:t>
-            </a:r>
-            <a:r>
               <a:rPr lang="en-US" altLang="zh-CN" dirty="0"/>
-              <a:t>to&gt;</a:t>
+              <a:t>   &lt;to&gt;</a:t>
             </a:r>
             <a:r>
               <a:rPr lang="en-US" altLang="zh-CN" dirty="0" err="1"/>
@@ -18038,11 +17661,7 @@
             </a:r>
             <a:r>
               <a:rPr lang="en-US" altLang="zh-CN" dirty="0"/>
-              <a:t>&lt;/to</a:t>
-            </a:r>
-            <a:r>
-              <a:rPr lang="en-US" altLang="zh-CN" dirty="0" smtClean="0"/>
-              <a:t>&gt;</a:t>
+              <a:t>&lt;/to&gt;</a:t>
             </a:r>
           </a:p>
           <a:p>
@@ -18052,18 +17671,9 @@
               </a:lnSpc>
             </a:pPr>
             <a:r>
-              <a:rPr lang="en-US" altLang="zh-CN" dirty="0" smtClean="0"/>
-              <a:t>   </a:t>
-            </a:r>
-            <a:r>
               <a:rPr lang="en-US" altLang="zh-CN" dirty="0"/>
-              <a:t>&lt;from&gt;Jani&lt;/from&gt; </a:t>
-            </a:r>
-            <a:r>
-              <a:rPr lang="en-US" altLang="zh-CN" dirty="0" smtClean="0"/>
-              <a:t>   </a:t>
-            </a:r>
-            <a:endParaRPr lang="en-US" altLang="zh-CN" dirty="0"/>
+              <a:t>   &lt;from&gt;Jani&lt;/from&gt;    </a:t>
+            </a:r>
           </a:p>
           <a:p>
             <a:pPr>
@@ -18072,18 +17682,9 @@
               </a:lnSpc>
             </a:pPr>
             <a:r>
-              <a:rPr lang="en-US" altLang="zh-CN" dirty="0" smtClean="0"/>
-              <a:t>   &lt;heading&gt;Reminder</a:t>
-            </a:r>
-            <a:r>
               <a:rPr lang="en-US" altLang="zh-CN" dirty="0"/>
-              <a:t>&lt;/heading&gt; </a:t>
-            </a:r>
-            <a:r>
-              <a:rPr lang="en-US" altLang="zh-CN" dirty="0" smtClean="0"/>
-              <a:t>          </a:t>
-            </a:r>
-            <a:endParaRPr lang="en-US" altLang="zh-CN" dirty="0"/>
+              <a:t>   &lt;heading&gt;Reminder&lt;/heading&gt;           </a:t>
+            </a:r>
           </a:p>
           <a:p>
             <a:pPr>
@@ -18092,14 +17693,9 @@
               </a:lnSpc>
             </a:pPr>
             <a:r>
-              <a:rPr lang="en-US" altLang="zh-CN" dirty="0" smtClean="0"/>
-              <a:t>   </a:t>
-            </a:r>
-            <a:r>
               <a:rPr lang="en-US" altLang="zh-CN" dirty="0"/>
-              <a:t>&lt;body&gt;Don't forget me&lt;/body&gt; </a:t>
-            </a:r>
-            <a:endParaRPr lang="en-US" altLang="zh-CN" dirty="0" smtClean="0"/>
+              <a:t>   &lt;body&gt;Don't forget me&lt;/body&gt; </a:t>
+            </a:r>
           </a:p>
           <a:p>
             <a:pPr>
@@ -18108,18 +17704,9 @@
               </a:lnSpc>
             </a:pPr>
             <a:r>
-              <a:rPr lang="en-US" altLang="zh-CN" dirty="0" smtClean="0"/>
-              <a:t>&lt;/</a:t>
-            </a:r>
-            <a:r>
               <a:rPr lang="en-US" altLang="zh-CN" dirty="0"/>
-              <a:t>note</a:t>
-            </a:r>
-            <a:r>
-              <a:rPr lang="en-US" altLang="zh-CN" dirty="0" smtClean="0"/>
-              <a:t>&gt;</a:t>
-            </a:r>
-            <a:endParaRPr lang="en-US" altLang="zh-CN" dirty="0"/>
+              <a:t>&lt;/note&gt;</a:t>
+            </a:r>
           </a:p>
         </p:txBody>
       </p:sp>
@@ -18169,11 +17756,11 @@
           <a:lstStyle/>
           <a:p>
             <a:r>
-              <a:rPr lang="en-US" altLang="zh-CN" dirty="0" smtClean="0"/>
+              <a:rPr lang="en-US" altLang="zh-CN" b="0" dirty="0"/>
               <a:t>XML</a:t>
             </a:r>
             <a:r>
-              <a:rPr lang="zh-CN" altLang="en-US" dirty="0"/>
+              <a:rPr lang="zh-CN" altLang="en-US" b="0" dirty="0"/>
               <a:t>语法规则</a:t>
             </a:r>
           </a:p>
@@ -18209,14 +17796,14 @@
               <a:buChar char="•"/>
             </a:pPr>
             <a:r>
-              <a:rPr lang="en-US" altLang="zh-CN" sz="2000" dirty="0" smtClean="0">
+              <a:rPr lang="en-US" altLang="zh-CN" sz="2000" dirty="0">
                 <a:latin typeface="微软雅黑" panose="020B0503020204020204" pitchFamily="34" charset="-122"/>
                 <a:ea typeface="微软雅黑" panose="020B0503020204020204" pitchFamily="34" charset="-122"/>
               </a:rPr>
               <a:t>XML</a:t>
             </a:r>
             <a:r>
-              <a:rPr lang="zh-CN" altLang="en-US" sz="2000" dirty="0" smtClean="0">
+              <a:rPr lang="zh-CN" altLang="en-US" sz="2000" dirty="0">
                 <a:latin typeface="微软雅黑" panose="020B0503020204020204" pitchFamily="34" charset="-122"/>
                 <a:ea typeface="微软雅黑" panose="020B0503020204020204" pitchFamily="34" charset="-122"/>
               </a:rPr>
@@ -18236,7 +17823,7 @@
               <a:buChar char="•"/>
             </a:pPr>
             <a:r>
-              <a:rPr lang="zh-CN" altLang="en-US" sz="2000" dirty="0" smtClean="0">
+              <a:rPr lang="zh-CN" altLang="en-US" sz="2000" dirty="0">
                 <a:latin typeface="微软雅黑" panose="020B0503020204020204" pitchFamily="34" charset="-122"/>
                 <a:ea typeface="微软雅黑" panose="020B0503020204020204" pitchFamily="34" charset="-122"/>
               </a:rPr>
@@ -18260,16 +17847,9 @@
                 <a:latin typeface="微软雅黑" panose="020B0503020204020204" pitchFamily="34" charset="-122"/>
                 <a:ea typeface="微软雅黑" panose="020B0503020204020204" pitchFamily="34" charset="-122"/>
               </a:rPr>
-              <a:t>标签对大小写</a:t>
-            </a:r>
-            <a:r>
-              <a:rPr lang="zh-CN" altLang="en-US" sz="2000" dirty="0" smtClean="0">
-                <a:latin typeface="微软雅黑" panose="020B0503020204020204" pitchFamily="34" charset="-122"/>
-                <a:ea typeface="微软雅黑" panose="020B0503020204020204" pitchFamily="34" charset="-122"/>
-              </a:rPr>
-              <a:t>敏感</a:t>
-            </a:r>
-            <a:endParaRPr lang="en-US" altLang="zh-CN" sz="2000" dirty="0" smtClean="0">
+              <a:t>标签对大小写敏感</a:t>
+            </a:r>
+            <a:endParaRPr lang="en-US" altLang="zh-CN" sz="2000" dirty="0">
               <a:latin typeface="微软雅黑" panose="020B0503020204020204" pitchFamily="34" charset="-122"/>
               <a:ea typeface="微软雅黑" panose="020B0503020204020204" pitchFamily="34" charset="-122"/>
             </a:endParaRPr>
@@ -18283,13 +17863,13 @@
               <a:buChar char="•"/>
             </a:pPr>
             <a:r>
-              <a:rPr lang="zh-CN" altLang="en-US" sz="2000" dirty="0" smtClean="0">
+              <a:rPr lang="zh-CN" altLang="en-US" sz="2000" dirty="0">
                 <a:latin typeface="微软雅黑" panose="020B0503020204020204" pitchFamily="34" charset="-122"/>
                 <a:ea typeface="微软雅黑" panose="020B0503020204020204" pitchFamily="34" charset="-122"/>
               </a:rPr>
               <a:t>属性必须加引号</a:t>
             </a:r>
-            <a:endParaRPr lang="en-US" altLang="zh-CN" sz="2000" dirty="0" smtClean="0">
+            <a:endParaRPr lang="en-US" altLang="zh-CN" sz="2000" dirty="0">
               <a:latin typeface="微软雅黑" panose="020B0503020204020204" pitchFamily="34" charset="-122"/>
               <a:ea typeface="微软雅黑" panose="020B0503020204020204" pitchFamily="34" charset="-122"/>
             </a:endParaRPr>
@@ -18307,16 +17887,9 @@
                 <a:latin typeface="微软雅黑" panose="020B0503020204020204" pitchFamily="34" charset="-122"/>
                 <a:ea typeface="微软雅黑" panose="020B0503020204020204" pitchFamily="34" charset="-122"/>
               </a:rPr>
-              <a:t>标签</a:t>
-            </a:r>
-            <a:r>
-              <a:rPr lang="zh-CN" altLang="en-US" sz="2000" dirty="0" smtClean="0">
-                <a:latin typeface="微软雅黑" panose="020B0503020204020204" pitchFamily="34" charset="-122"/>
-                <a:ea typeface="微软雅黑" panose="020B0503020204020204" pitchFamily="34" charset="-122"/>
-              </a:rPr>
-              <a:t>必须被正确嵌套</a:t>
-            </a:r>
-            <a:endParaRPr lang="en-US" altLang="zh-CN" sz="2000" dirty="0" smtClean="0">
+              <a:t>标签必须被正确嵌套</a:t>
+            </a:r>
+            <a:endParaRPr lang="en-US" altLang="zh-CN" sz="2000" dirty="0">
               <a:latin typeface="微软雅黑" panose="020B0503020204020204" pitchFamily="34" charset="-122"/>
               <a:ea typeface="微软雅黑" panose="020B0503020204020204" pitchFamily="34" charset="-122"/>
             </a:endParaRPr>
@@ -18330,48 +17903,27 @@
               <a:buChar char="•"/>
             </a:pPr>
             <a:r>
-              <a:rPr lang="zh-CN" altLang="en-US" sz="2000" dirty="0" smtClean="0">
+              <a:rPr lang="zh-CN" altLang="en-US" sz="2000" dirty="0">
                 <a:latin typeface="微软雅黑" panose="020B0503020204020204" pitchFamily="34" charset="-122"/>
                 <a:ea typeface="微软雅黑" panose="020B0503020204020204" pitchFamily="34" charset="-122"/>
               </a:rPr>
               <a:t>空格会被保留（</a:t>
             </a:r>
             <a:r>
-              <a:rPr lang="en-US" altLang="zh-CN" sz="2000" dirty="0" smtClean="0">
+              <a:rPr lang="en-US" altLang="zh-CN" sz="2000" dirty="0">
                 <a:latin typeface="微软雅黑" panose="020B0503020204020204" pitchFamily="34" charset="-122"/>
                 <a:ea typeface="微软雅黑" panose="020B0503020204020204" pitchFamily="34" charset="-122"/>
               </a:rPr>
               <a:t>HTML</a:t>
             </a:r>
             <a:r>
-              <a:rPr lang="zh-CN" altLang="en-US" sz="2000" dirty="0" smtClean="0">
-                <a:latin typeface="微软雅黑" panose="020B0503020204020204" pitchFamily="34" charset="-122"/>
-                <a:ea typeface="微软雅黑" panose="020B0503020204020204" pitchFamily="34" charset="-122"/>
-              </a:rPr>
-              <a:t>会把</a:t>
-            </a:r>
-            <a:r>
               <a:rPr lang="zh-CN" altLang="en-US" sz="2000" dirty="0">
                 <a:latin typeface="微软雅黑" panose="020B0503020204020204" pitchFamily="34" charset="-122"/>
                 <a:ea typeface="微软雅黑" panose="020B0503020204020204" pitchFamily="34" charset="-122"/>
               </a:rPr>
-              <a:t>多个连续的空格字符</a:t>
-            </a:r>
-            <a:r>
-              <a:rPr lang="zh-CN" altLang="en-US" sz="2000" dirty="0" smtClean="0">
-                <a:latin typeface="微软雅黑" panose="020B0503020204020204" pitchFamily="34" charset="-122"/>
-                <a:ea typeface="微软雅黑" panose="020B0503020204020204" pitchFamily="34" charset="-122"/>
-              </a:rPr>
-              <a:t>裁减为</a:t>
-            </a:r>
-            <a:r>
-              <a:rPr lang="zh-CN" altLang="en-US" sz="2000" dirty="0">
-                <a:latin typeface="微软雅黑" panose="020B0503020204020204" pitchFamily="34" charset="-122"/>
-                <a:ea typeface="微软雅黑" panose="020B0503020204020204" pitchFamily="34" charset="-122"/>
-              </a:rPr>
-              <a:t>一个）</a:t>
-            </a:r>
-            <a:endParaRPr lang="en-US" altLang="zh-CN" sz="2000" dirty="0" smtClean="0">
+              <a:t>会把多个连续的空格字符裁减为一个）</a:t>
+            </a:r>
+            <a:endParaRPr lang="en-US" altLang="zh-CN" sz="2000" dirty="0">
               <a:latin typeface="微软雅黑" panose="020B0503020204020204" pitchFamily="34" charset="-122"/>
               <a:ea typeface="微软雅黑" panose="020B0503020204020204" pitchFamily="34" charset="-122"/>
             </a:endParaRPr>
@@ -18385,20 +17937,20 @@
               <a:buChar char="•"/>
             </a:pPr>
             <a:r>
-              <a:rPr lang="en-US" altLang="zh-CN" sz="2000" dirty="0" smtClean="0">
+              <a:rPr lang="en-US" altLang="zh-CN" sz="2000" dirty="0">
                 <a:latin typeface="微软雅黑" panose="020B0503020204020204" pitchFamily="34" charset="-122"/>
                 <a:ea typeface="微软雅黑" panose="020B0503020204020204" pitchFamily="34" charset="-122"/>
               </a:rPr>
               <a:t>XML</a:t>
             </a:r>
             <a:r>
-              <a:rPr lang="zh-CN" altLang="en-US" sz="2000" dirty="0" smtClean="0">
+              <a:rPr lang="zh-CN" altLang="en-US" sz="2000" dirty="0">
                 <a:latin typeface="微软雅黑" panose="020B0503020204020204" pitchFamily="34" charset="-122"/>
                 <a:ea typeface="微软雅黑" panose="020B0503020204020204" pitchFamily="34" charset="-122"/>
               </a:rPr>
               <a:t>声明存在的话需要放在第一行，但它不是必须的</a:t>
             </a:r>
-            <a:endParaRPr lang="en-US" altLang="zh-CN" sz="2000" dirty="0" smtClean="0">
+            <a:endParaRPr lang="en-US" altLang="zh-CN" sz="2000" dirty="0">
               <a:latin typeface="微软雅黑" panose="020B0503020204020204" pitchFamily="34" charset="-122"/>
               <a:ea typeface="微软雅黑" panose="020B0503020204020204" pitchFamily="34" charset="-122"/>
             </a:endParaRPr>
@@ -18447,13 +17999,9 @@
             </a:pPr>
             <a:r>
               <a:rPr lang="zh-CN" altLang="en-US" dirty="0"/>
-              <a:t>错误</a:t>
-            </a:r>
-            <a:r>
-              <a:rPr lang="zh-CN" altLang="en-US" dirty="0" smtClean="0"/>
-              <a:t>的格式：</a:t>
-            </a:r>
-            <a:endParaRPr lang="en-US" altLang="zh-CN" dirty="0" smtClean="0"/>
+              <a:t>错误的格式：</a:t>
+            </a:r>
+            <a:endParaRPr lang="en-US" altLang="zh-CN" dirty="0"/>
           </a:p>
           <a:p>
             <a:pPr lvl="1"/>
@@ -18463,87 +18011,83 @@
             </a:r>
             <a:r>
               <a:rPr lang="zh-CN" altLang="en-US" i="1" dirty="0"/>
-              <a:t>没有根</a:t>
-            </a:r>
-            <a:r>
-              <a:rPr lang="zh-CN" altLang="en-US" i="1" dirty="0" smtClean="0"/>
-              <a:t>元素</a:t>
-            </a:r>
-            <a:endParaRPr lang="en-US" altLang="zh-CN" i="1" dirty="0" smtClean="0"/>
+              <a:t>没有根元素</a:t>
+            </a:r>
+            <a:endParaRPr lang="en-US" altLang="zh-CN" i="1" dirty="0"/>
           </a:p>
           <a:p>
             <a:pPr lvl="1"/>
             <a:r>
-              <a:rPr lang="en-US" altLang="zh-CN" dirty="0" smtClean="0"/>
+              <a:rPr lang="en-US" altLang="zh-CN" dirty="0"/>
               <a:t>&lt;name&gt;Albert&lt;/name&gt;</a:t>
             </a:r>
           </a:p>
           <a:p>
             <a:pPr lvl="1"/>
-            <a:endParaRPr lang="en-US" altLang="zh-CN" dirty="0" smtClean="0"/>
+            <a:endParaRPr lang="en-US" altLang="zh-CN" dirty="0"/>
           </a:p>
           <a:p>
             <a:pPr lvl="1"/>
             <a:r>
-              <a:rPr lang="en-US" altLang="zh-CN" i="1" dirty="0" smtClean="0"/>
+              <a:rPr lang="en-US" altLang="zh-CN" i="1" dirty="0"/>
               <a:t>//</a:t>
             </a:r>
             <a:r>
-              <a:rPr lang="zh-CN" altLang="en-US" i="1" dirty="0" smtClean="0"/>
+              <a:rPr lang="zh-CN" altLang="en-US" i="1" dirty="0"/>
               <a:t>大小写不统一</a:t>
             </a:r>
-            <a:endParaRPr lang="en-US" altLang="zh-CN" i="1" dirty="0" smtClean="0"/>
+            <a:endParaRPr lang="en-US" altLang="zh-CN" i="1" dirty="0"/>
           </a:p>
           <a:p>
             <a:pPr lvl="1"/>
             <a:r>
-              <a:rPr lang="en-US" altLang="zh-CN" dirty="0" smtClean="0"/>
+              <a:rPr lang="en-US" altLang="zh-CN" dirty="0"/>
               <a:t>&lt;name&gt;Albert&lt;/Name&gt;</a:t>
             </a:r>
           </a:p>
           <a:p>
             <a:pPr lvl="1"/>
-            <a:endParaRPr lang="en-US" altLang="zh-CN" dirty="0" smtClean="0"/>
+            <a:endParaRPr lang="en-US" altLang="zh-CN" dirty="0"/>
           </a:p>
           <a:p>
             <a:pPr lvl="1"/>
             <a:r>
-              <a:rPr lang="en-US" altLang="zh-CN" i="1" dirty="0" smtClean="0"/>
+              <a:rPr lang="en-US" altLang="zh-CN" i="1" dirty="0"/>
               <a:t>//</a:t>
             </a:r>
             <a:r>
-              <a:rPr lang="zh-CN" altLang="en-US" i="1" dirty="0" smtClean="0"/>
+              <a:rPr lang="zh-CN" altLang="en-US" i="1" dirty="0"/>
               <a:t>没有关闭标签</a:t>
             </a:r>
-            <a:endParaRPr lang="en-US" altLang="zh-CN" i="1" dirty="0" smtClean="0"/>
+            <a:endParaRPr lang="en-US" altLang="zh-CN" i="1" dirty="0"/>
           </a:p>
           <a:p>
             <a:pPr lvl="1"/>
             <a:r>
-              <a:rPr lang="en-US" altLang="zh-CN" dirty="0" smtClean="0"/>
+              <a:rPr lang="en-US" altLang="zh-CN" dirty="0"/>
               <a:t>&lt;name&gt;Albert</a:t>
             </a:r>
           </a:p>
           <a:p>
             <a:pPr lvl="1"/>
-            <a:endParaRPr lang="en-US" altLang="zh-CN" dirty="0" smtClean="0"/>
+            <a:endParaRPr lang="en-US" altLang="zh-CN" dirty="0"/>
           </a:p>
           <a:p>
             <a:pPr lvl="1"/>
             <a:r>
-              <a:rPr lang="en-US" altLang="zh-CN" i="1" dirty="0" smtClean="0"/>
+              <a:rPr lang="en-US" altLang="zh-CN" i="1" dirty="0"/>
               <a:t>//</a:t>
             </a:r>
             <a:r>
-              <a:rPr lang="zh-CN" altLang="en-US" i="1" dirty="0" smtClean="0"/>
+              <a:rPr lang="zh-CN" altLang="en-US" i="1" dirty="0"/>
               <a:t>属性没有加引号</a:t>
             </a:r>
-            <a:endParaRPr lang="en-US" altLang="zh-CN" i="1" dirty="0" smtClean="0"/>
+            <a:endParaRPr lang="en-US" altLang="zh-CN" i="1" dirty="0"/>
           </a:p>
           <a:p>
             <a:pPr lvl="1"/>
             <a:r>
-              <a:rPr lang="en-US" altLang="zh-CN" dirty="0" smtClean="0"/>
+              <a:rPr lang="en-US" altLang="zh-CN" dirty="0"/>
               <a:t>&lt;name sex=male&gt;Albert&lt;/name&gt;</a:t>
             </a:r>
           </a:p>
@@ -18553,15 +18097,15 @@
               <a:buChar char="•"/>
             </a:pPr>
             <a:r>
-              <a:rPr lang="zh-CN" altLang="en-US" dirty="0" smtClean="0"/>
+              <a:rPr lang="zh-CN" altLang="en-US" dirty="0"/>
               <a:t>正确的格式：</a:t>
             </a:r>
-            <a:endParaRPr lang="en-US" altLang="zh-CN" dirty="0" smtClean="0"/>
+            <a:endParaRPr lang="en-US" altLang="zh-CN" dirty="0"/>
           </a:p>
           <a:p>
             <a:pPr lvl="1"/>
             <a:r>
-              <a:rPr lang="en-US" altLang="zh-CN" dirty="0" smtClean="0"/>
+              <a:rPr lang="en-US" altLang="zh-CN" dirty="0"/>
               <a:t>&lt;person&gt;</a:t>
             </a:r>
           </a:p>
@@ -18569,32 +18113,28 @@
             <a:pPr lvl="1"/>
             <a:r>
               <a:rPr lang="en-US" altLang="zh-CN" dirty="0"/>
-              <a:t> </a:t>
-            </a:r>
-            <a:r>
-              <a:rPr lang="en-US" altLang="zh-CN" dirty="0" smtClean="0"/>
-              <a:t>   &lt;name sex=“male”&gt;</a:t>
-            </a:r>
-            <a:r>
-              <a:rPr lang="en-US" altLang="zh-CN" dirty="0" err="1" smtClean="0"/>
+              <a:t>    &lt;name sex=“male”&gt;</a:t>
+            </a:r>
+            <a:r>
+              <a:rPr lang="en-US" altLang="zh-CN" dirty="0" err="1"/>
               <a:t>ALbert</a:t>
             </a:r>
             <a:r>
-              <a:rPr lang="en-US" altLang="zh-CN" dirty="0" smtClean="0"/>
+              <a:rPr lang="en-US" altLang="zh-CN" dirty="0"/>
               <a:t>&lt;/name&gt;</a:t>
             </a:r>
           </a:p>
           <a:p>
             <a:pPr lvl="1"/>
             <a:r>
-              <a:rPr lang="en-US" altLang="zh-CN" dirty="0" smtClean="0"/>
+              <a:rPr lang="en-US" altLang="zh-CN" dirty="0"/>
               <a:t>    &lt;age&gt;27&lt;/age&gt;</a:t>
             </a:r>
           </a:p>
           <a:p>
             <a:pPr lvl="1"/>
             <a:r>
-              <a:rPr lang="en-US" altLang="zh-CN" dirty="0" smtClean="0"/>
+              <a:rPr lang="en-US" altLang="zh-CN" dirty="0"/>
               <a:t>&lt;/person&gt;</a:t>
             </a:r>
           </a:p>
@@ -18646,11 +18186,11 @@
           <a:lstStyle/>
           <a:p>
             <a:r>
-              <a:rPr lang="en-US" altLang="zh-CN" dirty="0" smtClean="0"/>
+              <a:rPr lang="en-US" altLang="zh-CN" b="0" dirty="0"/>
               <a:t>XML</a:t>
             </a:r>
             <a:r>
-              <a:rPr lang="zh-CN" altLang="en-US" dirty="0"/>
+              <a:rPr lang="zh-CN" altLang="en-US" b="0" dirty="0"/>
               <a:t>什么也不做</a:t>
             </a:r>
           </a:p>
@@ -18686,20 +18226,20 @@
               <a:buChar char="•"/>
             </a:pPr>
             <a:r>
-              <a:rPr lang="en-US" altLang="zh-CN" sz="2000" dirty="0" smtClean="0">
+              <a:rPr lang="en-US" altLang="zh-CN" sz="2000" dirty="0">
                 <a:latin typeface="微软雅黑" panose="020B0503020204020204" pitchFamily="34" charset="-122"/>
                 <a:ea typeface="微软雅黑" panose="020B0503020204020204" pitchFamily="34" charset="-122"/>
               </a:rPr>
               <a:t>XML</a:t>
             </a:r>
             <a:r>
-              <a:rPr lang="zh-CN" altLang="en-US" sz="2000" dirty="0" smtClean="0">
+              <a:rPr lang="zh-CN" altLang="en-US" sz="2000" dirty="0">
                 <a:latin typeface="微软雅黑" panose="020B0503020204020204" pitchFamily="34" charset="-122"/>
                 <a:ea typeface="微软雅黑" panose="020B0503020204020204" pitchFamily="34" charset="-122"/>
               </a:rPr>
               <a:t>仅仅是规定了如何去编写，统一了格式方便程序去解析。</a:t>
             </a:r>
-            <a:endParaRPr lang="en-US" altLang="zh-CN" sz="2000" dirty="0" smtClean="0">
+            <a:endParaRPr lang="en-US" altLang="zh-CN" sz="2000" dirty="0">
               <a:latin typeface="微软雅黑" panose="020B0503020204020204" pitchFamily="34" charset="-122"/>
               <a:ea typeface="微软雅黑" panose="020B0503020204020204" pitchFamily="34" charset="-122"/>
             </a:endParaRPr>
@@ -18713,13 +18253,13 @@
               <a:buChar char="•"/>
             </a:pPr>
             <a:r>
-              <a:rPr lang="zh-CN" altLang="en-US" sz="2000" dirty="0" smtClean="0">
+              <a:rPr lang="zh-CN" altLang="en-US" sz="2000" dirty="0">
                 <a:latin typeface="微软雅黑" panose="020B0503020204020204" pitchFamily="34" charset="-122"/>
                 <a:ea typeface="微软雅黑" panose="020B0503020204020204" pitchFamily="34" charset="-122"/>
               </a:rPr>
               <a:t>至于解析后的数据，则需要程序员自己开发软件去支持。</a:t>
             </a:r>
-            <a:endParaRPr lang="en-US" altLang="zh-CN" sz="2000" dirty="0" smtClean="0">
+            <a:endParaRPr lang="en-US" altLang="zh-CN" sz="2000" dirty="0">
               <a:latin typeface="微软雅黑" panose="020B0503020204020204" pitchFamily="34" charset="-122"/>
               <a:ea typeface="微软雅黑" panose="020B0503020204020204" pitchFamily="34" charset="-122"/>
             </a:endParaRPr>
@@ -18733,23 +18273,19 @@
               <a:buChar char="•"/>
             </a:pPr>
             <a:r>
-              <a:rPr lang="en-US" altLang="zh-CN" sz="2000" dirty="0" smtClean="0">
+              <a:rPr lang="en-US" altLang="zh-CN" sz="2000" dirty="0">
                 <a:latin typeface="微软雅黑" panose="020B0503020204020204" pitchFamily="34" charset="-122"/>
                 <a:ea typeface="微软雅黑" panose="020B0503020204020204" pitchFamily="34" charset="-122"/>
               </a:rPr>
               <a:t>XML</a:t>
             </a:r>
             <a:r>
-              <a:rPr lang="zh-CN" altLang="en-US" sz="2000" dirty="0" smtClean="0">
+              <a:rPr lang="zh-CN" altLang="en-US" sz="2000" dirty="0">
                 <a:latin typeface="微软雅黑" panose="020B0503020204020204" pitchFamily="34" charset="-122"/>
                 <a:ea typeface="微软雅黑" panose="020B0503020204020204" pitchFamily="34" charset="-122"/>
               </a:rPr>
               <a:t>提供的是统一的格式化规则，统一的解析规则。基于此，互联网的数据传输兼容性大大提升，不需要针对每种格式去编写对应的解析程序。</a:t>
             </a:r>
-            <a:endParaRPr lang="zh-CN" altLang="en-US" sz="2000" dirty="0">
-              <a:latin typeface="微软雅黑" panose="020B0503020204020204" pitchFamily="34" charset="-122"/>
-              <a:ea typeface="微软雅黑" panose="020B0503020204020204" pitchFamily="34" charset="-122"/>
-            </a:endParaRPr>
           </a:p>
         </p:txBody>
       </p:sp>
@@ -18799,18 +18335,18 @@
           <a:lstStyle/>
           <a:p>
             <a:r>
-              <a:rPr lang="en-US" altLang="zh-CN" dirty="0" smtClean="0"/>
+              <a:rPr lang="en-US" altLang="zh-CN" b="0" dirty="0"/>
               <a:t>PHP</a:t>
             </a:r>
             <a:r>
-              <a:rPr lang="zh-CN" altLang="en-US" dirty="0" smtClean="0"/>
+              <a:rPr lang="zh-CN" altLang="en-US" b="0" dirty="0"/>
               <a:t>解析</a:t>
             </a:r>
             <a:r>
-              <a:rPr lang="en-US" altLang="zh-CN" dirty="0" smtClean="0"/>
+              <a:rPr lang="en-US" altLang="zh-CN" b="0" dirty="0"/>
               <a:t>XML</a:t>
             </a:r>
-            <a:endParaRPr lang="zh-CN" altLang="en-US" dirty="0"/>
+            <a:endParaRPr lang="zh-CN" altLang="en-US" b="0" dirty="0"/>
           </a:p>
         </p:txBody>
       </p:sp>
@@ -18844,90 +18380,90 @@
               <a:buChar char="•"/>
             </a:pPr>
             <a:r>
-              <a:rPr lang="en-US" altLang="zh-CN" sz="2000" dirty="0" smtClean="0">
+              <a:rPr lang="en-US" altLang="zh-CN" sz="2000" dirty="0">
                 <a:latin typeface="微软雅黑" panose="020B0503020204020204" pitchFamily="34" charset="-122"/>
                 <a:ea typeface="微软雅黑" panose="020B0503020204020204" pitchFamily="34" charset="-122"/>
               </a:rPr>
               <a:t>PHP</a:t>
             </a:r>
             <a:r>
-              <a:rPr lang="zh-CN" altLang="en-US" sz="2000" dirty="0" smtClean="0">
+              <a:rPr lang="zh-CN" altLang="en-US" sz="2000" dirty="0">
                 <a:latin typeface="微软雅黑" panose="020B0503020204020204" pitchFamily="34" charset="-122"/>
                 <a:ea typeface="微软雅黑" panose="020B0503020204020204" pitchFamily="34" charset="-122"/>
               </a:rPr>
               <a:t>内置了处理</a:t>
             </a:r>
             <a:r>
-              <a:rPr lang="en-US" altLang="zh-CN" sz="2000" dirty="0" smtClean="0">
+              <a:rPr lang="en-US" altLang="zh-CN" sz="2000" dirty="0">
                 <a:latin typeface="微软雅黑" panose="020B0503020204020204" pitchFamily="34" charset="-122"/>
                 <a:ea typeface="微软雅黑" panose="020B0503020204020204" pitchFamily="34" charset="-122"/>
               </a:rPr>
               <a:t>XML</a:t>
             </a:r>
             <a:r>
-              <a:rPr lang="zh-CN" altLang="en-US" sz="2000" dirty="0" smtClean="0">
+              <a:rPr lang="zh-CN" altLang="en-US" sz="2000" dirty="0">
                 <a:latin typeface="微软雅黑" panose="020B0503020204020204" pitchFamily="34" charset="-122"/>
                 <a:ea typeface="微软雅黑" panose="020B0503020204020204" pitchFamily="34" charset="-122"/>
               </a:rPr>
               <a:t>的扩展，比较简单的扩展</a:t>
             </a:r>
             <a:r>
-              <a:rPr lang="en-US" altLang="zh-CN" sz="2000" dirty="0" err="1" smtClean="0">
+              <a:rPr lang="en-US" altLang="zh-CN" sz="2000" dirty="0" err="1">
                 <a:latin typeface="微软雅黑" panose="020B0503020204020204" pitchFamily="34" charset="-122"/>
                 <a:ea typeface="微软雅黑" panose="020B0503020204020204" pitchFamily="34" charset="-122"/>
               </a:rPr>
               <a:t>SimpleXML</a:t>
             </a:r>
             <a:r>
-              <a:rPr lang="zh-CN" altLang="en-US" sz="2000" dirty="0" smtClean="0">
+              <a:rPr lang="zh-CN" altLang="en-US" sz="2000" dirty="0">
                 <a:latin typeface="微软雅黑" panose="020B0503020204020204" pitchFamily="34" charset="-122"/>
                 <a:ea typeface="微软雅黑" panose="020B0503020204020204" pitchFamily="34" charset="-122"/>
               </a:rPr>
               <a:t>可以把</a:t>
             </a:r>
             <a:r>
-              <a:rPr lang="en-US" altLang="zh-CN" sz="2000" dirty="0" smtClean="0">
+              <a:rPr lang="en-US" altLang="zh-CN" sz="2000" dirty="0">
                 <a:latin typeface="微软雅黑" panose="020B0503020204020204" pitchFamily="34" charset="-122"/>
                 <a:ea typeface="微软雅黑" panose="020B0503020204020204" pitchFamily="34" charset="-122"/>
               </a:rPr>
               <a:t>XML</a:t>
             </a:r>
             <a:r>
-              <a:rPr lang="zh-CN" altLang="en-US" sz="2000" dirty="0" smtClean="0">
+              <a:rPr lang="zh-CN" altLang="en-US" sz="2000" dirty="0">
                 <a:latin typeface="微软雅黑" panose="020B0503020204020204" pitchFamily="34" charset="-122"/>
                 <a:ea typeface="微软雅黑" panose="020B0503020204020204" pitchFamily="34" charset="-122"/>
               </a:rPr>
               <a:t>格式的字符串解析成</a:t>
             </a:r>
             <a:r>
-              <a:rPr lang="en-US" altLang="zh-CN" sz="2000" dirty="0" err="1" smtClean="0">
+              <a:rPr lang="en-US" altLang="zh-CN" sz="2000" dirty="0" err="1">
                 <a:latin typeface="微软雅黑" panose="020B0503020204020204" pitchFamily="34" charset="-122"/>
                 <a:ea typeface="微软雅黑" panose="020B0503020204020204" pitchFamily="34" charset="-122"/>
               </a:rPr>
               <a:t>SimpleXMLElement</a:t>
             </a:r>
             <a:r>
-              <a:rPr lang="zh-CN" altLang="en-US" sz="2000" dirty="0" smtClean="0">
+              <a:rPr lang="zh-CN" altLang="en-US" sz="2000" dirty="0">
                 <a:latin typeface="微软雅黑" panose="020B0503020204020204" pitchFamily="34" charset="-122"/>
                 <a:ea typeface="微软雅黑" panose="020B0503020204020204" pitchFamily="34" charset="-122"/>
               </a:rPr>
               <a:t>对象。使用</a:t>
             </a:r>
             <a:r>
-              <a:rPr lang="en-US" altLang="zh-CN" sz="2000" dirty="0" err="1" smtClean="0">
+              <a:rPr lang="en-US" altLang="zh-CN" sz="2000" dirty="0" err="1">
                 <a:latin typeface="微软雅黑" panose="020B0503020204020204" pitchFamily="34" charset="-122"/>
                 <a:ea typeface="微软雅黑" panose="020B0503020204020204" pitchFamily="34" charset="-122"/>
               </a:rPr>
               <a:t>SimpleXMLElement</a:t>
             </a:r>
             <a:r>
-              <a:rPr lang="zh-CN" altLang="en-US" sz="2000" dirty="0" smtClean="0">
+              <a:rPr lang="zh-CN" altLang="en-US" sz="2000" dirty="0">
                 <a:latin typeface="微软雅黑" panose="020B0503020204020204" pitchFamily="34" charset="-122"/>
                 <a:ea typeface="微软雅黑" panose="020B0503020204020204" pitchFamily="34" charset="-122"/>
               </a:rPr>
               <a:t>对象提供的方法可以获取需要的数据。</a:t>
             </a:r>
-            <a:endParaRPr lang="en-US" altLang="zh-CN" sz="2000" dirty="0" smtClean="0">
+            <a:endParaRPr lang="en-US" altLang="zh-CN" sz="2000" dirty="0">
               <a:latin typeface="微软雅黑" panose="020B0503020204020204" pitchFamily="34" charset="-122"/>
               <a:ea typeface="微软雅黑" panose="020B0503020204020204" pitchFamily="34" charset="-122"/>
             </a:endParaRPr>
@@ -18941,48 +18477,48 @@
               <a:buChar char="•"/>
             </a:pPr>
             <a:r>
-              <a:rPr lang="zh-CN" altLang="en-US" sz="2000" dirty="0" smtClean="0">
+              <a:rPr lang="zh-CN" altLang="en-US" sz="2000" dirty="0">
                 <a:latin typeface="微软雅黑" panose="020B0503020204020204" pitchFamily="34" charset="-122"/>
                 <a:ea typeface="微软雅黑" panose="020B0503020204020204" pitchFamily="34" charset="-122"/>
               </a:rPr>
               <a:t>使用</a:t>
             </a:r>
             <a:r>
-              <a:rPr lang="en-US" altLang="zh-CN" sz="2000" dirty="0" err="1" smtClean="0">
+              <a:rPr lang="en-US" altLang="zh-CN" sz="2000" dirty="0" err="1">
                 <a:latin typeface="微软雅黑" panose="020B0503020204020204" pitchFamily="34" charset="-122"/>
                 <a:ea typeface="微软雅黑" panose="020B0503020204020204" pitchFamily="34" charset="-122"/>
               </a:rPr>
               <a:t>simplexml_load_string</a:t>
             </a:r>
             <a:r>
-              <a:rPr lang="en-US" altLang="zh-CN" sz="2000" dirty="0" smtClean="0">
+              <a:rPr lang="en-US" altLang="zh-CN" sz="2000" dirty="0">
                 <a:latin typeface="微软雅黑" panose="020B0503020204020204" pitchFamily="34" charset="-122"/>
                 <a:ea typeface="微软雅黑" panose="020B0503020204020204" pitchFamily="34" charset="-122"/>
               </a:rPr>
               <a:t>($xml)</a:t>
             </a:r>
             <a:r>
-              <a:rPr lang="zh-CN" altLang="en-US" sz="2000" dirty="0" smtClean="0">
+              <a:rPr lang="zh-CN" altLang="en-US" sz="2000" dirty="0">
                 <a:latin typeface="微软雅黑" panose="020B0503020204020204" pitchFamily="34" charset="-122"/>
                 <a:ea typeface="微软雅黑" panose="020B0503020204020204" pitchFamily="34" charset="-122"/>
               </a:rPr>
               <a:t>函数对</a:t>
             </a:r>
             <a:r>
-              <a:rPr lang="en-US" altLang="zh-CN" sz="2000" dirty="0" smtClean="0">
+              <a:rPr lang="en-US" altLang="zh-CN" sz="2000" dirty="0">
                 <a:latin typeface="微软雅黑" panose="020B0503020204020204" pitchFamily="34" charset="-122"/>
                 <a:ea typeface="微软雅黑" panose="020B0503020204020204" pitchFamily="34" charset="-122"/>
               </a:rPr>
               <a:t>$xml</a:t>
             </a:r>
             <a:r>
-              <a:rPr lang="zh-CN" altLang="en-US" sz="2000" dirty="0" smtClean="0">
+              <a:rPr lang="zh-CN" altLang="en-US" sz="2000" dirty="0">
                 <a:latin typeface="微软雅黑" panose="020B0503020204020204" pitchFamily="34" charset="-122"/>
                 <a:ea typeface="微软雅黑" panose="020B0503020204020204" pitchFamily="34" charset="-122"/>
               </a:rPr>
               <a:t>进行解析。</a:t>
             </a:r>
-            <a:endParaRPr lang="en-US" altLang="zh-CN" sz="2000" dirty="0" smtClean="0">
+            <a:endParaRPr lang="en-US" altLang="zh-CN" sz="2000" dirty="0">
               <a:latin typeface="微软雅黑" panose="020B0503020204020204" pitchFamily="34" charset="-122"/>
               <a:ea typeface="微软雅黑" panose="020B0503020204020204" pitchFamily="34" charset="-122"/>
             </a:endParaRPr>
@@ -18996,27 +18532,20 @@
               <a:buChar char="•"/>
             </a:pPr>
             <a:r>
-              <a:rPr lang="en-US" altLang="zh-CN" sz="2000" dirty="0" smtClean="0">
+              <a:rPr lang="en-US" altLang="zh-CN" sz="2000" dirty="0">
                 <a:latin typeface="微软雅黑" panose="020B0503020204020204" pitchFamily="34" charset="-122"/>
                 <a:ea typeface="微软雅黑" panose="020B0503020204020204" pitchFamily="34" charset="-122"/>
               </a:rPr>
               <a:t>XML</a:t>
             </a:r>
             <a:r>
-              <a:rPr lang="zh-CN" altLang="en-US" sz="2000" dirty="0" smtClean="0">
-                <a:latin typeface="微软雅黑" panose="020B0503020204020204" pitchFamily="34" charset="-122"/>
-                <a:ea typeface="微软雅黑" panose="020B0503020204020204" pitchFamily="34" charset="-122"/>
-              </a:rPr>
-              <a:t>标签的名称就会被解析为对象的属性</a:t>
-            </a:r>
-            <a:r>
-              <a:rPr lang="zh-CN" altLang="en-US" sz="2000" dirty="0" smtClean="0">
-                <a:latin typeface="微软雅黑" panose="020B0503020204020204" pitchFamily="34" charset="-122"/>
-                <a:ea typeface="微软雅黑" panose="020B0503020204020204" pitchFamily="34" charset="-122"/>
-              </a:rPr>
-              <a:t>。</a:t>
-            </a:r>
-            <a:endParaRPr lang="en-US" altLang="zh-CN" sz="2000" dirty="0" smtClean="0">
+              <a:rPr lang="zh-CN" altLang="en-US" sz="2000" dirty="0">
+                <a:latin typeface="微软雅黑" panose="020B0503020204020204" pitchFamily="34" charset="-122"/>
+                <a:ea typeface="微软雅黑" panose="020B0503020204020204" pitchFamily="34" charset="-122"/>
+              </a:rPr>
+              <a:t>标签的名称就会被解析为对象的属性。</a:t>
+            </a:r>
+            <a:endParaRPr lang="en-US" altLang="zh-CN" sz="2000" dirty="0">
               <a:latin typeface="微软雅黑" panose="020B0503020204020204" pitchFamily="34" charset="-122"/>
               <a:ea typeface="微软雅黑" panose="020B0503020204020204" pitchFamily="34" charset="-122"/>
             </a:endParaRPr>
@@ -19030,41 +18559,41 @@
               <a:buChar char="•"/>
             </a:pPr>
             <a:r>
-              <a:rPr lang="zh-CN" altLang="en-US" sz="2000" dirty="0" smtClean="0">
+              <a:rPr lang="zh-CN" altLang="en-US" sz="2000" dirty="0">
                 <a:latin typeface="微软雅黑" panose="020B0503020204020204" pitchFamily="34" charset="-122"/>
                 <a:ea typeface="微软雅黑" panose="020B0503020204020204" pitchFamily="34" charset="-122"/>
               </a:rPr>
               <a:t>使用</a:t>
             </a:r>
             <a:r>
-              <a:rPr lang="en-US" altLang="zh-CN" sz="2000" dirty="0" err="1" smtClean="0">
+              <a:rPr lang="en-US" altLang="zh-CN" sz="2000" dirty="0" err="1">
                 <a:latin typeface="微软雅黑" panose="020B0503020204020204" pitchFamily="34" charset="-122"/>
                 <a:ea typeface="微软雅黑" panose="020B0503020204020204" pitchFamily="34" charset="-122"/>
               </a:rPr>
               <a:t>get_object_vars</a:t>
             </a:r>
             <a:r>
-              <a:rPr lang="zh-CN" altLang="en-US" sz="2000" dirty="0" smtClean="0">
+              <a:rPr lang="zh-CN" altLang="en-US" sz="2000" dirty="0">
                 <a:latin typeface="微软雅黑" panose="020B0503020204020204" pitchFamily="34" charset="-122"/>
                 <a:ea typeface="微软雅黑" panose="020B0503020204020204" pitchFamily="34" charset="-122"/>
               </a:rPr>
               <a:t>函数可以把</a:t>
             </a:r>
             <a:r>
-              <a:rPr lang="en-US" altLang="zh-CN" sz="2000" dirty="0" smtClean="0">
+              <a:rPr lang="en-US" altLang="zh-CN" sz="2000" dirty="0">
                 <a:latin typeface="微软雅黑" panose="020B0503020204020204" pitchFamily="34" charset="-122"/>
                 <a:ea typeface="微软雅黑" panose="020B0503020204020204" pitchFamily="34" charset="-122"/>
               </a:rPr>
               <a:t>PHP</a:t>
             </a:r>
             <a:r>
-              <a:rPr lang="zh-CN" altLang="en-US" sz="2000" dirty="0" smtClean="0">
+              <a:rPr lang="zh-CN" altLang="en-US" sz="2000" dirty="0">
                 <a:latin typeface="微软雅黑" panose="020B0503020204020204" pitchFamily="34" charset="-122"/>
                 <a:ea typeface="微软雅黑" panose="020B0503020204020204" pitchFamily="34" charset="-122"/>
               </a:rPr>
               <a:t>对象转换成数组。</a:t>
             </a:r>
-            <a:endParaRPr lang="en-US" altLang="zh-CN" sz="2000" dirty="0" smtClean="0">
+            <a:endParaRPr lang="en-US" altLang="zh-CN" sz="2000" dirty="0">
               <a:latin typeface="微软雅黑" panose="020B0503020204020204" pitchFamily="34" charset="-122"/>
               <a:ea typeface="微软雅黑" panose="020B0503020204020204" pitchFamily="34" charset="-122"/>
             </a:endParaRPr>
@@ -19078,62 +18607,48 @@
               <a:buChar char="•"/>
             </a:pPr>
             <a:r>
-              <a:rPr lang="en-US" altLang="zh-CN" sz="2000" dirty="0" err="1" smtClean="0">
+              <a:rPr lang="en-US" altLang="zh-CN" sz="2000" dirty="0" err="1">
                 <a:latin typeface="微软雅黑" panose="020B0503020204020204" pitchFamily="34" charset="-122"/>
                 <a:ea typeface="微软雅黑" panose="020B0503020204020204" pitchFamily="34" charset="-122"/>
               </a:rPr>
               <a:t>DOMDocument</a:t>
             </a:r>
             <a:r>
-              <a:rPr lang="zh-CN" altLang="en-US" sz="2000" dirty="0" smtClean="0">
-                <a:latin typeface="微软雅黑" panose="020B0503020204020204" pitchFamily="34" charset="-122"/>
-                <a:ea typeface="微软雅黑" panose="020B0503020204020204" pitchFamily="34" charset="-122"/>
-              </a:rPr>
-              <a:t>类</a:t>
-            </a:r>
-            <a:r>
               <a:rPr lang="zh-CN" altLang="en-US" sz="2000" dirty="0">
                 <a:latin typeface="微软雅黑" panose="020B0503020204020204" pitchFamily="34" charset="-122"/>
                 <a:ea typeface="微软雅黑" panose="020B0503020204020204" pitchFamily="34" charset="-122"/>
               </a:rPr>
-              <a:t>可以</a:t>
-            </a:r>
-            <a:r>
-              <a:rPr lang="zh-CN" altLang="en-US" sz="2000" dirty="0" smtClean="0">
-                <a:latin typeface="微软雅黑" panose="020B0503020204020204" pitchFamily="34" charset="-122"/>
-                <a:ea typeface="微软雅黑" panose="020B0503020204020204" pitchFamily="34" charset="-122"/>
-              </a:rPr>
-              <a:t>加载</a:t>
-            </a:r>
-            <a:r>
-              <a:rPr lang="en-US" altLang="zh-CN" sz="2000" dirty="0" smtClean="0">
+              <a:t>类可以加载</a:t>
+            </a:r>
+            <a:r>
+              <a:rPr lang="en-US" altLang="zh-CN" sz="2000" dirty="0">
                 <a:latin typeface="微软雅黑" panose="020B0503020204020204" pitchFamily="34" charset="-122"/>
                 <a:ea typeface="微软雅黑" panose="020B0503020204020204" pitchFamily="34" charset="-122"/>
               </a:rPr>
               <a:t>XML</a:t>
             </a:r>
             <a:r>
-              <a:rPr lang="zh-CN" altLang="en-US" sz="2000" dirty="0" smtClean="0">
+              <a:rPr lang="zh-CN" altLang="en-US" sz="2000" dirty="0">
                 <a:latin typeface="微软雅黑" panose="020B0503020204020204" pitchFamily="34" charset="-122"/>
                 <a:ea typeface="微软雅黑" panose="020B0503020204020204" pitchFamily="34" charset="-122"/>
               </a:rPr>
               <a:t>数据为</a:t>
             </a:r>
             <a:r>
-              <a:rPr lang="en-US" altLang="zh-CN" sz="2000" dirty="0" smtClean="0">
+              <a:rPr lang="en-US" altLang="zh-CN" sz="2000" dirty="0">
                 <a:latin typeface="微软雅黑" panose="020B0503020204020204" pitchFamily="34" charset="-122"/>
                 <a:ea typeface="微软雅黑" panose="020B0503020204020204" pitchFamily="34" charset="-122"/>
               </a:rPr>
               <a:t>DOM</a:t>
             </a:r>
             <a:r>
-              <a:rPr lang="zh-CN" altLang="en-US" sz="2000" dirty="0" smtClean="0">
+              <a:rPr lang="zh-CN" altLang="en-US" sz="2000" dirty="0">
                 <a:latin typeface="微软雅黑" panose="020B0503020204020204" pitchFamily="34" charset="-122"/>
                 <a:ea typeface="微软雅黑" panose="020B0503020204020204" pitchFamily="34" charset="-122"/>
               </a:rPr>
               <a:t>，之后使用方法操标签数据。</a:t>
             </a:r>
-            <a:endParaRPr lang="en-US" altLang="zh-CN" sz="2000" dirty="0" smtClean="0">
+            <a:endParaRPr lang="en-US" altLang="zh-CN" sz="2000" dirty="0">
               <a:latin typeface="微软雅黑" panose="020B0503020204020204" pitchFamily="34" charset="-122"/>
               <a:ea typeface="微软雅黑" panose="020B0503020204020204" pitchFamily="34" charset="-122"/>
             </a:endParaRPr>
@@ -19194,14 +18709,14 @@
           <a:lstStyle/>
           <a:p>
             <a:r>
-              <a:rPr lang="zh-CN" altLang="en-US" dirty="0" smtClean="0"/>
+              <a:rPr lang="zh-CN" altLang="en-US" b="0" dirty="0"/>
               <a:t>使用其他扩展库解析</a:t>
             </a:r>
             <a:r>
-              <a:rPr lang="en-US" altLang="zh-CN" dirty="0" smtClean="0"/>
+              <a:rPr lang="en-US" altLang="zh-CN" b="0" dirty="0"/>
               <a:t>XML</a:t>
             </a:r>
-            <a:endParaRPr lang="zh-CN" altLang="en-US" dirty="0"/>
+            <a:endParaRPr lang="zh-CN" altLang="en-US" b="0" dirty="0"/>
           </a:p>
         </p:txBody>
       </p:sp>
@@ -19284,14 +18799,14 @@
               <a:t>composer require </a:t>
             </a:r>
             <a:r>
-              <a:rPr lang="en-US" altLang="zh-CN" sz="2000" dirty="0" err="1" smtClean="0">
+              <a:rPr lang="en-US" altLang="zh-CN" sz="2000" dirty="0" err="1">
                 <a:latin typeface="微软雅黑" panose="020B0503020204020204" pitchFamily="34" charset="-122"/>
                 <a:ea typeface="微软雅黑" panose="020B0503020204020204" pitchFamily="34" charset="-122"/>
               </a:rPr>
               <a:t>houdunwang</a:t>
             </a:r>
             <a:r>
-              <a:rPr lang="en-US" altLang="zh-CN" sz="2000" dirty="0" smtClean="0">
+              <a:rPr lang="en-US" altLang="zh-CN" sz="2000" dirty="0">
                 <a:latin typeface="微软雅黑" panose="020B0503020204020204" pitchFamily="34" charset="-122"/>
                 <a:ea typeface="微软雅黑" panose="020B0503020204020204" pitchFamily="34" charset="-122"/>
               </a:rPr>
@@ -19311,16 +18826,9 @@
                 <a:latin typeface="微软雅黑" panose="020B0503020204020204" pitchFamily="34" charset="-122"/>
                 <a:ea typeface="微软雅黑" panose="020B0503020204020204" pitchFamily="34" charset="-122"/>
               </a:rPr>
-              <a:t>使用</a:t>
-            </a:r>
-            <a:r>
-              <a:rPr lang="zh-CN" altLang="en-US" sz="2000" dirty="0" smtClean="0">
-                <a:latin typeface="微软雅黑" panose="020B0503020204020204" pitchFamily="34" charset="-122"/>
-                <a:ea typeface="微软雅黑" panose="020B0503020204020204" pitchFamily="34" charset="-122"/>
-              </a:rPr>
-              <a:t>方式：</a:t>
-            </a:r>
-            <a:endParaRPr lang="en-US" altLang="zh-CN" sz="2000" dirty="0" smtClean="0">
+              <a:t>使用方式：</a:t>
+            </a:r>
+            <a:endParaRPr lang="en-US" altLang="zh-CN" sz="2000" dirty="0">
               <a:latin typeface="微软雅黑" panose="020B0503020204020204" pitchFamily="34" charset="-122"/>
               <a:ea typeface="微软雅黑" panose="020B0503020204020204" pitchFamily="34" charset="-122"/>
             </a:endParaRPr>
@@ -19332,35 +18840,35 @@
               </a:lnSpc>
             </a:pPr>
             <a:r>
-              <a:rPr lang="en-US" altLang="zh-CN" sz="2000" dirty="0" smtClean="0">
+              <a:rPr lang="en-US" altLang="zh-CN" sz="2000" dirty="0">
                 <a:latin typeface="微软雅黑" panose="020B0503020204020204" pitchFamily="34" charset="-122"/>
                 <a:ea typeface="微软雅黑" panose="020B0503020204020204" pitchFamily="34" charset="-122"/>
               </a:rPr>
               <a:t>$result = </a:t>
             </a:r>
             <a:r>
-              <a:rPr lang="en-US" altLang="zh-CN" sz="2000" dirty="0" err="1" smtClean="0">
+              <a:rPr lang="en-US" altLang="zh-CN" sz="2000" dirty="0" err="1">
                 <a:latin typeface="微软雅黑" panose="020B0503020204020204" pitchFamily="34" charset="-122"/>
                 <a:ea typeface="微软雅黑" panose="020B0503020204020204" pitchFamily="34" charset="-122"/>
               </a:rPr>
               <a:t>houdunwang</a:t>
             </a:r>
             <a:r>
-              <a:rPr lang="en-US" altLang="zh-CN" sz="2000" dirty="0" smtClean="0">
+              <a:rPr lang="en-US" altLang="zh-CN" sz="2000" dirty="0">
                 <a:latin typeface="微软雅黑" panose="020B0503020204020204" pitchFamily="34" charset="-122"/>
                 <a:ea typeface="微软雅黑" panose="020B0503020204020204" pitchFamily="34" charset="-122"/>
               </a:rPr>
               <a:t>\xml\Xml::</a:t>
             </a:r>
             <a:r>
-              <a:rPr lang="en-US" altLang="zh-CN" sz="2000" dirty="0" err="1" smtClean="0">
+              <a:rPr lang="en-US" altLang="zh-CN" sz="2000" dirty="0" err="1">
                 <a:latin typeface="微软雅黑" panose="020B0503020204020204" pitchFamily="34" charset="-122"/>
                 <a:ea typeface="微软雅黑" panose="020B0503020204020204" pitchFamily="34" charset="-122"/>
               </a:rPr>
               <a:t>toArray</a:t>
             </a:r>
             <a:r>
-              <a:rPr lang="en-US" altLang="zh-CN" sz="2000" dirty="0" smtClean="0">
+              <a:rPr lang="en-US" altLang="zh-CN" sz="2000" dirty="0">
                 <a:latin typeface="微软雅黑" panose="020B0503020204020204" pitchFamily="34" charset="-122"/>
                 <a:ea typeface="微软雅黑" panose="020B0503020204020204" pitchFamily="34" charset="-122"/>
               </a:rPr>
@@ -19378,44 +18886,37 @@
                 <a:latin typeface="微软雅黑" panose="020B0503020204020204" pitchFamily="34" charset="-122"/>
                 <a:ea typeface="微软雅黑" panose="020B0503020204020204" pitchFamily="34" charset="-122"/>
               </a:rPr>
-              <a:t>此</a:t>
-            </a:r>
-            <a:r>
-              <a:rPr lang="zh-CN" altLang="en-US" sz="2000" dirty="0" smtClean="0">
-                <a:latin typeface="微软雅黑" panose="020B0503020204020204" pitchFamily="34" charset="-122"/>
-                <a:ea typeface="微软雅黑" panose="020B0503020204020204" pitchFamily="34" charset="-122"/>
-              </a:rPr>
-              <a:t>方法会把</a:t>
-            </a:r>
-            <a:r>
-              <a:rPr lang="en-US" altLang="zh-CN" sz="2000" dirty="0" smtClean="0">
+              <a:t>此方法会把</a:t>
+            </a:r>
+            <a:r>
+              <a:rPr lang="en-US" altLang="zh-CN" sz="2000" dirty="0">
                 <a:latin typeface="微软雅黑" panose="020B0503020204020204" pitchFamily="34" charset="-122"/>
                 <a:ea typeface="微软雅黑" panose="020B0503020204020204" pitchFamily="34" charset="-122"/>
               </a:rPr>
               <a:t>XML</a:t>
             </a:r>
             <a:r>
-              <a:rPr lang="zh-CN" altLang="en-US" sz="2000" dirty="0" smtClean="0">
+              <a:rPr lang="zh-CN" altLang="en-US" sz="2000" dirty="0">
                 <a:latin typeface="微软雅黑" panose="020B0503020204020204" pitchFamily="34" charset="-122"/>
                 <a:ea typeface="微软雅黑" panose="020B0503020204020204" pitchFamily="34" charset="-122"/>
               </a:rPr>
               <a:t>格式的文本数据转换成</a:t>
             </a:r>
             <a:r>
-              <a:rPr lang="en-US" altLang="zh-CN" sz="2000" dirty="0" smtClean="0">
+              <a:rPr lang="en-US" altLang="zh-CN" sz="2000" dirty="0">
                 <a:latin typeface="微软雅黑" panose="020B0503020204020204" pitchFamily="34" charset="-122"/>
                 <a:ea typeface="微软雅黑" panose="020B0503020204020204" pitchFamily="34" charset="-122"/>
               </a:rPr>
               <a:t>PHP</a:t>
             </a:r>
             <a:r>
-              <a:rPr lang="zh-CN" altLang="en-US" sz="2000" dirty="0" smtClean="0">
+              <a:rPr lang="zh-CN" altLang="en-US" sz="2000" dirty="0">
                 <a:latin typeface="微软雅黑" panose="020B0503020204020204" pitchFamily="34" charset="-122"/>
                 <a:ea typeface="微软雅黑" panose="020B0503020204020204" pitchFamily="34" charset="-122"/>
               </a:rPr>
               <a:t>的数组。</a:t>
             </a:r>
-            <a:endParaRPr lang="en-US" altLang="zh-CN" sz="2000" dirty="0" smtClean="0">
+            <a:endParaRPr lang="en-US" altLang="zh-CN" sz="2000" dirty="0">
               <a:latin typeface="微软雅黑" panose="020B0503020204020204" pitchFamily="34" charset="-122"/>
               <a:ea typeface="微软雅黑" panose="020B0503020204020204" pitchFamily="34" charset="-122"/>
             </a:endParaRPr>
